--- a/slides/2024-05-03-bcstats-vc-git-hub.pptx
+++ b/slides/2024-05-03-bcstats-vc-git-hub.pptx
@@ -5,7 +5,7 @@
     <p:sldMasterId id="2147483648" r:id="rId1"/>
   </p:sldMasterIdLst>
   <p:notesMasterIdLst>
-    <p:notesMasterId r:id="rId39"/>
+    <p:notesMasterId r:id="rId40"/>
   </p:notesMasterIdLst>
   <p:sldIdLst>
     <p:sldId id="256" r:id="rId2"/>
@@ -14,37 +14,38 @@
     <p:sldId id="302" r:id="rId5"/>
     <p:sldId id="311" r:id="rId6"/>
     <p:sldId id="272" r:id="rId7"/>
-    <p:sldId id="258" r:id="rId8"/>
-    <p:sldId id="296" r:id="rId9"/>
-    <p:sldId id="288" r:id="rId10"/>
-    <p:sldId id="289" r:id="rId11"/>
-    <p:sldId id="295" r:id="rId12"/>
-    <p:sldId id="277" r:id="rId13"/>
-    <p:sldId id="263" r:id="rId14"/>
-    <p:sldId id="297" r:id="rId15"/>
-    <p:sldId id="257" r:id="rId16"/>
-    <p:sldId id="298" r:id="rId17"/>
-    <p:sldId id="300" r:id="rId18"/>
-    <p:sldId id="264" r:id="rId19"/>
-    <p:sldId id="301" r:id="rId20"/>
-    <p:sldId id="303" r:id="rId21"/>
-    <p:sldId id="299" r:id="rId22"/>
-    <p:sldId id="304" r:id="rId23"/>
-    <p:sldId id="305" r:id="rId24"/>
-    <p:sldId id="306" r:id="rId25"/>
-    <p:sldId id="307" r:id="rId26"/>
-    <p:sldId id="308" r:id="rId27"/>
-    <p:sldId id="309" r:id="rId28"/>
-    <p:sldId id="310" r:id="rId29"/>
-    <p:sldId id="273" r:id="rId30"/>
-    <p:sldId id="266" r:id="rId31"/>
-    <p:sldId id="274" r:id="rId32"/>
-    <p:sldId id="282" r:id="rId33"/>
-    <p:sldId id="279" r:id="rId34"/>
-    <p:sldId id="267" r:id="rId35"/>
-    <p:sldId id="268" r:id="rId36"/>
-    <p:sldId id="281" r:id="rId37"/>
-    <p:sldId id="312" r:id="rId38"/>
+    <p:sldId id="313" r:id="rId8"/>
+    <p:sldId id="258" r:id="rId9"/>
+    <p:sldId id="296" r:id="rId10"/>
+    <p:sldId id="288" r:id="rId11"/>
+    <p:sldId id="289" r:id="rId12"/>
+    <p:sldId id="295" r:id="rId13"/>
+    <p:sldId id="277" r:id="rId14"/>
+    <p:sldId id="263" r:id="rId15"/>
+    <p:sldId id="297" r:id="rId16"/>
+    <p:sldId id="257" r:id="rId17"/>
+    <p:sldId id="298" r:id="rId18"/>
+    <p:sldId id="300" r:id="rId19"/>
+    <p:sldId id="264" r:id="rId20"/>
+    <p:sldId id="301" r:id="rId21"/>
+    <p:sldId id="303" r:id="rId22"/>
+    <p:sldId id="299" r:id="rId23"/>
+    <p:sldId id="304" r:id="rId24"/>
+    <p:sldId id="305" r:id="rId25"/>
+    <p:sldId id="306" r:id="rId26"/>
+    <p:sldId id="307" r:id="rId27"/>
+    <p:sldId id="308" r:id="rId28"/>
+    <p:sldId id="309" r:id="rId29"/>
+    <p:sldId id="310" r:id="rId30"/>
+    <p:sldId id="273" r:id="rId31"/>
+    <p:sldId id="266" r:id="rId32"/>
+    <p:sldId id="274" r:id="rId33"/>
+    <p:sldId id="282" r:id="rId34"/>
+    <p:sldId id="279" r:id="rId35"/>
+    <p:sldId id="267" r:id="rId36"/>
+    <p:sldId id="268" r:id="rId37"/>
+    <p:sldId id="281" r:id="rId38"/>
+    <p:sldId id="312" r:id="rId39"/>
   </p:sldIdLst>
   <p:sldSz cx="12192000" cy="6858000"/>
   <p:notesSz cx="6858000" cy="9144000"/>
@@ -143,6 +144,11 @@
       </a:defRPr>
     </a:lvl9pPr>
   </p:defaultTextStyle>
+  <p:extLst>
+    <p:ext uri="{EFAFB233-063F-42B5-8137-9DF3F51BA10A}">
+      <p15:sldGuideLst xmlns:p15="http://schemas.microsoft.com/office/powerpoint/2012/main"/>
+    </p:ext>
+  </p:extLst>
 </p:presentation>
 </file>
 
@@ -228,7 +234,7 @@
           <a:p>
             <a:fld id="{797E0B52-6CB2-4E8F-B369-8920ABD775ED}" type="datetimeFigureOut">
               <a:rPr lang="en-US" smtClean="0"/>
-              <a:t>5/15/2024</a:t>
+              <a:t>5/17/2024</a:t>
             </a:fld>
             <a:endParaRPr lang="en-US"/>
           </a:p>
@@ -624,14 +630,94 @@
           <a:bodyPr/>
           <a:lstStyle/>
           <a:p>
+            <a:pPr marL="0" marR="0" indent="0" algn="l" defTabSz="914400" rtl="0" eaLnBrk="1" fontAlgn="auto" latinLnBrk="0" hangingPunct="1">
+              <a:lnSpc>
+                <a:spcPct val="100000"/>
+              </a:lnSpc>
+              <a:spcBef>
+                <a:spcPts val="0"/>
+              </a:spcBef>
+              <a:spcAft>
+                <a:spcPts val="0"/>
+              </a:spcAft>
+              <a:buClrTx/>
+              <a:buSzTx/>
+              <a:buFontTx/>
+              <a:buNone/>
+              <a:tabLst/>
+              <a:defRPr/>
+            </a:pPr>
             <a:r>
               <a:rPr lang="en-US" dirty="0"/>
-              <a:t>Read definition – necessary</a:t>
+              <a:t>Introduce</a:t>
             </a:r>
             <a:r>
               <a:rPr lang="en-US" baseline="0" dirty="0"/>
-              <a:t> evil to use the tools</a:t>
-            </a:r>
+              <a:t> concept of remote</a:t>
+            </a:r>
+          </a:p>
+          <a:p>
+            <a:pPr marL="0" marR="0" indent="0" algn="l" defTabSz="914400" rtl="0" eaLnBrk="1" fontAlgn="auto" latinLnBrk="0" hangingPunct="1">
+              <a:lnSpc>
+                <a:spcPct val="100000"/>
+              </a:lnSpc>
+              <a:spcBef>
+                <a:spcPts val="0"/>
+              </a:spcBef>
+              <a:spcAft>
+                <a:spcPts val="0"/>
+              </a:spcAft>
+              <a:buClrTx/>
+              <a:buSzTx/>
+              <a:buFontTx/>
+              <a:buNone/>
+              <a:tabLst/>
+              <a:defRPr/>
+            </a:pPr>
+            <a:endParaRPr lang="en-US" baseline="0" dirty="0"/>
+          </a:p>
+          <a:p>
+            <a:pPr marL="0" marR="0" lvl="0" indent="0" algn="l" defTabSz="914400" rtl="0" eaLnBrk="1" fontAlgn="auto" latinLnBrk="0" hangingPunct="1">
+              <a:lnSpc>
+                <a:spcPct val="100000"/>
+              </a:lnSpc>
+              <a:spcBef>
+                <a:spcPts val="0"/>
+              </a:spcBef>
+              <a:spcAft>
+                <a:spcPts val="0"/>
+              </a:spcAft>
+              <a:buClrTx/>
+              <a:buSzTx/>
+              <a:buFontTx/>
+              <a:buNone/>
+              <a:tabLst/>
+              <a:defRPr/>
+            </a:pPr>
+            <a:r>
+              <a:rPr lang="en-US" dirty="0"/>
+              <a:t>Documents/Repositories can be kept in sync across different computers facilitating collaboration among different people.</a:t>
+            </a:r>
+            <a:endParaRPr lang="en-CA" dirty="0"/>
+          </a:p>
+          <a:p>
+            <a:pPr marL="0" marR="0" indent="0" algn="l" defTabSz="914400" rtl="0" eaLnBrk="1" fontAlgn="auto" latinLnBrk="0" hangingPunct="1">
+              <a:lnSpc>
+                <a:spcPct val="100000"/>
+              </a:lnSpc>
+              <a:spcBef>
+                <a:spcPts val="0"/>
+              </a:spcBef>
+              <a:spcAft>
+                <a:spcPts val="0"/>
+              </a:spcAft>
+              <a:buClrTx/>
+              <a:buSzTx/>
+              <a:buFontTx/>
+              <a:buNone/>
+              <a:tabLst/>
+              <a:defRPr/>
+            </a:pPr>
             <a:endParaRPr lang="en-CA" dirty="0"/>
           </a:p>
         </p:txBody>
@@ -653,7 +739,7 @@
           <a:p>
             <a:fld id="{4BAC2DA9-ADAE-48F1-A337-E5301139806D}" type="slidenum">
               <a:rPr lang="en-CA" smtClean="0"/>
-              <a:t>13</a:t>
+              <a:t>12</a:t>
             </a:fld>
             <a:endParaRPr lang="en-CA"/>
           </a:p>
@@ -662,7 +748,7 @@
     </p:spTree>
     <p:extLst>
       <p:ext uri="{BB962C8B-B14F-4D97-AF65-F5344CB8AC3E}">
-        <p14:creationId xmlns:p14="http://schemas.microsoft.com/office/powerpoint/2010/main" val="4065074429"/>
+        <p14:creationId xmlns:p14="http://schemas.microsoft.com/office/powerpoint/2010/main" val="944329450"/>
       </p:ext>
     </p:extLst>
   </p:cSld>
@@ -716,10 +802,12 @@
           <a:bodyPr/>
           <a:lstStyle/>
           <a:p>
-            <a:r>
-              <a:rPr lang="en-CA" dirty="0"/>
-              <a:t>Let’s make our first repository</a:t>
-            </a:r>
+            <a:pPr lvl="0"/>
+            <a:r>
+              <a:rPr lang="en-US" dirty="0"/>
+              <a:t>Allows fearless experimentation without worrying about breaking your code</a:t>
+            </a:r>
+            <a:endParaRPr lang="en-CA" dirty="0"/>
           </a:p>
         </p:txBody>
       </p:sp>
@@ -740,7 +828,7 @@
           <a:p>
             <a:fld id="{4BAC2DA9-ADAE-48F1-A337-E5301139806D}" type="slidenum">
               <a:rPr lang="en-CA" smtClean="0"/>
-              <a:t>14</a:t>
+              <a:t>13</a:t>
             </a:fld>
             <a:endParaRPr lang="en-CA"/>
           </a:p>
@@ -749,7 +837,7 @@
     </p:spTree>
     <p:extLst>
       <p:ext uri="{BB962C8B-B14F-4D97-AF65-F5344CB8AC3E}">
-        <p14:creationId xmlns:p14="http://schemas.microsoft.com/office/powerpoint/2010/main" val="59717686"/>
+        <p14:creationId xmlns:p14="http://schemas.microsoft.com/office/powerpoint/2010/main" val="3067453453"/>
       </p:ext>
     </p:extLst>
   </p:cSld>
@@ -803,25 +891,13 @@
           <a:bodyPr/>
           <a:lstStyle/>
           <a:p>
-            <a:endParaRPr lang="en-CA" dirty="0"/>
-          </a:p>
-          <a:p>
-            <a:r>
-              <a:rPr lang="en-CA" dirty="0"/>
-              <a:t>GitHub is a platform that hosts Git repositories in the web and provides a web interface to interact with repos.</a:t>
-            </a:r>
-          </a:p>
-          <a:p>
-            <a:endParaRPr lang="en-CA" dirty="0"/>
-          </a:p>
-          <a:p>
-            <a:r>
-              <a:rPr lang="en-CA" dirty="0"/>
-              <a:t>Main</a:t>
-            </a:r>
-            <a:r>
-              <a:rPr lang="en-CA" baseline="0" dirty="0"/>
-              <a:t> Function is to host the ‘remote’ or main copy of a git repository (project)</a:t>
+            <a:r>
+              <a:rPr lang="en-US" dirty="0"/>
+              <a:t>Read definition – necessary</a:t>
+            </a:r>
+            <a:r>
+              <a:rPr lang="en-US" baseline="0" dirty="0"/>
+              <a:t> evil to use the tools</a:t>
             </a:r>
             <a:endParaRPr lang="en-CA" dirty="0"/>
           </a:p>
@@ -844,7 +920,7 @@
           <a:p>
             <a:fld id="{4BAC2DA9-ADAE-48F1-A337-E5301139806D}" type="slidenum">
               <a:rPr lang="en-CA" smtClean="0"/>
-              <a:t>18</a:t>
+              <a:t>14</a:t>
             </a:fld>
             <a:endParaRPr lang="en-CA"/>
           </a:p>
@@ -853,7 +929,7 @@
     </p:spTree>
     <p:extLst>
       <p:ext uri="{BB962C8B-B14F-4D97-AF65-F5344CB8AC3E}">
-        <p14:creationId xmlns:p14="http://schemas.microsoft.com/office/powerpoint/2010/main" val="1449691236"/>
+        <p14:creationId xmlns:p14="http://schemas.microsoft.com/office/powerpoint/2010/main" val="4065074429"/>
       </p:ext>
     </p:extLst>
   </p:cSld>
@@ -908,19 +984,9 @@
           <a:lstStyle/>
           <a:p>
             <a:r>
-              <a:rPr lang="en-US" b="0" i="0" dirty="0">
-                <a:solidFill>
-                  <a:srgbClr val="343A40"/>
-                </a:solidFill>
-                <a:effectLst/>
-                <a:highlight>
-                  <a:srgbClr val="FFFFFF"/>
-                </a:highlight>
-                <a:latin typeface="Source Sans Pro" panose="020B0503030403020204" pitchFamily="34" charset="0"/>
-              </a:rPr>
-              <a:t>Version control really comes into its own when we begin to collaborate with other people. We already have most of the machinery we need to do this; the only thing missing is to copy changes from one repository to another.</a:t>
-            </a:r>
-            <a:endParaRPr lang="en-CA" dirty="0"/>
+              <a:rPr lang="en-CA" dirty="0"/>
+              <a:t>Let’s make our first repository</a:t>
+            </a:r>
           </a:p>
         </p:txBody>
       </p:sp>
@@ -941,7 +1007,7 @@
           <a:p>
             <a:fld id="{4BAC2DA9-ADAE-48F1-A337-E5301139806D}" type="slidenum">
               <a:rPr lang="en-CA" smtClean="0"/>
-              <a:t>19</a:t>
+              <a:t>15</a:t>
             </a:fld>
             <a:endParaRPr lang="en-CA"/>
           </a:p>
@@ -950,7 +1016,7 @@
     </p:spTree>
     <p:extLst>
       <p:ext uri="{BB962C8B-B14F-4D97-AF65-F5344CB8AC3E}">
-        <p14:creationId xmlns:p14="http://schemas.microsoft.com/office/powerpoint/2010/main" val="2774781084"/>
+        <p14:creationId xmlns:p14="http://schemas.microsoft.com/office/powerpoint/2010/main" val="59717686"/>
       </p:ext>
     </p:extLst>
   </p:cSld>
@@ -1004,10 +1070,27 @@
           <a:bodyPr/>
           <a:lstStyle/>
           <a:p>
+            <a:endParaRPr lang="en-CA" dirty="0"/>
+          </a:p>
+          <a:p>
             <a:r>
               <a:rPr lang="en-CA" dirty="0"/>
-              <a:t>Let’s make our first repository</a:t>
-            </a:r>
+              <a:t>GitHub is a platform that hosts Git repositories in the web and provides a web interface to interact with repos.</a:t>
+            </a:r>
+          </a:p>
+          <a:p>
+            <a:endParaRPr lang="en-CA" dirty="0"/>
+          </a:p>
+          <a:p>
+            <a:r>
+              <a:rPr lang="en-CA" dirty="0"/>
+              <a:t>Main</a:t>
+            </a:r>
+            <a:r>
+              <a:rPr lang="en-CA" baseline="0" dirty="0"/>
+              <a:t> Function is to host the ‘remote’ or main copy of a git repository (project)</a:t>
+            </a:r>
+            <a:endParaRPr lang="en-CA" dirty="0"/>
           </a:p>
         </p:txBody>
       </p:sp>
@@ -1028,7 +1111,7 @@
           <a:p>
             <a:fld id="{4BAC2DA9-ADAE-48F1-A337-E5301139806D}" type="slidenum">
               <a:rPr lang="en-CA" smtClean="0"/>
-              <a:t>20</a:t>
+              <a:t>19</a:t>
             </a:fld>
             <a:endParaRPr lang="en-CA"/>
           </a:p>
@@ -1037,7 +1120,7 @@
     </p:spTree>
     <p:extLst>
       <p:ext uri="{BB962C8B-B14F-4D97-AF65-F5344CB8AC3E}">
-        <p14:creationId xmlns:p14="http://schemas.microsoft.com/office/powerpoint/2010/main" val="3632879431"/>
+        <p14:creationId xmlns:p14="http://schemas.microsoft.com/office/powerpoint/2010/main" val="1449691236"/>
       </p:ext>
     </p:extLst>
   </p:cSld>
@@ -1092,9 +1175,19 @@
           <a:lstStyle/>
           <a:p>
             <a:r>
-              <a:rPr lang="en-CA" dirty="0"/>
-              <a:t>Let’s make our first repository</a:t>
-            </a:r>
+              <a:rPr lang="en-US" b="0" i="0" dirty="0">
+                <a:solidFill>
+                  <a:srgbClr val="343A40"/>
+                </a:solidFill>
+                <a:effectLst/>
+                <a:highlight>
+                  <a:srgbClr val="FFFFFF"/>
+                </a:highlight>
+                <a:latin typeface="Source Sans Pro" panose="020B0503030403020204" pitchFamily="34" charset="0"/>
+              </a:rPr>
+              <a:t>Version control really comes into its own when we begin to collaborate with other people. We already have most of the machinery we need to do this; the only thing missing is to copy changes from one repository to another.</a:t>
+            </a:r>
+            <a:endParaRPr lang="en-CA" dirty="0"/>
           </a:p>
         </p:txBody>
       </p:sp>
@@ -1115,7 +1208,7 @@
           <a:p>
             <a:fld id="{4BAC2DA9-ADAE-48F1-A337-E5301139806D}" type="slidenum">
               <a:rPr lang="en-CA" smtClean="0"/>
-              <a:t>28</a:t>
+              <a:t>20</a:t>
             </a:fld>
             <a:endParaRPr lang="en-CA"/>
           </a:p>
@@ -1124,7 +1217,7 @@
     </p:spTree>
     <p:extLst>
       <p:ext uri="{BB962C8B-B14F-4D97-AF65-F5344CB8AC3E}">
-        <p14:creationId xmlns:p14="http://schemas.microsoft.com/office/powerpoint/2010/main" val="2317884206"/>
+        <p14:creationId xmlns:p14="http://schemas.microsoft.com/office/powerpoint/2010/main" val="2774781084"/>
       </p:ext>
     </p:extLst>
   </p:cSld>
@@ -1179,30 +1272,9 @@
           <a:lstStyle/>
           <a:p>
             <a:r>
-              <a:rPr lang="en-US" dirty="0"/>
-              <a:t>Efforts</a:t>
-            </a:r>
-            <a:r>
-              <a:rPr lang="en-US" baseline="0" dirty="0"/>
-              <a:t> and leadership from the OCIO and the </a:t>
-            </a:r>
-            <a:r>
-              <a:rPr lang="en-US" baseline="0" dirty="0" err="1"/>
-              <a:t>BCDevExchange</a:t>
-            </a:r>
-            <a:r>
-              <a:rPr lang="en-US" baseline="0" dirty="0"/>
-              <a:t> team resulted in a </a:t>
-            </a:r>
-            <a:r>
-              <a:rPr lang="en-US" baseline="0" dirty="0" err="1"/>
-              <a:t>BCGov</a:t>
-            </a:r>
-            <a:r>
-              <a:rPr lang="en-US" baseline="0" dirty="0"/>
-              <a:t> Org in GitHub, established in early 2014.</a:t>
-            </a:r>
-            <a:endParaRPr lang="en-CA" dirty="0"/>
+              <a:rPr lang="en-CA" dirty="0"/>
+              <a:t>Let’s make our first repository</a:t>
+            </a:r>
           </a:p>
         </p:txBody>
       </p:sp>
@@ -1223,7 +1295,7 @@
           <a:p>
             <a:fld id="{4BAC2DA9-ADAE-48F1-A337-E5301139806D}" type="slidenum">
               <a:rPr lang="en-CA" smtClean="0"/>
-              <a:t>29</a:t>
+              <a:t>21</a:t>
             </a:fld>
             <a:endParaRPr lang="en-CA"/>
           </a:p>
@@ -1232,7 +1304,7 @@
     </p:spTree>
     <p:extLst>
       <p:ext uri="{BB962C8B-B14F-4D97-AF65-F5344CB8AC3E}">
-        <p14:creationId xmlns:p14="http://schemas.microsoft.com/office/powerpoint/2010/main" val="4065074429"/>
+        <p14:creationId xmlns:p14="http://schemas.microsoft.com/office/powerpoint/2010/main" val="3632879431"/>
       </p:ext>
     </p:extLst>
   </p:cSld>
@@ -1288,7 +1360,23 @@
           <a:p>
             <a:r>
               <a:rPr lang="en-CA" dirty="0"/>
-              <a:t>(SLH)</a:t>
+              <a:t>Also not the artifacts (.</a:t>
+            </a:r>
+            <a:r>
+              <a:rPr lang="en-CA" dirty="0" err="1"/>
+              <a:t>Renviron</a:t>
+            </a:r>
+            <a:r>
+              <a:rPr lang="en-CA" dirty="0"/>
+              <a:t>, .</a:t>
+            </a:r>
+            <a:r>
+              <a:rPr lang="en-CA" dirty="0" err="1"/>
+              <a:t>ipynb</a:t>
+            </a:r>
+            <a:r>
+              <a:rPr lang="en-CA" dirty="0"/>
+              <a:t>, html/ppt/docx)</a:t>
             </a:r>
           </a:p>
         </p:txBody>
@@ -1310,7 +1398,7 @@
           <a:p>
             <a:fld id="{4BAC2DA9-ADAE-48F1-A337-E5301139806D}" type="slidenum">
               <a:rPr lang="en-CA" smtClean="0"/>
-              <a:t>30</a:t>
+              <a:t>29</a:t>
             </a:fld>
             <a:endParaRPr lang="en-CA"/>
           </a:p>
@@ -1319,7 +1407,7 @@
     </p:spTree>
     <p:extLst>
       <p:ext uri="{BB962C8B-B14F-4D97-AF65-F5344CB8AC3E}">
-        <p14:creationId xmlns:p14="http://schemas.microsoft.com/office/powerpoint/2010/main" val="3497563289"/>
+        <p14:creationId xmlns:p14="http://schemas.microsoft.com/office/powerpoint/2010/main" val="2317884206"/>
       </p:ext>
     </p:extLst>
   </p:cSld>
@@ -1373,29 +1461,30 @@
           <a:bodyPr/>
           <a:lstStyle/>
           <a:p>
-            <a:pPr marL="0" marR="0" indent="0" algn="l" defTabSz="914400" rtl="0" eaLnBrk="1" fontAlgn="auto" latinLnBrk="0" hangingPunct="1">
-              <a:lnSpc>
-                <a:spcPct val="100000"/>
-              </a:lnSpc>
-              <a:spcBef>
-                <a:spcPts val="0"/>
-              </a:spcBef>
-              <a:spcAft>
-                <a:spcPts val="0"/>
-              </a:spcAft>
-              <a:buClrTx/>
-              <a:buSzTx/>
-              <a:buFontTx/>
-              <a:buNone/>
-              <a:tabLst/>
-              <a:defRPr/>
-            </a:pPr>
-            <a:r>
-              <a:rPr lang="en-CA" dirty="0"/>
-              <a:t>(SLH)</a:t>
-            </a:r>
-          </a:p>
-          <a:p>
+            <a:r>
+              <a:rPr lang="en-US" dirty="0"/>
+              <a:t>Efforts</a:t>
+            </a:r>
+            <a:r>
+              <a:rPr lang="en-US" baseline="0" dirty="0"/>
+              <a:t> and leadership from the OCIO and the </a:t>
+            </a:r>
+            <a:r>
+              <a:rPr lang="en-US" baseline="0" dirty="0" err="1"/>
+              <a:t>BCDevExchange</a:t>
+            </a:r>
+            <a:r>
+              <a:rPr lang="en-US" baseline="0" dirty="0"/>
+              <a:t> team resulted in a </a:t>
+            </a:r>
+            <a:r>
+              <a:rPr lang="en-US" baseline="0" dirty="0" err="1"/>
+              <a:t>BCGov</a:t>
+            </a:r>
+            <a:r>
+              <a:rPr lang="en-US" baseline="0" dirty="0"/>
+              <a:t> Org in GitHub, established in early 2014.</a:t>
+            </a:r>
             <a:endParaRPr lang="en-CA" dirty="0"/>
           </a:p>
         </p:txBody>
@@ -1417,7 +1506,7 @@
           <a:p>
             <a:fld id="{4BAC2DA9-ADAE-48F1-A337-E5301139806D}" type="slidenum">
               <a:rPr lang="en-CA" smtClean="0"/>
-              <a:t>31</a:t>
+              <a:t>30</a:t>
             </a:fld>
             <a:endParaRPr lang="en-CA"/>
           </a:p>
@@ -1426,7 +1515,7 @@
     </p:spTree>
     <p:extLst>
       <p:ext uri="{BB962C8B-B14F-4D97-AF65-F5344CB8AC3E}">
-        <p14:creationId xmlns:p14="http://schemas.microsoft.com/office/powerpoint/2010/main" val="4164942846"/>
+        <p14:creationId xmlns:p14="http://schemas.microsoft.com/office/powerpoint/2010/main" val="4065074429"/>
       </p:ext>
     </p:extLst>
   </p:cSld>
@@ -1480,64 +1569,10 @@
           <a:bodyPr/>
           <a:lstStyle/>
           <a:p>
-            <a:pPr marL="0" marR="0" indent="0" algn="l" defTabSz="914400" rtl="0" eaLnBrk="1" fontAlgn="auto" latinLnBrk="0" hangingPunct="1">
-              <a:lnSpc>
-                <a:spcPct val="100000"/>
-              </a:lnSpc>
-              <a:spcBef>
-                <a:spcPts val="0"/>
-              </a:spcBef>
-              <a:spcAft>
-                <a:spcPts val="0"/>
-              </a:spcAft>
-              <a:buClrTx/>
-              <a:buSzTx/>
-              <a:buFontTx/>
-              <a:buNone/>
-              <a:tabLst/>
-              <a:defRPr/>
-            </a:pPr>
             <a:r>
               <a:rPr lang="en-CA" dirty="0"/>
               <a:t>(SLH)</a:t>
             </a:r>
-            <a:endParaRPr lang="en-US" dirty="0"/>
-          </a:p>
-          <a:p>
-            <a:endParaRPr lang="en-US" dirty="0"/>
-          </a:p>
-          <a:p>
-            <a:r>
-              <a:rPr lang="en-US" dirty="0"/>
-              <a:t>Can my code go</a:t>
-            </a:r>
-            <a:r>
-              <a:rPr lang="en-US" baseline="0" dirty="0"/>
-              <a:t> into GitHub? Things to consider -- why we have a checklist.</a:t>
-            </a:r>
-            <a:endParaRPr lang="en-US" dirty="0"/>
-          </a:p>
-          <a:p>
-            <a:endParaRPr lang="en-US" dirty="0"/>
-          </a:p>
-          <a:p>
-            <a:r>
-              <a:rPr lang="en-US" dirty="0"/>
-              <a:t>Less</a:t>
-            </a:r>
-            <a:r>
-              <a:rPr lang="en-US" baseline="0" dirty="0"/>
-              <a:t> steps</a:t>
-            </a:r>
-            <a:r>
-              <a:rPr lang="en-US" dirty="0"/>
-              <a:t> to start new, but fine to publish</a:t>
-            </a:r>
-            <a:r>
-              <a:rPr lang="en-US" baseline="0" dirty="0"/>
-              <a:t> too.</a:t>
-            </a:r>
-            <a:endParaRPr lang="en-CA" dirty="0"/>
           </a:p>
         </p:txBody>
       </p:sp>
@@ -1558,7 +1593,7 @@
           <a:p>
             <a:fld id="{4BAC2DA9-ADAE-48F1-A337-E5301139806D}" type="slidenum">
               <a:rPr lang="en-CA" smtClean="0"/>
-              <a:t>32</a:t>
+              <a:t>31</a:t>
             </a:fld>
             <a:endParaRPr lang="en-CA"/>
           </a:p>
@@ -1567,7 +1602,7 @@
     </p:spTree>
     <p:extLst>
       <p:ext uri="{BB962C8B-B14F-4D97-AF65-F5344CB8AC3E}">
-        <p14:creationId xmlns:p14="http://schemas.microsoft.com/office/powerpoint/2010/main" val="848219182"/>
+        <p14:creationId xmlns:p14="http://schemas.microsoft.com/office/powerpoint/2010/main" val="3497563289"/>
       </p:ext>
     </p:extLst>
   </p:cSld>
@@ -1730,104 +1765,6 @@
           <a:p>
             <a:endParaRPr lang="en-CA" dirty="0"/>
           </a:p>
-          <a:p>
-            <a:r>
-              <a:rPr lang="en-CA" dirty="0"/>
-              <a:t>3 Mandatory files:</a:t>
-            </a:r>
-          </a:p>
-          <a:p>
-            <a:r>
-              <a:rPr lang="en-CA" dirty="0"/>
-              <a:t>LICENSE</a:t>
-            </a:r>
-          </a:p>
-          <a:p>
-            <a:r>
-              <a:rPr lang="en-CA" dirty="0"/>
-              <a:t>README</a:t>
-            </a:r>
-            <a:r>
-              <a:rPr lang="en-CA" baseline="0" dirty="0"/>
-              <a:t> – what is in this project</a:t>
-            </a:r>
-            <a:endParaRPr lang="en-CA" dirty="0"/>
-          </a:p>
-          <a:p>
-            <a:r>
-              <a:rPr lang="en-CA" dirty="0"/>
-              <a:t>Contributing</a:t>
-            </a:r>
-            <a:r>
-              <a:rPr lang="en-CA" baseline="0" dirty="0"/>
-              <a:t> – encourage g</a:t>
-            </a:r>
-            <a:r>
-              <a:rPr lang="en-CA" dirty="0"/>
-              <a:t>overnment employees, public and members of the private sector are encouraged to contribute to the repository and how to do that</a:t>
-            </a:r>
-          </a:p>
-          <a:p>
-            <a:endParaRPr lang="en-CA" dirty="0"/>
-          </a:p>
-          <a:p>
-            <a:endParaRPr lang="en-CA" dirty="0"/>
-          </a:p>
-          <a:p>
-            <a:r>
-              <a:rPr lang="en-CA" dirty="0"/>
-              <a:t>To foster a kind, inclusive, cooperative, and harassment-free open source </a:t>
-            </a:r>
-            <a:r>
-              <a:rPr lang="en-CA" dirty="0" err="1"/>
-              <a:t>BCGov</a:t>
-            </a:r>
-            <a:r>
-              <a:rPr lang="en-CA" dirty="0"/>
-              <a:t> community</a:t>
-            </a:r>
-            <a:r>
-              <a:rPr lang="en-CA" baseline="0" dirty="0"/>
-              <a:t> -&gt; </a:t>
-            </a:r>
-            <a:r>
-              <a:rPr lang="en-CA" dirty="0"/>
-              <a:t>Optional Code-of-Conduct. </a:t>
-            </a:r>
-          </a:p>
-          <a:p>
-            <a:endParaRPr lang="en-CA" dirty="0"/>
-          </a:p>
-          <a:p>
-            <a:r>
-              <a:rPr lang="en-CA" dirty="0"/>
-              <a:t>Open Source</a:t>
-            </a:r>
-            <a:r>
-              <a:rPr lang="en-CA" baseline="0" dirty="0"/>
-              <a:t> space in general has had its struggles with conduct and one approach to improving  this is establishing clear code of conduct for open source projects. Most often this is a statement around</a:t>
-            </a:r>
-            <a:r>
-              <a:rPr lang="en-CA" dirty="0"/>
-              <a:t> fostering an open,</a:t>
-            </a:r>
-            <a:r>
-              <a:rPr lang="en-CA" baseline="0" dirty="0"/>
-              <a:t> safe, </a:t>
-            </a:r>
-            <a:r>
-              <a:rPr lang="en-CA" dirty="0"/>
-              <a:t>welcoming,</a:t>
-            </a:r>
-            <a:r>
-              <a:rPr lang="en-CA" baseline="0" dirty="0"/>
-              <a:t> and respectful inclusive </a:t>
-            </a:r>
-            <a:r>
-              <a:rPr lang="en-CA" dirty="0"/>
-              <a:t>community for all.</a:t>
-            </a:r>
-          </a:p>
         </p:txBody>
       </p:sp>
       <p:sp>
@@ -1847,7 +1784,7 @@
           <a:p>
             <a:fld id="{4BAC2DA9-ADAE-48F1-A337-E5301139806D}" type="slidenum">
               <a:rPr lang="en-CA" smtClean="0"/>
-              <a:t>33</a:t>
+              <a:t>32</a:t>
             </a:fld>
             <a:endParaRPr lang="en-CA"/>
           </a:p>
@@ -1856,7 +1793,7 @@
     </p:spTree>
     <p:extLst>
       <p:ext uri="{BB962C8B-B14F-4D97-AF65-F5344CB8AC3E}">
-        <p14:creationId xmlns:p14="http://schemas.microsoft.com/office/powerpoint/2010/main" val="2938341529"/>
+        <p14:creationId xmlns:p14="http://schemas.microsoft.com/office/powerpoint/2010/main" val="4164942846"/>
       </p:ext>
     </p:extLst>
   </p:cSld>
@@ -1931,8 +1868,42 @@
               <a:rPr lang="en-CA" dirty="0"/>
               <a:t>(SLH)</a:t>
             </a:r>
-          </a:p>
-          <a:p>
+            <a:endParaRPr lang="en-US" dirty="0"/>
+          </a:p>
+          <a:p>
+            <a:endParaRPr lang="en-US" dirty="0"/>
+          </a:p>
+          <a:p>
+            <a:r>
+              <a:rPr lang="en-US" dirty="0"/>
+              <a:t>Can my code go</a:t>
+            </a:r>
+            <a:r>
+              <a:rPr lang="en-US" baseline="0" dirty="0"/>
+              <a:t> into GitHub? Things to consider -- why we have a checklist.</a:t>
+            </a:r>
+            <a:endParaRPr lang="en-US" dirty="0"/>
+          </a:p>
+          <a:p>
+            <a:endParaRPr lang="en-US" dirty="0"/>
+          </a:p>
+          <a:p>
+            <a:r>
+              <a:rPr lang="en-US" dirty="0"/>
+              <a:t>Less</a:t>
+            </a:r>
+            <a:r>
+              <a:rPr lang="en-US" baseline="0" dirty="0"/>
+              <a:t> steps</a:t>
+            </a:r>
+            <a:r>
+              <a:rPr lang="en-US" dirty="0"/>
+              <a:t> to start new, but fine to publish</a:t>
+            </a:r>
+            <a:r>
+              <a:rPr lang="en-US" baseline="0" dirty="0"/>
+              <a:t> too.</a:t>
+            </a:r>
             <a:endParaRPr lang="en-CA" dirty="0"/>
           </a:p>
         </p:txBody>
@@ -1954,7 +1925,7 @@
           <a:p>
             <a:fld id="{4BAC2DA9-ADAE-48F1-A337-E5301139806D}" type="slidenum">
               <a:rPr lang="en-CA" smtClean="0"/>
-              <a:t>34</a:t>
+              <a:t>33</a:t>
             </a:fld>
             <a:endParaRPr lang="en-CA"/>
           </a:p>
@@ -1963,7 +1934,7 @@
     </p:spTree>
     <p:extLst>
       <p:ext uri="{BB962C8B-B14F-4D97-AF65-F5344CB8AC3E}">
-        <p14:creationId xmlns:p14="http://schemas.microsoft.com/office/powerpoint/2010/main" val="1300275947"/>
+        <p14:creationId xmlns:p14="http://schemas.microsoft.com/office/powerpoint/2010/main" val="848219182"/>
       </p:ext>
     </p:extLst>
   </p:cSld>
@@ -2042,6 +2013,104 @@
           <a:p>
             <a:endParaRPr lang="en-CA" dirty="0"/>
           </a:p>
+          <a:p>
+            <a:r>
+              <a:rPr lang="en-CA" dirty="0"/>
+              <a:t>3 Mandatory files:</a:t>
+            </a:r>
+          </a:p>
+          <a:p>
+            <a:r>
+              <a:rPr lang="en-CA" dirty="0"/>
+              <a:t>LICENSE</a:t>
+            </a:r>
+          </a:p>
+          <a:p>
+            <a:r>
+              <a:rPr lang="en-CA" dirty="0"/>
+              <a:t>README</a:t>
+            </a:r>
+            <a:r>
+              <a:rPr lang="en-CA" baseline="0" dirty="0"/>
+              <a:t> – what is in this project</a:t>
+            </a:r>
+            <a:endParaRPr lang="en-CA" dirty="0"/>
+          </a:p>
+          <a:p>
+            <a:r>
+              <a:rPr lang="en-CA" dirty="0"/>
+              <a:t>Contributing</a:t>
+            </a:r>
+            <a:r>
+              <a:rPr lang="en-CA" baseline="0" dirty="0"/>
+              <a:t> – encourage g</a:t>
+            </a:r>
+            <a:r>
+              <a:rPr lang="en-CA" dirty="0"/>
+              <a:t>overnment employees, public and members of the private sector are encouraged to contribute to the repository and how to do that</a:t>
+            </a:r>
+          </a:p>
+          <a:p>
+            <a:endParaRPr lang="en-CA" dirty="0"/>
+          </a:p>
+          <a:p>
+            <a:endParaRPr lang="en-CA" dirty="0"/>
+          </a:p>
+          <a:p>
+            <a:r>
+              <a:rPr lang="en-CA" dirty="0"/>
+              <a:t>To foster a kind, inclusive, cooperative, and harassment-free open source </a:t>
+            </a:r>
+            <a:r>
+              <a:rPr lang="en-CA" dirty="0" err="1"/>
+              <a:t>BCGov</a:t>
+            </a:r>
+            <a:r>
+              <a:rPr lang="en-CA" dirty="0"/>
+              <a:t> community</a:t>
+            </a:r>
+            <a:r>
+              <a:rPr lang="en-CA" baseline="0" dirty="0"/>
+              <a:t> -&gt; </a:t>
+            </a:r>
+            <a:r>
+              <a:rPr lang="en-CA" dirty="0"/>
+              <a:t>Optional Code-of-Conduct. </a:t>
+            </a:r>
+          </a:p>
+          <a:p>
+            <a:endParaRPr lang="en-CA" dirty="0"/>
+          </a:p>
+          <a:p>
+            <a:r>
+              <a:rPr lang="en-CA" dirty="0"/>
+              <a:t>Open Source</a:t>
+            </a:r>
+            <a:r>
+              <a:rPr lang="en-CA" baseline="0" dirty="0"/>
+              <a:t> space in general has had its struggles with conduct and one approach to improving  this is establishing clear code of conduct for open source projects. Most often this is a statement around</a:t>
+            </a:r>
+            <a:r>
+              <a:rPr lang="en-CA" dirty="0"/>
+              <a:t> fostering an open,</a:t>
+            </a:r>
+            <a:r>
+              <a:rPr lang="en-CA" baseline="0" dirty="0"/>
+              <a:t> safe, </a:t>
+            </a:r>
+            <a:r>
+              <a:rPr lang="en-CA" dirty="0"/>
+              <a:t>welcoming,</a:t>
+            </a:r>
+            <a:r>
+              <a:rPr lang="en-CA" baseline="0" dirty="0"/>
+              <a:t> and respectful inclusive </a:t>
+            </a:r>
+            <a:r>
+              <a:rPr lang="en-CA" dirty="0"/>
+              <a:t>community for all.</a:t>
+            </a:r>
+          </a:p>
         </p:txBody>
       </p:sp>
       <p:sp>
@@ -2061,7 +2130,7 @@
           <a:p>
             <a:fld id="{4BAC2DA9-ADAE-48F1-A337-E5301139806D}" type="slidenum">
               <a:rPr lang="en-CA" smtClean="0"/>
-              <a:t>35</a:t>
+              <a:t>34</a:t>
             </a:fld>
             <a:endParaRPr lang="en-CA"/>
           </a:p>
@@ -2070,7 +2139,7 @@
     </p:spTree>
     <p:extLst>
       <p:ext uri="{BB962C8B-B14F-4D97-AF65-F5344CB8AC3E}">
-        <p14:creationId xmlns:p14="http://schemas.microsoft.com/office/powerpoint/2010/main" val="2952143903"/>
+        <p14:creationId xmlns:p14="http://schemas.microsoft.com/office/powerpoint/2010/main" val="2938341529"/>
       </p:ext>
     </p:extLst>
   </p:cSld>
@@ -2168,7 +2237,7 @@
           <a:p>
             <a:fld id="{4BAC2DA9-ADAE-48F1-A337-E5301139806D}" type="slidenum">
               <a:rPr lang="en-CA" smtClean="0"/>
-              <a:t>36</a:t>
+              <a:t>35</a:t>
             </a:fld>
             <a:endParaRPr lang="en-CA"/>
           </a:p>
@@ -2177,7 +2246,7 @@
     </p:spTree>
     <p:extLst>
       <p:ext uri="{BB962C8B-B14F-4D97-AF65-F5344CB8AC3E}">
-        <p14:creationId xmlns:p14="http://schemas.microsoft.com/office/powerpoint/2010/main" val="594989877"/>
+        <p14:creationId xmlns:p14="http://schemas.microsoft.com/office/powerpoint/2010/main" val="1300275947"/>
       </p:ext>
     </p:extLst>
   </p:cSld>
@@ -2254,50 +2323,113 @@
             </a:r>
           </a:p>
           <a:p>
-            <a:endParaRPr lang="en-US" dirty="0"/>
-          </a:p>
-          <a:p>
-            <a:endParaRPr lang="en-US" dirty="0"/>
-          </a:p>
-          <a:p>
-            <a:r>
-              <a:rPr lang="en-US" dirty="0"/>
-              <a:t>Most of the</a:t>
-            </a:r>
-            <a:r>
-              <a:rPr lang="en-US" baseline="0" dirty="0"/>
-              <a:t> content in this talk is summarized in a new “Working in </a:t>
-            </a:r>
-            <a:r>
-              <a:rPr lang="en-US" baseline="0" dirty="0" err="1"/>
-              <a:t>BCGov</a:t>
-            </a:r>
-            <a:r>
-              <a:rPr lang="en-US" baseline="0" dirty="0"/>
-              <a:t> GitHub” </a:t>
-            </a:r>
-            <a:r>
-              <a:rPr lang="en-US" baseline="0" dirty="0" err="1"/>
-              <a:t>cheatsheet</a:t>
-            </a:r>
-            <a:endParaRPr lang="en-US" baseline="0" dirty="0"/>
-          </a:p>
-          <a:p>
-            <a:endParaRPr lang="en-US" baseline="0" dirty="0"/>
-          </a:p>
-          <a:p>
-            <a:r>
-              <a:rPr lang="en-US" baseline="0" dirty="0"/>
-              <a:t>Includes a list of learning resources for </a:t>
-            </a:r>
-            <a:r>
-              <a:rPr lang="en-US" baseline="0" dirty="0" err="1"/>
-              <a:t>Git</a:t>
-            </a:r>
-            <a:r>
-              <a:rPr lang="en-US" baseline="0" dirty="0"/>
-              <a:t> &amp; GitHub</a:t>
-            </a:r>
+            <a:endParaRPr lang="en-CA" dirty="0"/>
+          </a:p>
+        </p:txBody>
+      </p:sp>
+      <p:sp>
+        <p:nvSpPr>
+          <p:cNvPr id="4" name="Slide Number Placeholder 3"/>
+          <p:cNvSpPr>
+            <a:spLocks noGrp="1"/>
+          </p:cNvSpPr>
+          <p:nvPr>
+            <p:ph type="sldNum" sz="quarter" idx="10"/>
+          </p:nvPr>
+        </p:nvSpPr>
+        <p:spPr/>
+        <p:txBody>
+          <a:bodyPr/>
+          <a:lstStyle/>
+          <a:p>
+            <a:fld id="{4BAC2DA9-ADAE-48F1-A337-E5301139806D}" type="slidenum">
+              <a:rPr lang="en-CA" smtClean="0"/>
+              <a:t>36</a:t>
+            </a:fld>
+            <a:endParaRPr lang="en-CA"/>
+          </a:p>
+        </p:txBody>
+      </p:sp>
+    </p:spTree>
+    <p:extLst>
+      <p:ext uri="{BB962C8B-B14F-4D97-AF65-F5344CB8AC3E}">
+        <p14:creationId xmlns:p14="http://schemas.microsoft.com/office/powerpoint/2010/main" val="2952143903"/>
+      </p:ext>
+    </p:extLst>
+  </p:cSld>
+  <p:clrMapOvr>
+    <a:masterClrMapping/>
+  </p:clrMapOvr>
+</p:notes>
+</file>
+
+<file path=ppt/notesSlides/notesSlide25.xml><?xml version="1.0" encoding="utf-8"?>
+<p:notes xmlns:a="http://schemas.openxmlformats.org/drawingml/2006/main" xmlns:r="http://schemas.openxmlformats.org/officeDocument/2006/relationships" xmlns:p="http://schemas.openxmlformats.org/presentationml/2006/main">
+  <p:cSld>
+    <p:spTree>
+      <p:nvGrpSpPr>
+        <p:cNvPr id="1" name=""/>
+        <p:cNvGrpSpPr/>
+        <p:nvPr/>
+      </p:nvGrpSpPr>
+      <p:grpSpPr>
+        <a:xfrm>
+          <a:off x="0" y="0"/>
+          <a:ext cx="0" cy="0"/>
+          <a:chOff x="0" y="0"/>
+          <a:chExt cx="0" cy="0"/>
+        </a:xfrm>
+      </p:grpSpPr>
+      <p:sp>
+        <p:nvSpPr>
+          <p:cNvPr id="2" name="Slide Image Placeholder 1"/>
+          <p:cNvSpPr>
+            <a:spLocks noGrp="1" noRot="1" noChangeAspect="1"/>
+          </p:cNvSpPr>
+          <p:nvPr>
+            <p:ph type="sldImg"/>
+          </p:nvPr>
+        </p:nvSpPr>
+        <p:spPr/>
+      </p:sp>
+      <p:sp>
+        <p:nvSpPr>
+          <p:cNvPr id="3" name="Notes Placeholder 2"/>
+          <p:cNvSpPr>
+            <a:spLocks noGrp="1"/>
+          </p:cNvSpPr>
+          <p:nvPr>
+            <p:ph type="body" idx="1"/>
+          </p:nvPr>
+        </p:nvSpPr>
+        <p:spPr/>
+        <p:txBody>
+          <a:bodyPr/>
+          <a:lstStyle/>
+          <a:p>
+            <a:pPr marL="0" marR="0" indent="0" algn="l" defTabSz="914400" rtl="0" eaLnBrk="1" fontAlgn="auto" latinLnBrk="0" hangingPunct="1">
+              <a:lnSpc>
+                <a:spcPct val="100000"/>
+              </a:lnSpc>
+              <a:spcBef>
+                <a:spcPts val="0"/>
+              </a:spcBef>
+              <a:spcAft>
+                <a:spcPts val="0"/>
+              </a:spcAft>
+              <a:buClrTx/>
+              <a:buSzTx/>
+              <a:buFontTx/>
+              <a:buNone/>
+              <a:tabLst/>
+              <a:defRPr/>
+            </a:pPr>
+            <a:r>
+              <a:rPr lang="en-CA" dirty="0"/>
+              <a:t>(SLH)</a:t>
+            </a:r>
+          </a:p>
+          <a:p>
             <a:endParaRPr lang="en-CA" dirty="0"/>
           </a:p>
         </p:txBody>
@@ -2320,6 +2452,157 @@
             <a:fld id="{4BAC2DA9-ADAE-48F1-A337-E5301139806D}" type="slidenum">
               <a:rPr lang="en-CA" smtClean="0"/>
               <a:t>37</a:t>
+            </a:fld>
+            <a:endParaRPr lang="en-CA"/>
+          </a:p>
+        </p:txBody>
+      </p:sp>
+    </p:spTree>
+    <p:extLst>
+      <p:ext uri="{BB962C8B-B14F-4D97-AF65-F5344CB8AC3E}">
+        <p14:creationId xmlns:p14="http://schemas.microsoft.com/office/powerpoint/2010/main" val="594989877"/>
+      </p:ext>
+    </p:extLst>
+  </p:cSld>
+  <p:clrMapOvr>
+    <a:masterClrMapping/>
+  </p:clrMapOvr>
+</p:notes>
+</file>
+
+<file path=ppt/notesSlides/notesSlide26.xml><?xml version="1.0" encoding="utf-8"?>
+<p:notes xmlns:a="http://schemas.openxmlformats.org/drawingml/2006/main" xmlns:r="http://schemas.openxmlformats.org/officeDocument/2006/relationships" xmlns:p="http://schemas.openxmlformats.org/presentationml/2006/main">
+  <p:cSld>
+    <p:spTree>
+      <p:nvGrpSpPr>
+        <p:cNvPr id="1" name=""/>
+        <p:cNvGrpSpPr/>
+        <p:nvPr/>
+      </p:nvGrpSpPr>
+      <p:grpSpPr>
+        <a:xfrm>
+          <a:off x="0" y="0"/>
+          <a:ext cx="0" cy="0"/>
+          <a:chOff x="0" y="0"/>
+          <a:chExt cx="0" cy="0"/>
+        </a:xfrm>
+      </p:grpSpPr>
+      <p:sp>
+        <p:nvSpPr>
+          <p:cNvPr id="2" name="Slide Image Placeholder 1"/>
+          <p:cNvSpPr>
+            <a:spLocks noGrp="1" noRot="1" noChangeAspect="1"/>
+          </p:cNvSpPr>
+          <p:nvPr>
+            <p:ph type="sldImg"/>
+          </p:nvPr>
+        </p:nvSpPr>
+        <p:spPr/>
+      </p:sp>
+      <p:sp>
+        <p:nvSpPr>
+          <p:cNvPr id="3" name="Notes Placeholder 2"/>
+          <p:cNvSpPr>
+            <a:spLocks noGrp="1"/>
+          </p:cNvSpPr>
+          <p:nvPr>
+            <p:ph type="body" idx="1"/>
+          </p:nvPr>
+        </p:nvSpPr>
+        <p:spPr/>
+        <p:txBody>
+          <a:bodyPr/>
+          <a:lstStyle/>
+          <a:p>
+            <a:pPr marL="0" marR="0" indent="0" algn="l" defTabSz="914400" rtl="0" eaLnBrk="1" fontAlgn="auto" latinLnBrk="0" hangingPunct="1">
+              <a:lnSpc>
+                <a:spcPct val="100000"/>
+              </a:lnSpc>
+              <a:spcBef>
+                <a:spcPts val="0"/>
+              </a:spcBef>
+              <a:spcAft>
+                <a:spcPts val="0"/>
+              </a:spcAft>
+              <a:buClrTx/>
+              <a:buSzTx/>
+              <a:buFontTx/>
+              <a:buNone/>
+              <a:tabLst/>
+              <a:defRPr/>
+            </a:pPr>
+            <a:r>
+              <a:rPr lang="en-CA" dirty="0"/>
+              <a:t>(SLH)</a:t>
+            </a:r>
+          </a:p>
+          <a:p>
+            <a:endParaRPr lang="en-US" dirty="0"/>
+          </a:p>
+          <a:p>
+            <a:endParaRPr lang="en-US" dirty="0"/>
+          </a:p>
+          <a:p>
+            <a:r>
+              <a:rPr lang="en-US" dirty="0"/>
+              <a:t>Most of the</a:t>
+            </a:r>
+            <a:r>
+              <a:rPr lang="en-US" baseline="0" dirty="0"/>
+              <a:t> content in this talk is summarized in a new “Working in </a:t>
+            </a:r>
+            <a:r>
+              <a:rPr lang="en-US" baseline="0" dirty="0" err="1"/>
+              <a:t>BCGov</a:t>
+            </a:r>
+            <a:r>
+              <a:rPr lang="en-US" baseline="0" dirty="0"/>
+              <a:t> GitHub” </a:t>
+            </a:r>
+            <a:r>
+              <a:rPr lang="en-US" baseline="0" dirty="0" err="1"/>
+              <a:t>cheatsheet</a:t>
+            </a:r>
+            <a:endParaRPr lang="en-US" baseline="0" dirty="0"/>
+          </a:p>
+          <a:p>
+            <a:endParaRPr lang="en-US" baseline="0" dirty="0"/>
+          </a:p>
+          <a:p>
+            <a:r>
+              <a:rPr lang="en-US" baseline="0" dirty="0"/>
+              <a:t>Includes a list of learning resources for </a:t>
+            </a:r>
+            <a:r>
+              <a:rPr lang="en-US" baseline="0" dirty="0" err="1"/>
+              <a:t>Git</a:t>
+            </a:r>
+            <a:r>
+              <a:rPr lang="en-US" baseline="0" dirty="0"/>
+              <a:t> &amp; GitHub</a:t>
+            </a:r>
+            <a:endParaRPr lang="en-CA" dirty="0"/>
+          </a:p>
+        </p:txBody>
+      </p:sp>
+      <p:sp>
+        <p:nvSpPr>
+          <p:cNvPr id="4" name="Slide Number Placeholder 3"/>
+          <p:cNvSpPr>
+            <a:spLocks noGrp="1"/>
+          </p:cNvSpPr>
+          <p:nvPr>
+            <p:ph type="sldNum" sz="quarter" idx="10"/>
+          </p:nvPr>
+        </p:nvSpPr>
+        <p:spPr/>
+        <p:txBody>
+          <a:bodyPr/>
+          <a:lstStyle/>
+          <a:p>
+            <a:fld id="{4BAC2DA9-ADAE-48F1-A337-E5301139806D}" type="slidenum">
+              <a:rPr lang="en-CA" smtClean="0"/>
+              <a:t>38</a:t>
             </a:fld>
             <a:endParaRPr lang="en-CA"/>
           </a:p>
@@ -2382,27 +2665,7 @@
           <a:bodyPr/>
           <a:lstStyle/>
           <a:p>
-            <a:pPr defTabSz="931774">
-              <a:defRPr/>
-            </a:pPr>
-            <a:r>
-              <a:rPr lang="en-US" dirty="0"/>
-              <a:t>We’ve all been in this situation before: it seems ridiculous to have multiple nearly-identical versions of the same document – either by yourself, or</a:t>
-            </a:r>
-            <a:r>
-              <a:rPr lang="en-US" baseline="0" dirty="0"/>
-              <a:t> spread around among colleagues.</a:t>
-            </a:r>
-          </a:p>
-          <a:p>
-            <a:pPr defTabSz="931774">
-              <a:defRPr/>
-            </a:pPr>
-            <a:r>
-              <a:rPr lang="en-US" baseline="0" dirty="0"/>
-              <a:t>It’s difficult to tell the difference between files, and what was changed when, by whom, and why?</a:t>
-            </a:r>
-            <a:endParaRPr lang="en-CA" dirty="0"/>
+            <a:endParaRPr lang="en-US" dirty="0"/>
           </a:p>
         </p:txBody>
       </p:sp>
@@ -2413,7 +2676,7 @@
             <a:spLocks noGrp="1"/>
           </p:cNvSpPr>
           <p:nvPr>
-            <p:ph type="sldNum" sz="quarter" idx="10"/>
+            <p:ph type="sldNum" sz="quarter" idx="5"/>
           </p:nvPr>
         </p:nvSpPr>
         <p:spPr/>
@@ -2421,18 +2684,18 @@
           <a:bodyPr/>
           <a:lstStyle/>
           <a:p>
-            <a:fld id="{4BAC2DA9-ADAE-48F1-A337-E5301139806D}" type="slidenum">
-              <a:rPr lang="en-CA" smtClean="0"/>
-              <a:t>6</a:t>
+            <a:fld id="{1D476C94-6C48-4CA4-B636-9599138D3C91}" type="slidenum">
+              <a:rPr lang="en-US" smtClean="0"/>
+              <a:t>4</a:t>
             </a:fld>
-            <a:endParaRPr lang="en-CA"/>
+            <a:endParaRPr lang="en-US"/>
           </a:p>
         </p:txBody>
       </p:sp>
     </p:spTree>
     <p:extLst>
       <p:ext uri="{BB962C8B-B14F-4D97-AF65-F5344CB8AC3E}">
-        <p14:creationId xmlns:p14="http://schemas.microsoft.com/office/powerpoint/2010/main" val="1915766378"/>
+        <p14:creationId xmlns:p14="http://schemas.microsoft.com/office/powerpoint/2010/main" val="2290582498"/>
       </p:ext>
     </p:extLst>
   </p:cSld>
@@ -2486,69 +2749,37 @@
           <a:bodyPr/>
           <a:lstStyle/>
           <a:p>
-            <a:pPr lvl="0"/>
-            <a:r>
-              <a:rPr lang="en-US" dirty="0"/>
-              <a:t>Enter version control.</a:t>
-            </a:r>
-            <a:r>
-              <a:rPr lang="en-US" baseline="0" dirty="0"/>
+            <a:r>
+              <a:rPr lang="en-CA" dirty="0" err="1"/>
+              <a:t>Sw</a:t>
+            </a:r>
+            <a:r>
+              <a:rPr lang="en-CA" dirty="0"/>
+              <a:t> carpentry </a:t>
+            </a:r>
+            <a:r>
+              <a:rPr lang="en-CA" dirty="0" err="1"/>
+              <a:t>url</a:t>
+            </a:r>
+            <a:r>
+              <a:rPr lang="en-CA" dirty="0"/>
               <a:t> </a:t>
             </a:r>
             <a:r>
-              <a:rPr lang="en-US" dirty="0"/>
-              <a:t>A version control system is a tool that keeps track of changes for us. There are several</a:t>
-            </a:r>
-            <a:r>
-              <a:rPr lang="en-US" baseline="0" dirty="0"/>
-              <a:t> options; we are going to talk about </a:t>
-            </a:r>
-            <a:r>
-              <a:rPr lang="en-US" baseline="0" dirty="0" err="1"/>
-              <a:t>git</a:t>
-            </a:r>
-            <a:r>
-              <a:rPr lang="en-US" baseline="0" dirty="0"/>
-              <a:t>. </a:t>
-            </a:r>
-            <a:r>
-              <a:rPr lang="en-US" dirty="0"/>
-              <a:t>It keeps track of snapshots in time - You decide which changes make up the each snapshot, and </a:t>
-            </a:r>
-            <a:r>
-              <a:rPr lang="en-US" dirty="0" err="1"/>
-              <a:t>git</a:t>
-            </a:r>
-            <a:r>
-              <a:rPr lang="en-US" dirty="0"/>
-              <a:t> stores those changes and keeps useful metadata about them.</a:t>
-            </a:r>
-          </a:p>
-          <a:p>
-            <a:pPr lvl="0"/>
-            <a:r>
-              <a:rPr lang="en-US" dirty="0"/>
-              <a:t>You store all of your project files in a folder.</a:t>
-            </a:r>
-          </a:p>
-          <a:p>
-            <a:pPr lvl="0"/>
-            <a:r>
-              <a:rPr lang="en-US" dirty="0"/>
-              <a:t>All of the files, plus the complete history for all the files in a that folder make up a repository (repo).</a:t>
+              <a:rPr lang="en-CA" dirty="0" err="1"/>
+              <a:t>coc</a:t>
             </a:r>
             <a:endParaRPr lang="en-CA" dirty="0"/>
           </a:p>
           <a:p>
-            <a:pPr lvl="0"/>
-            <a:r>
-              <a:rPr lang="en-US" dirty="0"/>
-              <a:t>Repositories can be kept in sync across different computers facilitating collaboration among different people.</a:t>
-            </a:r>
             <a:endParaRPr lang="en-CA" dirty="0"/>
           </a:p>
           <a:p>
-            <a:endParaRPr lang="en-CA" dirty="0"/>
+            <a:r>
+              <a:rPr lang="en-CA" dirty="0"/>
+              <a:t>Include talk about how teaching virtual is hard – never taught this one before virtually (have taught variants before) – stick with us! </a:t>
+            </a:r>
+            <a:endParaRPr lang="en-US" dirty="0"/>
           </a:p>
         </p:txBody>
       </p:sp>
@@ -2559,7 +2790,7 @@
             <a:spLocks noGrp="1"/>
           </p:cNvSpPr>
           <p:nvPr>
-            <p:ph type="sldNum" sz="quarter" idx="10"/>
+            <p:ph type="sldNum" sz="quarter" idx="5"/>
           </p:nvPr>
         </p:nvSpPr>
         <p:spPr/>
@@ -2567,18 +2798,18 @@
           <a:bodyPr/>
           <a:lstStyle/>
           <a:p>
-            <a:fld id="{4BAC2DA9-ADAE-48F1-A337-E5301139806D}" type="slidenum">
-              <a:rPr lang="en-CA" smtClean="0"/>
-              <a:t>7</a:t>
+            <a:fld id="{1D476C94-6C48-4CA4-B636-9599138D3C91}" type="slidenum">
+              <a:rPr lang="en-US" smtClean="0"/>
+              <a:t>5</a:t>
             </a:fld>
-            <a:endParaRPr lang="en-CA"/>
+            <a:endParaRPr lang="en-US"/>
           </a:p>
         </p:txBody>
       </p:sp>
     </p:spTree>
     <p:extLst>
       <p:ext uri="{BB962C8B-B14F-4D97-AF65-F5344CB8AC3E}">
-        <p14:creationId xmlns:p14="http://schemas.microsoft.com/office/powerpoint/2010/main" val="1640891247"/>
+        <p14:creationId xmlns:p14="http://schemas.microsoft.com/office/powerpoint/2010/main" val="3996687629"/>
       </p:ext>
     </p:extLst>
   </p:cSld>
@@ -2632,91 +2863,26 @@
           <a:bodyPr/>
           <a:lstStyle/>
           <a:p>
-            <a:pPr lvl="0"/>
+            <a:pPr defTabSz="931774">
+              <a:defRPr/>
+            </a:pPr>
             <a:r>
               <a:rPr lang="en-US" dirty="0"/>
-              <a:t>Git keeps track of snapshots in time – each document or file starts with a base version and then git saves just the changes you made at each step of the way.</a:t>
-            </a:r>
-            <a:endParaRPr lang="en-US" baseline="0" dirty="0"/>
-          </a:p>
-          <a:p>
-            <a:pPr lvl="0"/>
-            <a:endParaRPr lang="en-US" baseline="0" dirty="0"/>
-          </a:p>
-          <a:p>
-            <a:pPr lvl="0"/>
-            <a:r>
-              <a:rPr lang="en-US" dirty="0"/>
-              <a:t>You decide which changes make up the each snapshot, and git stores those changes and keeps useful metadata about them.</a:t>
-            </a:r>
-          </a:p>
-          <a:p>
-            <a:pPr lvl="0"/>
-            <a:endParaRPr lang="en-US" dirty="0"/>
-          </a:p>
-          <a:p>
-            <a:pPr marL="0" marR="0" lvl="0" indent="0" algn="l" defTabSz="914400" rtl="0" eaLnBrk="1" fontAlgn="auto" latinLnBrk="0" hangingPunct="1">
-              <a:lnSpc>
-                <a:spcPct val="100000"/>
-              </a:lnSpc>
-              <a:spcBef>
-                <a:spcPts val="0"/>
-              </a:spcBef>
-              <a:spcAft>
-                <a:spcPts val="0"/>
-              </a:spcAft>
-              <a:buClrTx/>
-              <a:buSzTx/>
-              <a:buFontTx/>
-              <a:buNone/>
-              <a:tabLst/>
+              <a:t>We’ve all been in this situation before: it seems ridiculous to have multiple nearly-identical versions of the same document – either by yourself, or</a:t>
+            </a:r>
+            <a:r>
+              <a:rPr lang="en-US" baseline="0" dirty="0"/>
+              <a:t> spread around among colleagues.</a:t>
+            </a:r>
+          </a:p>
+          <a:p>
+            <a:pPr defTabSz="931774">
               <a:defRPr/>
             </a:pPr>
             <a:r>
-              <a:rPr lang="en-US" dirty="0"/>
-              <a:t>Each snapshot</a:t>
-            </a:r>
-            <a:r>
               <a:rPr lang="en-US" baseline="0" dirty="0"/>
-              <a:t> is called a ‘commit’.</a:t>
-            </a:r>
-            <a:endParaRPr lang="en-CA" dirty="0"/>
-          </a:p>
-          <a:p>
-            <a:pPr lvl="0"/>
-            <a:endParaRPr lang="en-US" dirty="0"/>
-          </a:p>
-          <a:p>
-            <a:pPr lvl="0"/>
-            <a:r>
-              <a:rPr lang="en-US" dirty="0"/>
-              <a:t>You store all of your project files in a folder.</a:t>
-            </a:r>
-          </a:p>
-          <a:p>
-            <a:pPr lvl="0"/>
-            <a:endParaRPr lang="en-US" dirty="0"/>
-          </a:p>
-          <a:p>
-            <a:pPr lvl="0"/>
-            <a:r>
-              <a:rPr lang="en-US" dirty="0"/>
-              <a:t>All of the files, plus the complete history for all the files in a that folder make up a repository (repo).</a:t>
-            </a:r>
-          </a:p>
-          <a:p>
-            <a:pPr lvl="0"/>
-            <a:endParaRPr lang="en-US" dirty="0"/>
-          </a:p>
-          <a:p>
-            <a:pPr lvl="0"/>
-            <a:r>
-              <a:rPr lang="en-US" dirty="0"/>
-              <a:t>You can revisit (rewind to) any of those stages, or commits, along the way.</a:t>
-            </a:r>
-            <a:endParaRPr lang="en-CA" dirty="0"/>
-          </a:p>
-          <a:p>
+              <a:t>It’s difficult to tell the difference between files, and what was changed when, by whom, and why?</a:t>
+            </a:r>
             <a:endParaRPr lang="en-CA" dirty="0"/>
           </a:p>
         </p:txBody>
@@ -2738,7 +2904,7 @@
           <a:p>
             <a:fld id="{4BAC2DA9-ADAE-48F1-A337-E5301139806D}" type="slidenum">
               <a:rPr lang="en-CA" smtClean="0"/>
-              <a:t>8</a:t>
+              <a:t>6</a:t>
             </a:fld>
             <a:endParaRPr lang="en-CA"/>
           </a:p>
@@ -2747,7 +2913,7 @@
     </p:spTree>
     <p:extLst>
       <p:ext uri="{BB962C8B-B14F-4D97-AF65-F5344CB8AC3E}">
-        <p14:creationId xmlns:p14="http://schemas.microsoft.com/office/powerpoint/2010/main" val="402690468"/>
+        <p14:creationId xmlns:p14="http://schemas.microsoft.com/office/powerpoint/2010/main" val="1915766378"/>
       </p:ext>
     </p:extLst>
   </p:cSld>
@@ -2804,56 +2970,40 @@
             <a:pPr lvl="0"/>
             <a:r>
               <a:rPr lang="en-US" dirty="0"/>
-              <a:t>Git keeps track of snapshots in time – each document or file starts with a base version and then git saves just the changes you made at each step of the way.</a:t>
-            </a:r>
-            <a:endParaRPr lang="en-US" baseline="0" dirty="0"/>
-          </a:p>
-          <a:p>
-            <a:pPr lvl="0"/>
-            <a:endParaRPr lang="en-US" baseline="0" dirty="0"/>
-          </a:p>
-          <a:p>
-            <a:pPr lvl="0"/>
+              <a:t>Enter version control.</a:t>
+            </a:r>
+            <a:r>
+              <a:rPr lang="en-US" baseline="0" dirty="0"/>
+              <a:t> </a:t>
+            </a:r>
             <a:r>
               <a:rPr lang="en-US" dirty="0"/>
-              <a:t>You decide which changes make up the each snapshot, and git stores those changes and keeps useful metadata about them.</a:t>
-            </a:r>
-          </a:p>
-          <a:p>
-            <a:pPr lvl="0"/>
-            <a:endParaRPr lang="en-US" dirty="0"/>
-          </a:p>
-          <a:p>
-            <a:pPr marL="0" marR="0" lvl="0" indent="0" algn="l" defTabSz="914400" rtl="0" eaLnBrk="1" fontAlgn="auto" latinLnBrk="0" hangingPunct="1">
-              <a:lnSpc>
-                <a:spcPct val="100000"/>
-              </a:lnSpc>
-              <a:spcBef>
-                <a:spcPts val="0"/>
-              </a:spcBef>
-              <a:spcAft>
-                <a:spcPts val="0"/>
-              </a:spcAft>
-              <a:buClrTx/>
-              <a:buSzTx/>
-              <a:buFontTx/>
-              <a:buNone/>
-              <a:tabLst/>
-              <a:defRPr/>
-            </a:pPr>
+              <a:t>A version control system is a tool that keeps track of changes for us. There are several</a:t>
+            </a:r>
+            <a:r>
+              <a:rPr lang="en-US" baseline="0" dirty="0"/>
+              <a:t> options; we are going to talk about </a:t>
+            </a:r>
+            <a:r>
+              <a:rPr lang="en-US" baseline="0" dirty="0" err="1"/>
+              <a:t>git</a:t>
+            </a:r>
+            <a:r>
+              <a:rPr lang="en-US" baseline="0" dirty="0"/>
+              <a:t>. </a:t>
+            </a:r>
             <a:r>
               <a:rPr lang="en-US" dirty="0"/>
-              <a:t>Each snapshot</a:t>
-            </a:r>
-            <a:r>
-              <a:rPr lang="en-US" baseline="0" dirty="0"/>
-              <a:t> is called a ‘commit’.</a:t>
-            </a:r>
-            <a:endParaRPr lang="en-CA" dirty="0"/>
-          </a:p>
-          <a:p>
-            <a:pPr lvl="0"/>
-            <a:endParaRPr lang="en-US" dirty="0"/>
+              <a:t>It keeps track of snapshots in time - You decide which changes make up the each snapshot, and </a:t>
+            </a:r>
+            <a:r>
+              <a:rPr lang="en-US" dirty="0" err="1"/>
+              <a:t>git</a:t>
+            </a:r>
+            <a:r>
+              <a:rPr lang="en-US" dirty="0"/>
+              <a:t> stores those changes and keeps useful metadata about them.</a:t>
+            </a:r>
           </a:p>
           <a:p>
             <a:pPr lvl="0"/>
@@ -2864,24 +3014,17 @@
           </a:p>
           <a:p>
             <a:pPr lvl="0"/>
-            <a:endParaRPr lang="en-US" dirty="0"/>
-          </a:p>
-          <a:p>
-            <a:pPr lvl="0"/>
             <a:r>
               <a:rPr lang="en-US" dirty="0"/>
               <a:t>All of the files, plus the complete history for all the files in a that folder make up a repository (repo).</a:t>
             </a:r>
+            <a:endParaRPr lang="en-CA" dirty="0"/>
           </a:p>
           <a:p>
             <a:pPr lvl="0"/>
-            <a:endParaRPr lang="en-US" dirty="0"/>
-          </a:p>
-          <a:p>
-            <a:pPr lvl="0"/>
             <a:r>
               <a:rPr lang="en-US" dirty="0"/>
-              <a:t>You can revisit (rewind to) any of those stages, or commits, along the way.</a:t>
+              <a:t>Repositories can be kept in sync across different computers facilitating collaboration among different people.</a:t>
             </a:r>
             <a:endParaRPr lang="en-CA" dirty="0"/>
           </a:p>
@@ -2907,7 +3050,7 @@
           <a:p>
             <a:fld id="{4BAC2DA9-ADAE-48F1-A337-E5301139806D}" type="slidenum">
               <a:rPr lang="en-CA" smtClean="0"/>
-              <a:t>9</a:t>
+              <a:t>8</a:t>
             </a:fld>
             <a:endParaRPr lang="en-CA"/>
           </a:p>
@@ -2916,7 +3059,7 @@
     </p:spTree>
     <p:extLst>
       <p:ext uri="{BB962C8B-B14F-4D97-AF65-F5344CB8AC3E}">
-        <p14:creationId xmlns:p14="http://schemas.microsoft.com/office/powerpoint/2010/main" val="1423626167"/>
+        <p14:creationId xmlns:p14="http://schemas.microsoft.com/office/powerpoint/2010/main" val="1640891247"/>
       </p:ext>
     </p:extLst>
   </p:cSld>
@@ -2973,19 +3116,84 @@
             <a:pPr lvl="0"/>
             <a:r>
               <a:rPr lang="en-US" dirty="0"/>
-              <a:t>Go off on a different track and work on it independently while keeping the master copy intact.</a:t>
-            </a:r>
-            <a:endParaRPr lang="en-CA" dirty="0"/>
+              <a:t>Git keeps track of snapshots in time – each document or file starts with a base version and then git saves just the changes you made at each step of the way.</a:t>
+            </a:r>
+            <a:endParaRPr lang="en-US" baseline="0" dirty="0"/>
+          </a:p>
+          <a:p>
+            <a:pPr lvl="0"/>
+            <a:endParaRPr lang="en-US" baseline="0" dirty="0"/>
+          </a:p>
+          <a:p>
+            <a:pPr lvl="0"/>
+            <a:r>
+              <a:rPr lang="en-US" dirty="0"/>
+              <a:t>You decide which changes make up the each snapshot, and git stores those changes and keeps useful metadata about them.</a:t>
+            </a:r>
           </a:p>
           <a:p>
             <a:pPr lvl="0"/>
             <a:endParaRPr lang="en-US" dirty="0"/>
           </a:p>
           <a:p>
+            <a:pPr marL="0" marR="0" lvl="0" indent="0" algn="l" defTabSz="914400" rtl="0" eaLnBrk="1" fontAlgn="auto" latinLnBrk="0" hangingPunct="1">
+              <a:lnSpc>
+                <a:spcPct val="100000"/>
+              </a:lnSpc>
+              <a:spcBef>
+                <a:spcPts val="0"/>
+              </a:spcBef>
+              <a:spcAft>
+                <a:spcPts val="0"/>
+              </a:spcAft>
+              <a:buClrTx/>
+              <a:buSzTx/>
+              <a:buFontTx/>
+              <a:buNone/>
+              <a:tabLst/>
+              <a:defRPr/>
+            </a:pPr>
+            <a:r>
+              <a:rPr lang="en-US" dirty="0"/>
+              <a:t>Each snapshot</a:t>
+            </a:r>
+            <a:r>
+              <a:rPr lang="en-US" baseline="0" dirty="0"/>
+              <a:t> is called a ‘commit’.</a:t>
+            </a:r>
+            <a:endParaRPr lang="en-CA" dirty="0"/>
+          </a:p>
+          <a:p>
             <a:pPr lvl="0"/>
+            <a:endParaRPr lang="en-US" dirty="0"/>
+          </a:p>
+          <a:p>
+            <a:pPr lvl="0"/>
             <a:r>
               <a:rPr lang="en-US" dirty="0"/>
-              <a:t>When it's working you can merge that work back into the original. If not, throw it out.</a:t>
+              <a:t>You store all of your project files in a folder.</a:t>
+            </a:r>
+          </a:p>
+          <a:p>
+            <a:pPr lvl="0"/>
+            <a:endParaRPr lang="en-US" dirty="0"/>
+          </a:p>
+          <a:p>
+            <a:pPr lvl="0"/>
+            <a:r>
+              <a:rPr lang="en-US" dirty="0"/>
+              <a:t>All of the files, plus the complete history for all the files in a that folder make up a repository (repo).</a:t>
+            </a:r>
+          </a:p>
+          <a:p>
+            <a:pPr lvl="0"/>
+            <a:endParaRPr lang="en-US" dirty="0"/>
+          </a:p>
+          <a:p>
+            <a:pPr lvl="0"/>
+            <a:r>
+              <a:rPr lang="en-US" dirty="0"/>
+              <a:t>You can revisit (rewind to) any of those stages, or commits, along the way.</a:t>
             </a:r>
             <a:endParaRPr lang="en-CA" dirty="0"/>
           </a:p>
@@ -3011,7 +3219,7 @@
           <a:p>
             <a:fld id="{4BAC2DA9-ADAE-48F1-A337-E5301139806D}" type="slidenum">
               <a:rPr lang="en-CA" smtClean="0"/>
-              <a:t>10</a:t>
+              <a:t>9</a:t>
             </a:fld>
             <a:endParaRPr lang="en-CA"/>
           </a:p>
@@ -3020,7 +3228,7 @@
     </p:spTree>
     <p:extLst>
       <p:ext uri="{BB962C8B-B14F-4D97-AF65-F5344CB8AC3E}">
-        <p14:creationId xmlns:p14="http://schemas.microsoft.com/office/powerpoint/2010/main" val="3751502820"/>
+        <p14:creationId xmlns:p14="http://schemas.microsoft.com/office/powerpoint/2010/main" val="402690468"/>
       </p:ext>
     </p:extLst>
   </p:cSld>
@@ -3074,51 +3282,27 @@
           <a:bodyPr/>
           <a:lstStyle/>
           <a:p>
-            <a:pPr marL="0" marR="0" indent="0" algn="l" defTabSz="914400" rtl="0" eaLnBrk="1" fontAlgn="auto" latinLnBrk="0" hangingPunct="1">
-              <a:lnSpc>
-                <a:spcPct val="100000"/>
-              </a:lnSpc>
-              <a:spcBef>
-                <a:spcPts val="0"/>
-              </a:spcBef>
-              <a:spcAft>
-                <a:spcPts val="0"/>
-              </a:spcAft>
-              <a:buClrTx/>
-              <a:buSzTx/>
-              <a:buFontTx/>
-              <a:buNone/>
-              <a:tabLst/>
-              <a:defRPr/>
-            </a:pPr>
+            <a:pPr lvl="0"/>
             <a:r>
               <a:rPr lang="en-US" dirty="0"/>
-              <a:t>Introduce</a:t>
-            </a:r>
-            <a:r>
-              <a:rPr lang="en-US" baseline="0" dirty="0"/>
-              <a:t> concept of remote</a:t>
-            </a:r>
-          </a:p>
-          <a:p>
-            <a:pPr marL="0" marR="0" indent="0" algn="l" defTabSz="914400" rtl="0" eaLnBrk="1" fontAlgn="auto" latinLnBrk="0" hangingPunct="1">
-              <a:lnSpc>
-                <a:spcPct val="100000"/>
-              </a:lnSpc>
-              <a:spcBef>
-                <a:spcPts val="0"/>
-              </a:spcBef>
-              <a:spcAft>
-                <a:spcPts val="0"/>
-              </a:spcAft>
-              <a:buClrTx/>
-              <a:buSzTx/>
-              <a:buFontTx/>
-              <a:buNone/>
-              <a:tabLst/>
-              <a:defRPr/>
-            </a:pPr>
+              <a:t>Git keeps track of snapshots in time – each document or file starts with a base version and then git saves just the changes you made at each step of the way.</a:t>
+            </a:r>
             <a:endParaRPr lang="en-US" baseline="0" dirty="0"/>
+          </a:p>
+          <a:p>
+            <a:pPr lvl="0"/>
+            <a:endParaRPr lang="en-US" baseline="0" dirty="0"/>
+          </a:p>
+          <a:p>
+            <a:pPr lvl="0"/>
+            <a:r>
+              <a:rPr lang="en-US" dirty="0"/>
+              <a:t>You decide which changes make up the each snapshot, and git stores those changes and keeps useful metadata about them.</a:t>
+            </a:r>
+          </a:p>
+          <a:p>
+            <a:pPr lvl="0"/>
+            <a:endParaRPr lang="en-US" dirty="0"/>
           </a:p>
           <a:p>
             <a:pPr marL="0" marR="0" lvl="0" indent="0" algn="l" defTabSz="914400" rtl="0" eaLnBrk="1" fontAlgn="auto" latinLnBrk="0" hangingPunct="1">
@@ -3140,28 +3324,49 @@
             </a:pPr>
             <a:r>
               <a:rPr lang="en-US" dirty="0"/>
-              <a:t>Documents/Repositories can be kept in sync across different computers facilitating collaboration among different people.</a:t>
+              <a:t>Each snapshot</a:t>
+            </a:r>
+            <a:r>
+              <a:rPr lang="en-US" baseline="0" dirty="0"/>
+              <a:t> is called a ‘commit’.</a:t>
             </a:r>
             <a:endParaRPr lang="en-CA" dirty="0"/>
           </a:p>
           <a:p>
-            <a:pPr marL="0" marR="0" indent="0" algn="l" defTabSz="914400" rtl="0" eaLnBrk="1" fontAlgn="auto" latinLnBrk="0" hangingPunct="1">
-              <a:lnSpc>
-                <a:spcPct val="100000"/>
-              </a:lnSpc>
-              <a:spcBef>
-                <a:spcPts val="0"/>
-              </a:spcBef>
-              <a:spcAft>
-                <a:spcPts val="0"/>
-              </a:spcAft>
-              <a:buClrTx/>
-              <a:buSzTx/>
-              <a:buFontTx/>
-              <a:buNone/>
-              <a:tabLst/>
-              <a:defRPr/>
-            </a:pPr>
+            <a:pPr lvl="0"/>
+            <a:endParaRPr lang="en-US" dirty="0"/>
+          </a:p>
+          <a:p>
+            <a:pPr lvl="0"/>
+            <a:r>
+              <a:rPr lang="en-US" dirty="0"/>
+              <a:t>You store all of your project files in a folder.</a:t>
+            </a:r>
+          </a:p>
+          <a:p>
+            <a:pPr lvl="0"/>
+            <a:endParaRPr lang="en-US" dirty="0"/>
+          </a:p>
+          <a:p>
+            <a:pPr lvl="0"/>
+            <a:r>
+              <a:rPr lang="en-US" dirty="0"/>
+              <a:t>All of the files, plus the complete history for all the files in a that folder make up a repository (repo).</a:t>
+            </a:r>
+          </a:p>
+          <a:p>
+            <a:pPr lvl="0"/>
+            <a:endParaRPr lang="en-US" dirty="0"/>
+          </a:p>
+          <a:p>
+            <a:pPr lvl="0"/>
+            <a:r>
+              <a:rPr lang="en-US" dirty="0"/>
+              <a:t>You can revisit (rewind to) any of those stages, or commits, along the way.</a:t>
+            </a:r>
+            <a:endParaRPr lang="en-CA" dirty="0"/>
+          </a:p>
+          <a:p>
             <a:endParaRPr lang="en-CA" dirty="0"/>
           </a:p>
         </p:txBody>
@@ -3183,7 +3388,7 @@
           <a:p>
             <a:fld id="{4BAC2DA9-ADAE-48F1-A337-E5301139806D}" type="slidenum">
               <a:rPr lang="en-CA" smtClean="0"/>
-              <a:t>11</a:t>
+              <a:t>10</a:t>
             </a:fld>
             <a:endParaRPr lang="en-CA"/>
           </a:p>
@@ -3192,7 +3397,7 @@
     </p:spTree>
     <p:extLst>
       <p:ext uri="{BB962C8B-B14F-4D97-AF65-F5344CB8AC3E}">
-        <p14:creationId xmlns:p14="http://schemas.microsoft.com/office/powerpoint/2010/main" val="944329450"/>
+        <p14:creationId xmlns:p14="http://schemas.microsoft.com/office/powerpoint/2010/main" val="1423626167"/>
       </p:ext>
     </p:extLst>
   </p:cSld>
@@ -3249,8 +3454,23 @@
             <a:pPr lvl="0"/>
             <a:r>
               <a:rPr lang="en-US" dirty="0"/>
-              <a:t>Allows fearless experimentation without worrying about breaking your code</a:t>
-            </a:r>
+              <a:t>Go off on a different track and work on it independently while keeping the master copy intact.</a:t>
+            </a:r>
+            <a:endParaRPr lang="en-CA" dirty="0"/>
+          </a:p>
+          <a:p>
+            <a:pPr lvl="0"/>
+            <a:endParaRPr lang="en-US" dirty="0"/>
+          </a:p>
+          <a:p>
+            <a:pPr lvl="0"/>
+            <a:r>
+              <a:rPr lang="en-US" dirty="0"/>
+              <a:t>When it's working you can merge that work back into the original. If not, throw it out.</a:t>
+            </a:r>
+            <a:endParaRPr lang="en-CA" dirty="0"/>
+          </a:p>
+          <a:p>
             <a:endParaRPr lang="en-CA" dirty="0"/>
           </a:p>
         </p:txBody>
@@ -3272,7 +3492,7 @@
           <a:p>
             <a:fld id="{4BAC2DA9-ADAE-48F1-A337-E5301139806D}" type="slidenum">
               <a:rPr lang="en-CA" smtClean="0"/>
-              <a:t>12</a:t>
+              <a:t>11</a:t>
             </a:fld>
             <a:endParaRPr lang="en-CA"/>
           </a:p>
@@ -3281,7 +3501,7 @@
     </p:spTree>
     <p:extLst>
       <p:ext uri="{BB962C8B-B14F-4D97-AF65-F5344CB8AC3E}">
-        <p14:creationId xmlns:p14="http://schemas.microsoft.com/office/powerpoint/2010/main" val="3067453453"/>
+        <p14:creationId xmlns:p14="http://schemas.microsoft.com/office/powerpoint/2010/main" val="3751502820"/>
       </p:ext>
     </p:extLst>
   </p:cSld>
@@ -3438,7 +3658,7 @@
           <a:p>
             <a:fld id="{6B7BBC09-6D3C-4D69-B799-4AFEAC04D041}" type="datetimeFigureOut">
               <a:rPr lang="en-US" smtClean="0"/>
-              <a:t>5/15/2024</a:t>
+              <a:t>5/17/2024</a:t>
             </a:fld>
             <a:endParaRPr lang="en-US"/>
           </a:p>
@@ -3636,7 +3856,7 @@
           <a:p>
             <a:fld id="{6B7BBC09-6D3C-4D69-B799-4AFEAC04D041}" type="datetimeFigureOut">
               <a:rPr lang="en-US" smtClean="0"/>
-              <a:t>5/15/2024</a:t>
+              <a:t>5/17/2024</a:t>
             </a:fld>
             <a:endParaRPr lang="en-US"/>
           </a:p>
@@ -3844,7 +4064,7 @@
           <a:p>
             <a:fld id="{6B7BBC09-6D3C-4D69-B799-4AFEAC04D041}" type="datetimeFigureOut">
               <a:rPr lang="en-US" smtClean="0"/>
-              <a:t>5/15/2024</a:t>
+              <a:t>5/17/2024</a:t>
             </a:fld>
             <a:endParaRPr lang="en-US"/>
           </a:p>
@@ -4042,7 +4262,7 @@
           <a:p>
             <a:fld id="{6B7BBC09-6D3C-4D69-B799-4AFEAC04D041}" type="datetimeFigureOut">
               <a:rPr lang="en-US" smtClean="0"/>
-              <a:t>5/15/2024</a:t>
+              <a:t>5/17/2024</a:t>
             </a:fld>
             <a:endParaRPr lang="en-US"/>
           </a:p>
@@ -4317,7 +4537,7 @@
           <a:p>
             <a:fld id="{6B7BBC09-6D3C-4D69-B799-4AFEAC04D041}" type="datetimeFigureOut">
               <a:rPr lang="en-US" smtClean="0"/>
-              <a:t>5/15/2024</a:t>
+              <a:t>5/17/2024</a:t>
             </a:fld>
             <a:endParaRPr lang="en-US"/>
           </a:p>
@@ -4582,7 +4802,7 @@
           <a:p>
             <a:fld id="{6B7BBC09-6D3C-4D69-B799-4AFEAC04D041}" type="datetimeFigureOut">
               <a:rPr lang="en-US" smtClean="0"/>
-              <a:t>5/15/2024</a:t>
+              <a:t>5/17/2024</a:t>
             </a:fld>
             <a:endParaRPr lang="en-US"/>
           </a:p>
@@ -4994,7 +5214,7 @@
           <a:p>
             <a:fld id="{6B7BBC09-6D3C-4D69-B799-4AFEAC04D041}" type="datetimeFigureOut">
               <a:rPr lang="en-US" smtClean="0"/>
-              <a:t>5/15/2024</a:t>
+              <a:t>5/17/2024</a:t>
             </a:fld>
             <a:endParaRPr lang="en-US"/>
           </a:p>
@@ -5135,7 +5355,7 @@
           <a:p>
             <a:fld id="{6B7BBC09-6D3C-4D69-B799-4AFEAC04D041}" type="datetimeFigureOut">
               <a:rPr lang="en-US" smtClean="0"/>
-              <a:t>5/15/2024</a:t>
+              <a:t>5/17/2024</a:t>
             </a:fld>
             <a:endParaRPr lang="en-US"/>
           </a:p>
@@ -5248,7 +5468,7 @@
           <a:p>
             <a:fld id="{6B7BBC09-6D3C-4D69-B799-4AFEAC04D041}" type="datetimeFigureOut">
               <a:rPr lang="en-US" smtClean="0"/>
-              <a:t>5/15/2024</a:t>
+              <a:t>5/17/2024</a:t>
             </a:fld>
             <a:endParaRPr lang="en-US"/>
           </a:p>
@@ -5559,7 +5779,7 @@
           <a:p>
             <a:fld id="{6B7BBC09-6D3C-4D69-B799-4AFEAC04D041}" type="datetimeFigureOut">
               <a:rPr lang="en-US" smtClean="0"/>
-              <a:t>5/15/2024</a:t>
+              <a:t>5/17/2024</a:t>
             </a:fld>
             <a:endParaRPr lang="en-US"/>
           </a:p>
@@ -5847,7 +6067,7 @@
           <a:p>
             <a:fld id="{6B7BBC09-6D3C-4D69-B799-4AFEAC04D041}" type="datetimeFigureOut">
               <a:rPr lang="en-US" smtClean="0"/>
-              <a:t>5/15/2024</a:t>
+              <a:t>5/17/2024</a:t>
             </a:fld>
             <a:endParaRPr lang="en-US"/>
           </a:p>
@@ -6088,7 +6308,7 @@
           <a:p>
             <a:fld id="{6B7BBC09-6D3C-4D69-B799-4AFEAC04D041}" type="datetimeFigureOut">
               <a:rPr lang="en-US" smtClean="0"/>
-              <a:t>5/15/2024</a:t>
+              <a:t>5/17/2024</a:t>
             </a:fld>
             <a:endParaRPr lang="en-US"/>
           </a:p>
@@ -6605,6 +6825,351 @@
         </p:nvSpPr>
         <p:spPr>
           <a:xfrm>
+            <a:off x="1991544" y="836712"/>
+            <a:ext cx="8229600" cy="1143000"/>
+          </a:xfrm>
+        </p:spPr>
+        <p:txBody>
+          <a:bodyPr>
+            <a:normAutofit/>
+          </a:bodyPr>
+          <a:lstStyle/>
+          <a:p>
+            <a:r>
+              <a:rPr lang="en-CA" sz="4800" dirty="0">
+                <a:solidFill>
+                  <a:srgbClr val="005493"/>
+                </a:solidFill>
+                <a:latin typeface="+mn-lt"/>
+                <a:ea typeface="+mn-ea"/>
+                <a:cs typeface="+mn-cs"/>
+              </a:rPr>
+              <a:t>Changes saved sequentially </a:t>
+            </a:r>
+          </a:p>
+        </p:txBody>
+      </p:sp>
+      <p:pic>
+        <p:nvPicPr>
+          <p:cNvPr id="4098" name="Picture 2" descr="C:\_dev\git-EIS-2015-11-04\img\play-changes.png"/>
+          <p:cNvPicPr>
+            <a:picLocks noChangeAspect="1" noChangeArrowheads="1"/>
+          </p:cNvPicPr>
+          <p:nvPr/>
+        </p:nvPicPr>
+        <p:blipFill>
+          <a:blip r:embed="rId3" cstate="print">
+            <a:extLst>
+              <a:ext uri="{28A0092B-C50C-407E-A947-70E740481C1C}">
+                <a14:useLocalDpi xmlns:a14="http://schemas.microsoft.com/office/drawing/2010/main" val="0"/>
+              </a:ext>
+            </a:extLst>
+          </a:blip>
+          <a:srcRect/>
+          <a:stretch>
+            <a:fillRect/>
+          </a:stretch>
+        </p:blipFill>
+        <p:spPr bwMode="auto">
+          <a:xfrm>
+            <a:off x="2628900" y="2510137"/>
+            <a:ext cx="6934200" cy="1663700"/>
+          </a:xfrm>
+          <a:prstGeom prst="rect">
+            <a:avLst/>
+          </a:prstGeom>
+          <a:noFill/>
+          <a:extLst>
+            <a:ext uri="{909E8E84-426E-40DD-AFC4-6F175D3DCCD1}">
+              <a14:hiddenFill xmlns:a14="http://schemas.microsoft.com/office/drawing/2010/main">
+                <a:solidFill>
+                  <a:srgbClr val="FFFFFF"/>
+                </a:solidFill>
+              </a14:hiddenFill>
+            </a:ext>
+          </a:extLst>
+        </p:spPr>
+      </p:pic>
+      <p:pic>
+        <p:nvPicPr>
+          <p:cNvPr id="4" name="Picture 2"/>
+          <p:cNvPicPr>
+            <a:picLocks noChangeAspect="1" noChangeArrowheads="1"/>
+          </p:cNvPicPr>
+          <p:nvPr/>
+        </p:nvPicPr>
+        <p:blipFill>
+          <a:blip r:embed="rId4" cstate="print">
+            <a:extLst>
+              <a:ext uri="{28A0092B-C50C-407E-A947-70E740481C1C}">
+                <a14:useLocalDpi xmlns:a14="http://schemas.microsoft.com/office/drawing/2010/main" val="0"/>
+              </a:ext>
+            </a:extLst>
+          </a:blip>
+          <a:srcRect/>
+          <a:stretch>
+            <a:fillRect/>
+          </a:stretch>
+        </p:blipFill>
+        <p:spPr bwMode="auto">
+          <a:xfrm>
+            <a:off x="181805" y="148369"/>
+            <a:ext cx="1649616" cy="688343"/>
+          </a:xfrm>
+          <a:prstGeom prst="rect">
+            <a:avLst/>
+          </a:prstGeom>
+          <a:noFill/>
+          <a:ln>
+            <a:noFill/>
+          </a:ln>
+          <a:effectLst/>
+          <a:extLst>
+            <a:ext uri="{909E8E84-426E-40DD-AFC4-6F175D3DCCD1}">
+              <a14:hiddenFill xmlns:a14="http://schemas.microsoft.com/office/drawing/2010/main">
+                <a:solidFill>
+                  <a:schemeClr val="accent1"/>
+                </a:solidFill>
+              </a14:hiddenFill>
+            </a:ext>
+            <a:ext uri="{91240B29-F687-4F45-9708-019B960494DF}">
+              <a14:hiddenLine xmlns:a14="http://schemas.microsoft.com/office/drawing/2010/main" w="9525">
+                <a:solidFill>
+                  <a:schemeClr val="tx1"/>
+                </a:solidFill>
+                <a:miter lim="800000"/>
+                <a:headEnd/>
+                <a:tailEnd/>
+              </a14:hiddenLine>
+            </a:ext>
+            <a:ext uri="{AF507438-7753-43E0-B8FC-AC1667EBCBE1}">
+              <a14:hiddenEffects xmlns:a14="http://schemas.microsoft.com/office/drawing/2010/main">
+                <a:effectLst>
+                  <a:outerShdw dist="35921" dir="2700000" algn="ctr" rotWithShape="0">
+                    <a:schemeClr val="bg2"/>
+                  </a:outerShdw>
+                </a:effectLst>
+              </a14:hiddenEffects>
+            </a:ext>
+          </a:extLst>
+        </p:spPr>
+      </p:pic>
+      <p:sp>
+        <p:nvSpPr>
+          <p:cNvPr id="5" name="Title 1">
+            <a:extLst>
+              <a:ext uri="{FF2B5EF4-FFF2-40B4-BE49-F238E27FC236}">
+                <a16:creationId xmlns:a16="http://schemas.microsoft.com/office/drawing/2014/main" id="{516C61F4-6668-A54A-953E-7EB0353EBA8E}"/>
+              </a:ext>
+            </a:extLst>
+          </p:cNvPr>
+          <p:cNvSpPr txBox="1">
+            <a:spLocks/>
+          </p:cNvSpPr>
+          <p:nvPr/>
+        </p:nvSpPr>
+        <p:spPr>
+          <a:xfrm>
+            <a:off x="2166392" y="4205174"/>
+            <a:ext cx="2242592" cy="504056"/>
+          </a:xfrm>
+          <a:prstGeom prst="rect">
+            <a:avLst/>
+          </a:prstGeom>
+        </p:spPr>
+        <p:txBody>
+          <a:bodyPr vert="horz" lIns="91440" tIns="45720" rIns="91440" bIns="45720" rtlCol="0" anchor="ctr">
+            <a:normAutofit/>
+          </a:bodyPr>
+          <a:lstStyle>
+            <a:lvl1pPr algn="ctr" defTabSz="914400" rtl="0" eaLnBrk="1" latinLnBrk="0" hangingPunct="1">
+              <a:spcBef>
+                <a:spcPct val="0"/>
+              </a:spcBef>
+              <a:buNone/>
+              <a:defRPr sz="4400" kern="1200">
+                <a:solidFill>
+                  <a:schemeClr val="tx1"/>
+                </a:solidFill>
+                <a:latin typeface="+mj-lt"/>
+                <a:ea typeface="+mj-ea"/>
+                <a:cs typeface="+mj-cs"/>
+              </a:defRPr>
+            </a:lvl1pPr>
+          </a:lstStyle>
+          <a:p>
+            <a:r>
+              <a:rPr lang="en-CA" sz="2400" dirty="0">
+                <a:solidFill>
+                  <a:srgbClr val="005493"/>
+                </a:solidFill>
+                <a:latin typeface="+mn-lt"/>
+                <a:ea typeface="+mn-ea"/>
+                <a:cs typeface="+mn-cs"/>
+              </a:rPr>
+              <a:t>Base Version</a:t>
+            </a:r>
+          </a:p>
+        </p:txBody>
+      </p:sp>
+      <p:sp>
+        <p:nvSpPr>
+          <p:cNvPr id="10" name="Title 1">
+            <a:extLst>
+              <a:ext uri="{FF2B5EF4-FFF2-40B4-BE49-F238E27FC236}">
+                <a16:creationId xmlns:a16="http://schemas.microsoft.com/office/drawing/2014/main" id="{8B098832-7EE6-B84D-9ED5-31B71A3E4ADC}"/>
+              </a:ext>
+            </a:extLst>
+          </p:cNvPr>
+          <p:cNvSpPr txBox="1">
+            <a:spLocks/>
+          </p:cNvSpPr>
+          <p:nvPr/>
+        </p:nvSpPr>
+        <p:spPr>
+          <a:xfrm>
+            <a:off x="3503712" y="2224848"/>
+            <a:ext cx="2242592" cy="504056"/>
+          </a:xfrm>
+          <a:prstGeom prst="rect">
+            <a:avLst/>
+          </a:prstGeom>
+        </p:spPr>
+        <p:txBody>
+          <a:bodyPr vert="horz" lIns="91440" tIns="45720" rIns="91440" bIns="45720" rtlCol="0" anchor="ctr">
+            <a:normAutofit/>
+          </a:bodyPr>
+          <a:lstStyle>
+            <a:lvl1pPr algn="ctr" defTabSz="914400" rtl="0" eaLnBrk="1" latinLnBrk="0" hangingPunct="1">
+              <a:spcBef>
+                <a:spcPct val="0"/>
+              </a:spcBef>
+              <a:buNone/>
+              <a:defRPr sz="4400" kern="1200">
+                <a:solidFill>
+                  <a:schemeClr val="tx1"/>
+                </a:solidFill>
+                <a:latin typeface="+mj-lt"/>
+                <a:ea typeface="+mj-ea"/>
+                <a:cs typeface="+mj-cs"/>
+              </a:defRPr>
+            </a:lvl1pPr>
+          </a:lstStyle>
+          <a:p>
+            <a:r>
+              <a:rPr lang="en-CA" sz="2400" dirty="0">
+                <a:solidFill>
+                  <a:srgbClr val="005493"/>
+                </a:solidFill>
+                <a:latin typeface="+mn-lt"/>
+                <a:ea typeface="+mn-ea"/>
+                <a:cs typeface="+mn-cs"/>
+              </a:rPr>
+              <a:t>Commit</a:t>
+            </a:r>
+          </a:p>
+        </p:txBody>
+      </p:sp>
+      <p:sp>
+        <p:nvSpPr>
+          <p:cNvPr id="11" name="Title 1">
+            <a:extLst>
+              <a:ext uri="{FF2B5EF4-FFF2-40B4-BE49-F238E27FC236}">
+                <a16:creationId xmlns:a16="http://schemas.microsoft.com/office/drawing/2014/main" id="{1678E552-D7E1-E446-99EA-751D5DE292BA}"/>
+              </a:ext>
+            </a:extLst>
+          </p:cNvPr>
+          <p:cNvSpPr txBox="1">
+            <a:spLocks/>
+          </p:cNvSpPr>
+          <p:nvPr/>
+        </p:nvSpPr>
+        <p:spPr>
+          <a:xfrm>
+            <a:off x="6312024" y="2213584"/>
+            <a:ext cx="2242592" cy="504056"/>
+          </a:xfrm>
+          <a:prstGeom prst="rect">
+            <a:avLst/>
+          </a:prstGeom>
+        </p:spPr>
+        <p:txBody>
+          <a:bodyPr vert="horz" lIns="91440" tIns="45720" rIns="91440" bIns="45720" rtlCol="0" anchor="ctr">
+            <a:normAutofit/>
+          </a:bodyPr>
+          <a:lstStyle>
+            <a:lvl1pPr algn="ctr" defTabSz="914400" rtl="0" eaLnBrk="1" latinLnBrk="0" hangingPunct="1">
+              <a:spcBef>
+                <a:spcPct val="0"/>
+              </a:spcBef>
+              <a:buNone/>
+              <a:defRPr sz="4400" kern="1200">
+                <a:solidFill>
+                  <a:schemeClr val="tx1"/>
+                </a:solidFill>
+                <a:latin typeface="+mj-lt"/>
+                <a:ea typeface="+mj-ea"/>
+                <a:cs typeface="+mj-cs"/>
+              </a:defRPr>
+            </a:lvl1pPr>
+          </a:lstStyle>
+          <a:p>
+            <a:r>
+              <a:rPr lang="en-CA" sz="2400" dirty="0">
+                <a:solidFill>
+                  <a:srgbClr val="005493"/>
+                </a:solidFill>
+                <a:latin typeface="+mn-lt"/>
+                <a:ea typeface="+mn-ea"/>
+                <a:cs typeface="+mn-cs"/>
+              </a:rPr>
+              <a:t>Commit</a:t>
+            </a:r>
+          </a:p>
+        </p:txBody>
+      </p:sp>
+    </p:spTree>
+    <p:extLst>
+      <p:ext uri="{BB962C8B-B14F-4D97-AF65-F5344CB8AC3E}">
+        <p14:creationId xmlns:p14="http://schemas.microsoft.com/office/powerpoint/2010/main" val="2602360475"/>
+      </p:ext>
+    </p:extLst>
+  </p:cSld>
+  <p:clrMapOvr>
+    <a:masterClrMapping/>
+  </p:clrMapOvr>
+</p:sld>
+</file>
+
+<file path=ppt/slides/slide11.xml><?xml version="1.0" encoding="utf-8"?>
+<p:sld xmlns:a="http://schemas.openxmlformats.org/drawingml/2006/main" xmlns:r="http://schemas.openxmlformats.org/officeDocument/2006/relationships" xmlns:p="http://schemas.openxmlformats.org/presentationml/2006/main">
+  <p:cSld>
+    <p:spTree>
+      <p:nvGrpSpPr>
+        <p:cNvPr id="1" name=""/>
+        <p:cNvGrpSpPr/>
+        <p:nvPr/>
+      </p:nvGrpSpPr>
+      <p:grpSpPr>
+        <a:xfrm>
+          <a:off x="0" y="0"/>
+          <a:ext cx="0" cy="0"/>
+          <a:chOff x="0" y="0"/>
+          <a:chExt cx="0" cy="0"/>
+        </a:xfrm>
+      </p:grpSpPr>
+      <p:sp>
+        <p:nvSpPr>
+          <p:cNvPr id="2" name="Title 1"/>
+          <p:cNvSpPr>
+            <a:spLocks noGrp="1"/>
+          </p:cNvSpPr>
+          <p:nvPr>
+            <p:ph type="title"/>
+          </p:nvPr>
+        </p:nvSpPr>
+        <p:spPr>
+          <a:xfrm>
             <a:off x="2122310" y="365125"/>
             <a:ext cx="9231489" cy="1325563"/>
           </a:xfrm>
@@ -6753,7 +7318,7 @@
 </p:sld>
 </file>
 
-<file path=ppt/slides/slide11.xml><?xml version="1.0" encoding="utf-8"?>
+<file path=ppt/slides/slide12.xml><?xml version="1.0" encoding="utf-8"?>
 <p:sld xmlns:a="http://schemas.openxmlformats.org/drawingml/2006/main" xmlns:r="http://schemas.openxmlformats.org/officeDocument/2006/relationships" xmlns:p="http://schemas.openxmlformats.org/presentationml/2006/main">
   <p:cSld>
     <p:spTree>
@@ -7038,7 +7603,7 @@
 </p:sld>
 </file>
 
-<file path=ppt/slides/slide12.xml><?xml version="1.0" encoding="utf-8"?>
+<file path=ppt/slides/slide13.xml><?xml version="1.0" encoding="utf-8"?>
 <p:sld xmlns:a="http://schemas.openxmlformats.org/drawingml/2006/main" xmlns:r="http://schemas.openxmlformats.org/officeDocument/2006/relationships" xmlns:p="http://schemas.openxmlformats.org/presentationml/2006/main">
   <p:cSld>
     <p:spTree>
@@ -7339,7 +7904,7 @@
 </p:sld>
 </file>
 
-<file path=ppt/slides/slide13.xml><?xml version="1.0" encoding="utf-8"?>
+<file path=ppt/slides/slide14.xml><?xml version="1.0" encoding="utf-8"?>
 <p:sld xmlns:a="http://schemas.openxmlformats.org/drawingml/2006/main" xmlns:r="http://schemas.openxmlformats.org/officeDocument/2006/relationships" xmlns:p="http://schemas.openxmlformats.org/presentationml/2006/main">
   <p:cSld>
     <p:spTree>
@@ -7650,7 +8215,7 @@
 </p:sld>
 </file>
 
-<file path=ppt/slides/slide14.xml><?xml version="1.0" encoding="utf-8"?>
+<file path=ppt/slides/slide15.xml><?xml version="1.0" encoding="utf-8"?>
 <p:sld xmlns:a="http://schemas.openxmlformats.org/drawingml/2006/main" xmlns:r="http://schemas.openxmlformats.org/officeDocument/2006/relationships" xmlns:p="http://schemas.openxmlformats.org/presentationml/2006/main">
   <p:cSld>
     <p:spTree>
@@ -7788,7 +8353,7 @@
 </p:sld>
 </file>
 
-<file path=ppt/slides/slide15.xml><?xml version="1.0" encoding="utf-8"?>
+<file path=ppt/slides/slide16.xml><?xml version="1.0" encoding="utf-8"?>
 <p:sld xmlns:a="http://schemas.openxmlformats.org/drawingml/2006/main" xmlns:r="http://schemas.openxmlformats.org/officeDocument/2006/relationships" xmlns:p="http://schemas.openxmlformats.org/presentationml/2006/main">
   <p:cSld>
     <p:spTree>
@@ -8048,7 +8613,7 @@
 </p:sld>
 </file>
 
-<file path=ppt/slides/slide16.xml><?xml version="1.0" encoding="utf-8"?>
+<file path=ppt/slides/slide17.xml><?xml version="1.0" encoding="utf-8"?>
 <p:sld xmlns:a="http://schemas.openxmlformats.org/drawingml/2006/main" xmlns:r="http://schemas.openxmlformats.org/officeDocument/2006/relationships" xmlns:p="http://schemas.openxmlformats.org/presentationml/2006/main">
   <p:cSld>
     <p:spTree>
@@ -8308,195 +8873,6 @@
     <p:extLst>
       <p:ext uri="{BB962C8B-B14F-4D97-AF65-F5344CB8AC3E}">
         <p14:creationId xmlns:p14="http://schemas.microsoft.com/office/powerpoint/2010/main" val="60859867"/>
-      </p:ext>
-    </p:extLst>
-  </p:cSld>
-  <p:clrMapOvr>
-    <a:masterClrMapping/>
-  </p:clrMapOvr>
-</p:sld>
-</file>
-
-<file path=ppt/slides/slide17.xml><?xml version="1.0" encoding="utf-8"?>
-<p:sld xmlns:a="http://schemas.openxmlformats.org/drawingml/2006/main" xmlns:r="http://schemas.openxmlformats.org/officeDocument/2006/relationships" xmlns:p="http://schemas.openxmlformats.org/presentationml/2006/main">
-  <p:cSld>
-    <p:spTree>
-      <p:nvGrpSpPr>
-        <p:cNvPr id="1" name=""/>
-        <p:cNvGrpSpPr/>
-        <p:nvPr/>
-      </p:nvGrpSpPr>
-      <p:grpSpPr>
-        <a:xfrm>
-          <a:off x="0" y="0"/>
-          <a:ext cx="0" cy="0"/>
-          <a:chOff x="0" y="0"/>
-          <a:chExt cx="0" cy="0"/>
-        </a:xfrm>
-      </p:grpSpPr>
-      <p:sp>
-        <p:nvSpPr>
-          <p:cNvPr id="2" name="Title 1">
-            <a:extLst>
-              <a:ext uri="{FF2B5EF4-FFF2-40B4-BE49-F238E27FC236}">
-                <a16:creationId xmlns:a16="http://schemas.microsoft.com/office/drawing/2014/main" id="{6B182BDA-6C30-F887-9BA6-1176CAC69CE1}"/>
-              </a:ext>
-            </a:extLst>
-          </p:cNvPr>
-          <p:cNvSpPr>
-            <a:spLocks noGrp="1"/>
-          </p:cNvSpPr>
-          <p:nvPr>
-            <p:ph type="title"/>
-          </p:nvPr>
-        </p:nvSpPr>
-        <p:spPr>
-          <a:xfrm>
-            <a:off x="2201332" y="365125"/>
-            <a:ext cx="9152467" cy="1325563"/>
-          </a:xfrm>
-        </p:spPr>
-        <p:txBody>
-          <a:bodyPr/>
-          <a:lstStyle/>
-          <a:p>
-            <a:r>
-              <a:rPr lang="en-CA" dirty="0">
-                <a:solidFill>
-                  <a:srgbClr val="005493"/>
-                </a:solidFill>
-              </a:rPr>
-              <a:t>The Staging Area</a:t>
-            </a:r>
-            <a:endParaRPr lang="en-US" dirty="0">
-              <a:solidFill>
-                <a:srgbClr val="005493"/>
-              </a:solidFill>
-            </a:endParaRPr>
-          </a:p>
-        </p:txBody>
-      </p:sp>
-      <p:pic>
-        <p:nvPicPr>
-          <p:cNvPr id="8" name="Picture 2">
-            <a:extLst>
-              <a:ext uri="{FF2B5EF4-FFF2-40B4-BE49-F238E27FC236}">
-                <a16:creationId xmlns:a16="http://schemas.microsoft.com/office/drawing/2014/main" id="{76A4EB1A-03E2-E6DB-AB37-07E7B38AC688}"/>
-              </a:ext>
-            </a:extLst>
-          </p:cNvPr>
-          <p:cNvPicPr>
-            <a:picLocks noChangeAspect="1" noChangeArrowheads="1"/>
-          </p:cNvPicPr>
-          <p:nvPr/>
-        </p:nvPicPr>
-        <p:blipFill>
-          <a:blip r:embed="rId2" cstate="print">
-            <a:extLst>
-              <a:ext uri="{28A0092B-C50C-407E-A947-70E740481C1C}">
-                <a14:useLocalDpi xmlns:a14="http://schemas.microsoft.com/office/drawing/2010/main" val="0"/>
-              </a:ext>
-            </a:extLst>
-          </a:blip>
-          <a:srcRect/>
-          <a:stretch>
-            <a:fillRect/>
-          </a:stretch>
-        </p:blipFill>
-        <p:spPr bwMode="auto">
-          <a:xfrm>
-            <a:off x="177224" y="152933"/>
-            <a:ext cx="1649616" cy="688343"/>
-          </a:xfrm>
-          <a:prstGeom prst="rect">
-            <a:avLst/>
-          </a:prstGeom>
-          <a:noFill/>
-          <a:ln>
-            <a:noFill/>
-          </a:ln>
-          <a:effectLst/>
-          <a:extLst>
-            <a:ext uri="{909E8E84-426E-40DD-AFC4-6F175D3DCCD1}">
-              <a14:hiddenFill xmlns:a14="http://schemas.microsoft.com/office/drawing/2010/main">
-                <a:solidFill>
-                  <a:schemeClr val="accent1"/>
-                </a:solidFill>
-              </a14:hiddenFill>
-            </a:ext>
-            <a:ext uri="{91240B29-F687-4F45-9708-019B960494DF}">
-              <a14:hiddenLine xmlns:a14="http://schemas.microsoft.com/office/drawing/2010/main" w="9525">
-                <a:solidFill>
-                  <a:schemeClr val="tx1"/>
-                </a:solidFill>
-                <a:miter lim="800000"/>
-                <a:headEnd/>
-                <a:tailEnd/>
-              </a14:hiddenLine>
-            </a:ext>
-            <a:ext uri="{AF507438-7753-43E0-B8FC-AC1667EBCBE1}">
-              <a14:hiddenEffects xmlns:a14="http://schemas.microsoft.com/office/drawing/2010/main">
-                <a:effectLst>
-                  <a:outerShdw dist="35921" dir="2700000" algn="ctr" rotWithShape="0">
-                    <a:schemeClr val="bg2"/>
-                  </a:outerShdw>
-                </a:effectLst>
-              </a14:hiddenEffects>
-            </a:ext>
-          </a:extLst>
-        </p:spPr>
-      </p:pic>
-      <p:pic>
-        <p:nvPicPr>
-          <p:cNvPr id="1026" name="Picture 2">
-            <a:extLst>
-              <a:ext uri="{FF2B5EF4-FFF2-40B4-BE49-F238E27FC236}">
-                <a16:creationId xmlns:a16="http://schemas.microsoft.com/office/drawing/2014/main" id="{7D636DD2-DC38-FDA7-3313-B9C40ED22636}"/>
-              </a:ext>
-            </a:extLst>
-          </p:cNvPr>
-          <p:cNvPicPr>
-            <a:picLocks noChangeAspect="1" noChangeArrowheads="1"/>
-          </p:cNvPicPr>
-          <p:nvPr/>
-        </p:nvPicPr>
-        <p:blipFill>
-          <a:blip r:embed="rId3">
-            <a:extLst>
-              <a:ext uri="{28A0092B-C50C-407E-A947-70E740481C1C}">
-                <a14:useLocalDpi xmlns:a14="http://schemas.microsoft.com/office/drawing/2010/main" val="0"/>
-              </a:ext>
-            </a:extLst>
-          </a:blip>
-          <a:srcRect/>
-          <a:stretch>
-            <a:fillRect/>
-          </a:stretch>
-        </p:blipFill>
-        <p:spPr bwMode="auto">
-          <a:xfrm>
-            <a:off x="0" y="1799343"/>
-            <a:ext cx="12192000" cy="3756025"/>
-          </a:xfrm>
-          <a:prstGeom prst="rect">
-            <a:avLst/>
-          </a:prstGeom>
-          <a:noFill/>
-          <a:extLst>
-            <a:ext uri="{909E8E84-426E-40DD-AFC4-6F175D3DCCD1}">
-              <a14:hiddenFill xmlns:a14="http://schemas.microsoft.com/office/drawing/2010/main">
-                <a:solidFill>
-                  <a:srgbClr val="FFFFFF"/>
-                </a:solidFill>
-              </a14:hiddenFill>
-            </a:ext>
-          </a:extLst>
-        </p:spPr>
-      </p:pic>
-    </p:spTree>
-    <p:extLst>
-      <p:ext uri="{BB962C8B-B14F-4D97-AF65-F5344CB8AC3E}">
-        <p14:creationId xmlns:p14="http://schemas.microsoft.com/office/powerpoint/2010/main" val="3241646353"/>
       </p:ext>
     </p:extLst>
   </p:cSld>
@@ -8525,7 +8901,13 @@
       </p:grpSpPr>
       <p:sp>
         <p:nvSpPr>
-          <p:cNvPr id="2" name="Title 1"/>
+          <p:cNvPr id="2" name="Title 1">
+            <a:extLst>
+              <a:ext uri="{FF2B5EF4-FFF2-40B4-BE49-F238E27FC236}">
+                <a16:creationId xmlns:a16="http://schemas.microsoft.com/office/drawing/2014/main" id="{6B182BDA-6C30-F887-9BA6-1176CAC69CE1}"/>
+              </a:ext>
+            </a:extLst>
+          </p:cNvPr>
           <p:cNvSpPr>
             <a:spLocks noGrp="1"/>
           </p:cNvSpPr>
@@ -8533,183 +8915,48 @@
             <p:ph type="title"/>
           </p:nvPr>
         </p:nvSpPr>
-        <p:spPr/>
-        <p:txBody>
-          <a:bodyPr>
-            <a:normAutofit/>
-          </a:bodyPr>
-          <a:lstStyle/>
-          <a:p>
-            <a:r>
-              <a:rPr lang="en-CA" sz="4000" dirty="0">
+        <p:spPr>
+          <a:xfrm>
+            <a:off x="2201332" y="365125"/>
+            <a:ext cx="9152467" cy="1325563"/>
+          </a:xfrm>
+        </p:spPr>
+        <p:txBody>
+          <a:bodyPr/>
+          <a:lstStyle/>
+          <a:p>
+            <a:r>
+              <a:rPr lang="en-CA" dirty="0">
                 <a:solidFill>
                   <a:srgbClr val="005493"/>
                 </a:solidFill>
-                <a:latin typeface="+mn-lt"/>
-                <a:ea typeface="+mn-ea"/>
-                <a:cs typeface="+mn-cs"/>
               </a:rPr>
-              <a:t>GitHub</a:t>
-            </a:r>
-          </a:p>
-        </p:txBody>
-      </p:sp>
-      <p:sp>
-        <p:nvSpPr>
-          <p:cNvPr id="4" name="Content Placeholder 3"/>
-          <p:cNvSpPr>
-            <a:spLocks noGrp="1"/>
-          </p:cNvSpPr>
-          <p:nvPr>
-            <p:ph sz="half" idx="2"/>
-          </p:nvPr>
-        </p:nvSpPr>
-        <p:spPr/>
-        <p:txBody>
-          <a:bodyPr/>
-          <a:lstStyle/>
-          <a:p>
-            <a:r>
-              <a:rPr lang="en-CA" dirty="0">
-                <a:solidFill>
-                  <a:schemeClr val="tx2">
-                    <a:lumMod val="75000"/>
-                  </a:schemeClr>
-                </a:solidFill>
-              </a:rPr>
-              <a:t>Hosting service for git repositories</a:t>
-            </a:r>
-          </a:p>
-          <a:p>
-            <a:r>
-              <a:rPr lang="en-CA" dirty="0">
-                <a:solidFill>
-                  <a:schemeClr val="tx2">
-                    <a:lumMod val="75000"/>
-                  </a:schemeClr>
-                </a:solidFill>
-              </a:rPr>
-              <a:t>Greatly facilitates collaboration</a:t>
-            </a:r>
-          </a:p>
-          <a:p>
-            <a:pPr marL="0" indent="0">
-              <a:buNone/>
-            </a:pPr>
-            <a:endParaRPr lang="en-CA" dirty="0">
+              <a:t>The Staging Area</a:t>
+            </a:r>
+            <a:endParaRPr lang="en-US" dirty="0">
               <a:solidFill>
-                <a:schemeClr val="tx2">
-                  <a:lumMod val="75000"/>
-                </a:schemeClr>
+                <a:srgbClr val="005493"/>
               </a:solidFill>
             </a:endParaRPr>
           </a:p>
-          <a:p>
-            <a:pPr marL="0" indent="0" algn="ctr">
-              <a:buNone/>
-            </a:pPr>
-            <a:r>
-              <a:rPr lang="en-CA" b="1" i="1" dirty="0">
-                <a:solidFill>
-                  <a:schemeClr val="tx2">
-                    <a:lumMod val="75000"/>
-                  </a:schemeClr>
-                </a:solidFill>
-              </a:rPr>
-              <a:t>Git: </a:t>
-            </a:r>
-            <a:r>
-              <a:rPr lang="en-CA" dirty="0">
-                <a:solidFill>
-                  <a:schemeClr val="tx2">
-                    <a:lumMod val="75000"/>
-                  </a:schemeClr>
-                </a:solidFill>
-              </a:rPr>
-              <a:t>Version Control</a:t>
-            </a:r>
-            <a:endParaRPr lang="en-CA" b="1" i="1" dirty="0">
-              <a:solidFill>
-                <a:schemeClr val="tx2">
-                  <a:lumMod val="75000"/>
-                </a:schemeClr>
-              </a:solidFill>
-            </a:endParaRPr>
-          </a:p>
-          <a:p>
-            <a:pPr marL="0" indent="0" algn="ctr">
-              <a:buNone/>
-            </a:pPr>
-            <a:r>
-              <a:rPr lang="en-CA" dirty="0">
-                <a:solidFill>
-                  <a:schemeClr val="tx2">
-                    <a:lumMod val="75000"/>
-                  </a:schemeClr>
-                </a:solidFill>
-              </a:rPr>
-              <a:t>+</a:t>
-            </a:r>
-          </a:p>
-          <a:p>
-            <a:pPr marL="0" indent="0" algn="ctr">
-              <a:buNone/>
-            </a:pPr>
-            <a:r>
-              <a:rPr lang="en-CA" b="1" i="1" dirty="0">
-                <a:solidFill>
-                  <a:schemeClr val="tx2">
-                    <a:lumMod val="75000"/>
-                  </a:schemeClr>
-                </a:solidFill>
-              </a:rPr>
-              <a:t>Hub:</a:t>
-            </a:r>
-            <a:r>
-              <a:rPr lang="en-CA" dirty="0">
-                <a:solidFill>
-                  <a:schemeClr val="tx2">
-                    <a:lumMod val="75000"/>
-                  </a:schemeClr>
-                </a:solidFill>
-              </a:rPr>
-              <a:t> Centralized repos &amp; </a:t>
-            </a:r>
-          </a:p>
-          <a:p>
-            <a:pPr marL="0" indent="0" algn="ctr">
-              <a:buNone/>
-            </a:pPr>
-            <a:r>
-              <a:rPr lang="en-CA" dirty="0">
-                <a:solidFill>
-                  <a:schemeClr val="tx2">
-                    <a:lumMod val="75000"/>
-                  </a:schemeClr>
-                </a:solidFill>
-              </a:rPr>
-              <a:t>networking/collaborating</a:t>
-            </a:r>
-            <a:endParaRPr lang="en-CA" b="1" i="1" dirty="0">
-              <a:solidFill>
-                <a:schemeClr val="tx2">
-                  <a:lumMod val="75000"/>
-                </a:schemeClr>
-              </a:solidFill>
-            </a:endParaRPr>
-          </a:p>
         </p:txBody>
       </p:sp>
       <p:pic>
         <p:nvPicPr>
-          <p:cNvPr id="8194" name="Picture 2" descr="C:\_dev\git-EIS-2015-11-04\img\Octocat_400.png"/>
+          <p:cNvPr id="8" name="Picture 2">
+            <a:extLst>
+              <a:ext uri="{FF2B5EF4-FFF2-40B4-BE49-F238E27FC236}">
+                <a16:creationId xmlns:a16="http://schemas.microsoft.com/office/drawing/2014/main" id="{76A4EB1A-03E2-E6DB-AB37-07E7B38AC688}"/>
+              </a:ext>
+            </a:extLst>
+          </p:cNvPr>
           <p:cNvPicPr>
             <a:picLocks noChangeAspect="1" noChangeArrowheads="1"/>
           </p:cNvPicPr>
           <p:nvPr/>
         </p:nvPicPr>
         <p:blipFill>
-          <a:blip r:embed="rId3">
+          <a:blip r:embed="rId2" cstate="print">
             <a:extLst>
               <a:ext uri="{28A0092B-C50C-407E-A947-70E740481C1C}">
                 <a14:useLocalDpi xmlns:a14="http://schemas.microsoft.com/office/drawing/2010/main" val="0"/>
@@ -8723,8 +8970,78 @@
         </p:blipFill>
         <p:spPr bwMode="auto">
           <a:xfrm>
-            <a:off x="1524001" y="1811760"/>
-            <a:ext cx="4888779" cy="4065513"/>
+            <a:off x="177224" y="152933"/>
+            <a:ext cx="1649616" cy="688343"/>
+          </a:xfrm>
+          <a:prstGeom prst="rect">
+            <a:avLst/>
+          </a:prstGeom>
+          <a:noFill/>
+          <a:ln>
+            <a:noFill/>
+          </a:ln>
+          <a:effectLst/>
+          <a:extLst>
+            <a:ext uri="{909E8E84-426E-40DD-AFC4-6F175D3DCCD1}">
+              <a14:hiddenFill xmlns:a14="http://schemas.microsoft.com/office/drawing/2010/main">
+                <a:solidFill>
+                  <a:schemeClr val="accent1"/>
+                </a:solidFill>
+              </a14:hiddenFill>
+            </a:ext>
+            <a:ext uri="{91240B29-F687-4F45-9708-019B960494DF}">
+              <a14:hiddenLine xmlns:a14="http://schemas.microsoft.com/office/drawing/2010/main" w="9525">
+                <a:solidFill>
+                  <a:schemeClr val="tx1"/>
+                </a:solidFill>
+                <a:miter lim="800000"/>
+                <a:headEnd/>
+                <a:tailEnd/>
+              </a14:hiddenLine>
+            </a:ext>
+            <a:ext uri="{AF507438-7753-43E0-B8FC-AC1667EBCBE1}">
+              <a14:hiddenEffects xmlns:a14="http://schemas.microsoft.com/office/drawing/2010/main">
+                <a:effectLst>
+                  <a:outerShdw dist="35921" dir="2700000" algn="ctr" rotWithShape="0">
+                    <a:schemeClr val="bg2"/>
+                  </a:outerShdw>
+                </a:effectLst>
+              </a14:hiddenEffects>
+            </a:ext>
+          </a:extLst>
+        </p:spPr>
+      </p:pic>
+      <p:pic>
+        <p:nvPicPr>
+          <p:cNvPr id="1026" name="Picture 2">
+            <a:extLst>
+              <a:ext uri="{FF2B5EF4-FFF2-40B4-BE49-F238E27FC236}">
+                <a16:creationId xmlns:a16="http://schemas.microsoft.com/office/drawing/2014/main" id="{7D636DD2-DC38-FDA7-3313-B9C40ED22636}"/>
+              </a:ext>
+            </a:extLst>
+          </p:cNvPr>
+          <p:cNvPicPr>
+            <a:picLocks noChangeAspect="1" noChangeArrowheads="1"/>
+          </p:cNvPicPr>
+          <p:nvPr/>
+        </p:nvPicPr>
+        <p:blipFill>
+          <a:blip r:embed="rId3">
+            <a:extLst>
+              <a:ext uri="{28A0092B-C50C-407E-A947-70E740481C1C}">
+                <a14:useLocalDpi xmlns:a14="http://schemas.microsoft.com/office/drawing/2010/main" val="0"/>
+              </a:ext>
+            </a:extLst>
+          </a:blip>
+          <a:srcRect/>
+          <a:stretch>
+            <a:fillRect/>
+          </a:stretch>
+        </p:blipFill>
+        <p:spPr bwMode="auto">
+          <a:xfrm>
+            <a:off x="0" y="1799343"/>
+            <a:ext cx="12192000" cy="3756025"/>
           </a:xfrm>
           <a:prstGeom prst="rect">
             <a:avLst/>
@@ -8741,64 +9058,10 @@
           </a:extLst>
         </p:spPr>
       </p:pic>
-      <p:pic>
-        <p:nvPicPr>
-          <p:cNvPr id="3" name="Picture 2"/>
-          <p:cNvPicPr>
-            <a:picLocks noChangeAspect="1" noChangeArrowheads="1"/>
-          </p:cNvPicPr>
-          <p:nvPr/>
-        </p:nvPicPr>
-        <p:blipFill>
-          <a:blip r:embed="rId4">
-            <a:extLst>
-              <a:ext uri="{28A0092B-C50C-407E-A947-70E740481C1C}">
-                <a14:useLocalDpi xmlns:a14="http://schemas.microsoft.com/office/drawing/2010/main" val="0"/>
-              </a:ext>
-            </a:extLst>
-          </a:blip>
-          <a:srcRect/>
-          <a:stretch>
-            <a:fillRect/>
-          </a:stretch>
-        </p:blipFill>
-        <p:spPr bwMode="auto">
-          <a:xfrm>
-            <a:off x="3363552" y="5998418"/>
-            <a:ext cx="1209675" cy="495300"/>
-          </a:xfrm>
-          <a:prstGeom prst="rect">
-            <a:avLst/>
-          </a:prstGeom>
-          <a:noFill/>
-          <a:ln>
-            <a:noFill/>
-          </a:ln>
-          <a:extLst>
-            <a:ext uri="{909E8E84-426E-40DD-AFC4-6F175D3DCCD1}">
-              <a14:hiddenFill xmlns:a14="http://schemas.microsoft.com/office/drawing/2010/main">
-                <a:solidFill>
-                  <a:schemeClr val="accent1"/>
-                </a:solidFill>
-              </a14:hiddenFill>
-            </a:ext>
-            <a:ext uri="{91240B29-F687-4F45-9708-019B960494DF}">
-              <a14:hiddenLine xmlns:a14="http://schemas.microsoft.com/office/drawing/2010/main" w="9525">
-                <a:solidFill>
-                  <a:schemeClr val="tx1"/>
-                </a:solidFill>
-                <a:miter lim="800000"/>
-                <a:headEnd/>
-                <a:tailEnd/>
-              </a14:hiddenLine>
-            </a:ext>
-          </a:extLst>
-        </p:spPr>
-      </p:pic>
     </p:spTree>
     <p:extLst>
       <p:ext uri="{BB962C8B-B14F-4D97-AF65-F5344CB8AC3E}">
-        <p14:creationId xmlns:p14="http://schemas.microsoft.com/office/powerpoint/2010/main" val="2442088950"/>
+        <p14:creationId xmlns:p14="http://schemas.microsoft.com/office/powerpoint/2010/main" val="3241646353"/>
       </p:ext>
     </p:extLst>
   </p:cSld>
@@ -8825,15 +9088,186 @@
           <a:chExt cx="0" cy="0"/>
         </a:xfrm>
       </p:grpSpPr>
+      <p:sp>
+        <p:nvSpPr>
+          <p:cNvPr id="2" name="Title 1"/>
+          <p:cNvSpPr>
+            <a:spLocks noGrp="1"/>
+          </p:cNvSpPr>
+          <p:nvPr>
+            <p:ph type="title"/>
+          </p:nvPr>
+        </p:nvSpPr>
+        <p:spPr/>
+        <p:txBody>
+          <a:bodyPr>
+            <a:normAutofit/>
+          </a:bodyPr>
+          <a:lstStyle/>
+          <a:p>
+            <a:r>
+              <a:rPr lang="en-CA" sz="4000" dirty="0">
+                <a:solidFill>
+                  <a:srgbClr val="005493"/>
+                </a:solidFill>
+                <a:latin typeface="+mn-lt"/>
+                <a:ea typeface="+mn-ea"/>
+                <a:cs typeface="+mn-cs"/>
+              </a:rPr>
+              <a:t>GitHub</a:t>
+            </a:r>
+          </a:p>
+        </p:txBody>
+      </p:sp>
+      <p:sp>
+        <p:nvSpPr>
+          <p:cNvPr id="4" name="Content Placeholder 3"/>
+          <p:cNvSpPr>
+            <a:spLocks noGrp="1"/>
+          </p:cNvSpPr>
+          <p:nvPr>
+            <p:ph sz="half" idx="2"/>
+          </p:nvPr>
+        </p:nvSpPr>
+        <p:spPr/>
+        <p:txBody>
+          <a:bodyPr/>
+          <a:lstStyle/>
+          <a:p>
+            <a:r>
+              <a:rPr lang="en-CA" dirty="0">
+                <a:solidFill>
+                  <a:schemeClr val="tx2">
+                    <a:lumMod val="75000"/>
+                  </a:schemeClr>
+                </a:solidFill>
+              </a:rPr>
+              <a:t>Hosting service for git repositories</a:t>
+            </a:r>
+          </a:p>
+          <a:p>
+            <a:r>
+              <a:rPr lang="en-CA" dirty="0">
+                <a:solidFill>
+                  <a:schemeClr val="tx2">
+                    <a:lumMod val="75000"/>
+                  </a:schemeClr>
+                </a:solidFill>
+              </a:rPr>
+              <a:t>Greatly facilitates collaboration</a:t>
+            </a:r>
+          </a:p>
+          <a:p>
+            <a:pPr marL="0" indent="0">
+              <a:buNone/>
+            </a:pPr>
+            <a:endParaRPr lang="en-CA" dirty="0">
+              <a:solidFill>
+                <a:schemeClr val="tx2">
+                  <a:lumMod val="75000"/>
+                </a:schemeClr>
+              </a:solidFill>
+            </a:endParaRPr>
+          </a:p>
+          <a:p>
+            <a:pPr marL="0" indent="0" algn="ctr">
+              <a:buNone/>
+            </a:pPr>
+            <a:r>
+              <a:rPr lang="en-CA" b="1" i="1" dirty="0">
+                <a:solidFill>
+                  <a:schemeClr val="tx2">
+                    <a:lumMod val="75000"/>
+                  </a:schemeClr>
+                </a:solidFill>
+              </a:rPr>
+              <a:t>Git: </a:t>
+            </a:r>
+            <a:r>
+              <a:rPr lang="en-CA" dirty="0">
+                <a:solidFill>
+                  <a:schemeClr val="tx2">
+                    <a:lumMod val="75000"/>
+                  </a:schemeClr>
+                </a:solidFill>
+              </a:rPr>
+              <a:t>Version Control</a:t>
+            </a:r>
+            <a:endParaRPr lang="en-CA" b="1" i="1" dirty="0">
+              <a:solidFill>
+                <a:schemeClr val="tx2">
+                  <a:lumMod val="75000"/>
+                </a:schemeClr>
+              </a:solidFill>
+            </a:endParaRPr>
+          </a:p>
+          <a:p>
+            <a:pPr marL="0" indent="0" algn="ctr">
+              <a:buNone/>
+            </a:pPr>
+            <a:r>
+              <a:rPr lang="en-CA" dirty="0">
+                <a:solidFill>
+                  <a:schemeClr val="tx2">
+                    <a:lumMod val="75000"/>
+                  </a:schemeClr>
+                </a:solidFill>
+              </a:rPr>
+              <a:t>+</a:t>
+            </a:r>
+          </a:p>
+          <a:p>
+            <a:pPr marL="0" indent="0" algn="ctr">
+              <a:buNone/>
+            </a:pPr>
+            <a:r>
+              <a:rPr lang="en-CA" b="1" i="1" dirty="0">
+                <a:solidFill>
+                  <a:schemeClr val="tx2">
+                    <a:lumMod val="75000"/>
+                  </a:schemeClr>
+                </a:solidFill>
+              </a:rPr>
+              <a:t>Hub:</a:t>
+            </a:r>
+            <a:r>
+              <a:rPr lang="en-CA" dirty="0">
+                <a:solidFill>
+                  <a:schemeClr val="tx2">
+                    <a:lumMod val="75000"/>
+                  </a:schemeClr>
+                </a:solidFill>
+              </a:rPr>
+              <a:t> Centralized repos &amp; </a:t>
+            </a:r>
+          </a:p>
+          <a:p>
+            <a:pPr marL="0" indent="0" algn="ctr">
+              <a:buNone/>
+            </a:pPr>
+            <a:r>
+              <a:rPr lang="en-CA" dirty="0">
+                <a:solidFill>
+                  <a:schemeClr val="tx2">
+                    <a:lumMod val="75000"/>
+                  </a:schemeClr>
+                </a:solidFill>
+              </a:rPr>
+              <a:t>networking/collaborating</a:t>
+            </a:r>
+            <a:endParaRPr lang="en-CA" b="1" i="1" dirty="0">
+              <a:solidFill>
+                <a:schemeClr val="tx2">
+                  <a:lumMod val="75000"/>
+                </a:schemeClr>
+              </a:solidFill>
+            </a:endParaRPr>
+          </a:p>
+        </p:txBody>
+      </p:sp>
       <p:pic>
         <p:nvPicPr>
-          <p:cNvPr id="2050" name="Picture 2">
-            <a:extLst>
-              <a:ext uri="{FF2B5EF4-FFF2-40B4-BE49-F238E27FC236}">
-                <a16:creationId xmlns:a16="http://schemas.microsoft.com/office/drawing/2014/main" id="{28FBF6A9-502A-7C2C-5CFA-251F605FBCE7}"/>
-              </a:ext>
-            </a:extLst>
-          </p:cNvPr>
+          <p:cNvPr id="8194" name="Picture 2" descr="C:\_dev\git-EIS-2015-11-04\img\Octocat_400.png"/>
           <p:cNvPicPr>
             <a:picLocks noChangeAspect="1" noChangeArrowheads="1"/>
           </p:cNvPicPr>
@@ -8854,8 +9288,8 @@
         </p:blipFill>
         <p:spPr bwMode="auto">
           <a:xfrm>
-            <a:off x="932037" y="519112"/>
-            <a:ext cx="4286250" cy="5715000"/>
+            <a:off x="1524001" y="1811760"/>
+            <a:ext cx="4888779" cy="4065513"/>
           </a:xfrm>
           <a:prstGeom prst="rect">
             <a:avLst/>
@@ -8874,13 +9308,7 @@
       </p:pic>
       <p:pic>
         <p:nvPicPr>
-          <p:cNvPr id="2052" name="Picture 4">
-            <a:extLst>
-              <a:ext uri="{FF2B5EF4-FFF2-40B4-BE49-F238E27FC236}">
-                <a16:creationId xmlns:a16="http://schemas.microsoft.com/office/drawing/2014/main" id="{63C20B84-94B6-C735-D9AC-8A03946A2774}"/>
-              </a:ext>
-            </a:extLst>
-          </p:cNvPr>
+          <p:cNvPr id="3" name="Picture 2"/>
           <p:cNvPicPr>
             <a:picLocks noChangeAspect="1" noChangeArrowheads="1"/>
           </p:cNvPicPr>
@@ -8901,54 +9329,7 @@
         </p:blipFill>
         <p:spPr bwMode="auto">
           <a:xfrm>
-            <a:off x="6583188" y="519112"/>
-            <a:ext cx="4676775" cy="5819775"/>
-          </a:xfrm>
-          <a:prstGeom prst="rect">
-            <a:avLst/>
-          </a:prstGeom>
-          <a:noFill/>
-          <a:extLst>
-            <a:ext uri="{909E8E84-426E-40DD-AFC4-6F175D3DCCD1}">
-              <a14:hiddenFill xmlns:a14="http://schemas.microsoft.com/office/drawing/2010/main">
-                <a:solidFill>
-                  <a:srgbClr val="FFFFFF"/>
-                </a:solidFill>
-              </a14:hiddenFill>
-            </a:ext>
-          </a:extLst>
-        </p:spPr>
-      </p:pic>
-      <p:pic>
-        <p:nvPicPr>
-          <p:cNvPr id="9" name="Picture 8">
-            <a:extLst>
-              <a:ext uri="{FF2B5EF4-FFF2-40B4-BE49-F238E27FC236}">
-                <a16:creationId xmlns:a16="http://schemas.microsoft.com/office/drawing/2014/main" id="{75FF4824-A874-46BD-42C2-10030909B8D0}"/>
-              </a:ext>
-            </a:extLst>
-          </p:cNvPr>
-          <p:cNvPicPr>
-            <a:picLocks noChangeAspect="1" noChangeArrowheads="1"/>
-          </p:cNvPicPr>
-          <p:nvPr/>
-        </p:nvPicPr>
-        <p:blipFill>
-          <a:blip r:embed="rId5">
-            <a:extLst>
-              <a:ext uri="{28A0092B-C50C-407E-A947-70E740481C1C}">
-                <a14:useLocalDpi xmlns:a14="http://schemas.microsoft.com/office/drawing/2010/main" val="0"/>
-              </a:ext>
-            </a:extLst>
-          </a:blip>
-          <a:srcRect/>
-          <a:stretch>
-            <a:fillRect/>
-          </a:stretch>
-        </p:blipFill>
-        <p:spPr bwMode="auto">
-          <a:xfrm>
-            <a:off x="35496" y="44624"/>
+            <a:off x="3363552" y="5998418"/>
             <a:ext cx="1209675" cy="495300"/>
           </a:xfrm>
           <a:prstGeom prst="rect">
@@ -8982,7 +9363,7 @@
     </p:spTree>
     <p:extLst>
       <p:ext uri="{BB962C8B-B14F-4D97-AF65-F5344CB8AC3E}">
-        <p14:creationId xmlns:p14="http://schemas.microsoft.com/office/powerpoint/2010/main" val="3649752195"/>
+        <p14:creationId xmlns:p14="http://schemas.microsoft.com/office/powerpoint/2010/main" val="2442088950"/>
       </p:ext>
     </p:extLst>
   </p:cSld>
@@ -9331,56 +9712,12 @@
           <a:chExt cx="0" cy="0"/>
         </a:xfrm>
       </p:grpSpPr>
-      <p:sp>
-        <p:nvSpPr>
-          <p:cNvPr id="2" name="TextBox 1">
-            <a:extLst>
-              <a:ext uri="{FF2B5EF4-FFF2-40B4-BE49-F238E27FC236}">
-                <a16:creationId xmlns:a16="http://schemas.microsoft.com/office/drawing/2014/main" id="{338F754B-A749-C01B-3F09-B143A8EB47B5}"/>
-              </a:ext>
-            </a:extLst>
-          </p:cNvPr>
-          <p:cNvSpPr txBox="1"/>
-          <p:nvPr/>
-        </p:nvSpPr>
-        <p:spPr>
-          <a:xfrm>
-            <a:off x="5147733" y="2459503"/>
-            <a:ext cx="6152444" cy="1938992"/>
-          </a:xfrm>
-          <a:prstGeom prst="rect">
-            <a:avLst/>
-          </a:prstGeom>
-          <a:noFill/>
-        </p:spPr>
-        <p:txBody>
-          <a:bodyPr wrap="square" rtlCol="0">
-            <a:spAutoFit/>
-          </a:bodyPr>
-          <a:lstStyle/>
-          <a:p>
-            <a:r>
-              <a:rPr lang="en-CA" sz="6000" dirty="0">
-                <a:solidFill>
-                  <a:srgbClr val="005493"/>
-                </a:solidFill>
-              </a:rPr>
-              <a:t>Create a remote repository</a:t>
-            </a:r>
-            <a:endParaRPr lang="en-US" sz="6000" dirty="0">
-              <a:solidFill>
-                <a:srgbClr val="005493"/>
-              </a:solidFill>
-            </a:endParaRPr>
-          </a:p>
-        </p:txBody>
-      </p:sp>
       <p:pic>
         <p:nvPicPr>
-          <p:cNvPr id="3" name="Picture 2">
+          <p:cNvPr id="2050" name="Picture 2">
             <a:extLst>
               <a:ext uri="{FF2B5EF4-FFF2-40B4-BE49-F238E27FC236}">
-                <a16:creationId xmlns:a16="http://schemas.microsoft.com/office/drawing/2014/main" id="{25E2DA70-CDBF-0459-D3B7-707B69DF3294}"/>
+                <a16:creationId xmlns:a16="http://schemas.microsoft.com/office/drawing/2014/main" id="{28FBF6A9-502A-7C2C-5CFA-251F605FBCE7}"/>
               </a:ext>
             </a:extLst>
           </p:cNvPr>
@@ -9404,8 +9741,102 @@
         </p:blipFill>
         <p:spPr bwMode="auto">
           <a:xfrm>
-            <a:off x="1072445" y="2941355"/>
-            <a:ext cx="2381955" cy="975289"/>
+            <a:off x="932037" y="519112"/>
+            <a:ext cx="4286250" cy="5715000"/>
+          </a:xfrm>
+          <a:prstGeom prst="rect">
+            <a:avLst/>
+          </a:prstGeom>
+          <a:noFill/>
+          <a:extLst>
+            <a:ext uri="{909E8E84-426E-40DD-AFC4-6F175D3DCCD1}">
+              <a14:hiddenFill xmlns:a14="http://schemas.microsoft.com/office/drawing/2010/main">
+                <a:solidFill>
+                  <a:srgbClr val="FFFFFF"/>
+                </a:solidFill>
+              </a14:hiddenFill>
+            </a:ext>
+          </a:extLst>
+        </p:spPr>
+      </p:pic>
+      <p:pic>
+        <p:nvPicPr>
+          <p:cNvPr id="2052" name="Picture 4">
+            <a:extLst>
+              <a:ext uri="{FF2B5EF4-FFF2-40B4-BE49-F238E27FC236}">
+                <a16:creationId xmlns:a16="http://schemas.microsoft.com/office/drawing/2014/main" id="{63C20B84-94B6-C735-D9AC-8A03946A2774}"/>
+              </a:ext>
+            </a:extLst>
+          </p:cNvPr>
+          <p:cNvPicPr>
+            <a:picLocks noChangeAspect="1" noChangeArrowheads="1"/>
+          </p:cNvPicPr>
+          <p:nvPr/>
+        </p:nvPicPr>
+        <p:blipFill>
+          <a:blip r:embed="rId4">
+            <a:extLst>
+              <a:ext uri="{28A0092B-C50C-407E-A947-70E740481C1C}">
+                <a14:useLocalDpi xmlns:a14="http://schemas.microsoft.com/office/drawing/2010/main" val="0"/>
+              </a:ext>
+            </a:extLst>
+          </a:blip>
+          <a:srcRect/>
+          <a:stretch>
+            <a:fillRect/>
+          </a:stretch>
+        </p:blipFill>
+        <p:spPr bwMode="auto">
+          <a:xfrm>
+            <a:off x="6583188" y="519112"/>
+            <a:ext cx="4676775" cy="5819775"/>
+          </a:xfrm>
+          <a:prstGeom prst="rect">
+            <a:avLst/>
+          </a:prstGeom>
+          <a:noFill/>
+          <a:extLst>
+            <a:ext uri="{909E8E84-426E-40DD-AFC4-6F175D3DCCD1}">
+              <a14:hiddenFill xmlns:a14="http://schemas.microsoft.com/office/drawing/2010/main">
+                <a:solidFill>
+                  <a:srgbClr val="FFFFFF"/>
+                </a:solidFill>
+              </a14:hiddenFill>
+            </a:ext>
+          </a:extLst>
+        </p:spPr>
+      </p:pic>
+      <p:pic>
+        <p:nvPicPr>
+          <p:cNvPr id="9" name="Picture 8">
+            <a:extLst>
+              <a:ext uri="{FF2B5EF4-FFF2-40B4-BE49-F238E27FC236}">
+                <a16:creationId xmlns:a16="http://schemas.microsoft.com/office/drawing/2014/main" id="{75FF4824-A874-46BD-42C2-10030909B8D0}"/>
+              </a:ext>
+            </a:extLst>
+          </p:cNvPr>
+          <p:cNvPicPr>
+            <a:picLocks noChangeAspect="1" noChangeArrowheads="1"/>
+          </p:cNvPicPr>
+          <p:nvPr/>
+        </p:nvPicPr>
+        <p:blipFill>
+          <a:blip r:embed="rId5">
+            <a:extLst>
+              <a:ext uri="{28A0092B-C50C-407E-A947-70E740481C1C}">
+                <a14:useLocalDpi xmlns:a14="http://schemas.microsoft.com/office/drawing/2010/main" val="0"/>
+              </a:ext>
+            </a:extLst>
+          </a:blip>
+          <a:srcRect/>
+          <a:stretch>
+            <a:fillRect/>
+          </a:stretch>
+        </p:blipFill>
+        <p:spPr bwMode="auto">
+          <a:xfrm>
+            <a:off x="35496" y="44624"/>
+            <a:ext cx="1209675" cy="495300"/>
           </a:xfrm>
           <a:prstGeom prst="rect">
             <a:avLst/>
@@ -9438,7 +9869,7 @@
     </p:spTree>
     <p:extLst>
       <p:ext uri="{BB962C8B-B14F-4D97-AF65-F5344CB8AC3E}">
-        <p14:creationId xmlns:p14="http://schemas.microsoft.com/office/powerpoint/2010/main" val="2295145685"/>
+        <p14:creationId xmlns:p14="http://schemas.microsoft.com/office/powerpoint/2010/main" val="3649752195"/>
       </p:ext>
     </p:extLst>
   </p:cSld>
@@ -9467,34 +9898,41 @@
       </p:grpSpPr>
       <p:sp>
         <p:nvSpPr>
-          <p:cNvPr id="2" name="Title 1">
+          <p:cNvPr id="2" name="TextBox 1">
             <a:extLst>
               <a:ext uri="{FF2B5EF4-FFF2-40B4-BE49-F238E27FC236}">
-                <a16:creationId xmlns:a16="http://schemas.microsoft.com/office/drawing/2014/main" id="{43E55C1F-AD98-3CE2-9B2E-0CBF8E497470}"/>
+                <a16:creationId xmlns:a16="http://schemas.microsoft.com/office/drawing/2014/main" id="{338F754B-A749-C01B-3F09-B143A8EB47B5}"/>
               </a:ext>
             </a:extLst>
           </p:cNvPr>
-          <p:cNvSpPr>
-            <a:spLocks noGrp="1"/>
-          </p:cNvSpPr>
-          <p:nvPr>
-            <p:ph type="title"/>
-          </p:nvPr>
-        </p:nvSpPr>
-        <p:spPr/>
-        <p:txBody>
-          <a:bodyPr/>
-          <a:lstStyle/>
-          <a:p>
-            <a:r>
-              <a:rPr lang="en-CA" dirty="0">
+          <p:cNvSpPr txBox="1"/>
+          <p:nvPr/>
+        </p:nvSpPr>
+        <p:spPr>
+          <a:xfrm>
+            <a:off x="5147733" y="2459503"/>
+            <a:ext cx="6152444" cy="1938992"/>
+          </a:xfrm>
+          <a:prstGeom prst="rect">
+            <a:avLst/>
+          </a:prstGeom>
+          <a:noFill/>
+        </p:spPr>
+        <p:txBody>
+          <a:bodyPr wrap="square" rtlCol="0">
+            <a:spAutoFit/>
+          </a:bodyPr>
+          <a:lstStyle/>
+          <a:p>
+            <a:r>
+              <a:rPr lang="en-CA" sz="6000" dirty="0">
                 <a:solidFill>
                   <a:srgbClr val="005493"/>
                 </a:solidFill>
               </a:rPr>
-              <a:t>A Collaborative Workflow</a:t>
-            </a:r>
-            <a:endParaRPr lang="en-US" dirty="0">
+              <a:t>Create a remote repository</a:t>
+            </a:r>
+            <a:endParaRPr lang="en-US" sz="6000" dirty="0">
               <a:solidFill>
                 <a:srgbClr val="005493"/>
               </a:solidFill>
@@ -9504,10 +9942,10 @@
       </p:sp>
       <p:pic>
         <p:nvPicPr>
-          <p:cNvPr id="4" name="Picture 3">
+          <p:cNvPr id="3" name="Picture 2">
             <a:extLst>
               <a:ext uri="{FF2B5EF4-FFF2-40B4-BE49-F238E27FC236}">
-                <a16:creationId xmlns:a16="http://schemas.microsoft.com/office/drawing/2014/main" id="{26DD140F-33CA-ED6D-2928-891327631004}"/>
+                <a16:creationId xmlns:a16="http://schemas.microsoft.com/office/drawing/2014/main" id="{25E2DA70-CDBF-0459-D3B7-707B69DF3294}"/>
               </a:ext>
             </a:extLst>
           </p:cNvPr>
@@ -9517,7 +9955,7 @@
           <p:nvPr/>
         </p:nvPicPr>
         <p:blipFill>
-          <a:blip r:embed="rId2">
+          <a:blip r:embed="rId3">
             <a:extLst>
               <a:ext uri="{28A0092B-C50C-407E-A947-70E740481C1C}">
                 <a14:useLocalDpi xmlns:a14="http://schemas.microsoft.com/office/drawing/2010/main" val="0"/>
@@ -9531,8 +9969,8 @@
         </p:blipFill>
         <p:spPr bwMode="auto">
           <a:xfrm>
-            <a:off x="35496" y="44624"/>
-            <a:ext cx="1209675" cy="495300"/>
+            <a:off x="1072445" y="2941355"/>
+            <a:ext cx="2381955" cy="975289"/>
           </a:xfrm>
           <a:prstGeom prst="rect">
             <a:avLst/>
@@ -9562,213 +10000,10 @@
           </a:extLst>
         </p:spPr>
       </p:pic>
-      <p:sp>
-        <p:nvSpPr>
-          <p:cNvPr id="5" name="TextBox 4">
-            <a:extLst>
-              <a:ext uri="{FF2B5EF4-FFF2-40B4-BE49-F238E27FC236}">
-                <a16:creationId xmlns:a16="http://schemas.microsoft.com/office/drawing/2014/main" id="{C6FBCF4C-0370-B167-A9F8-667F65E3CB2F}"/>
-              </a:ext>
-            </a:extLst>
-          </p:cNvPr>
-          <p:cNvSpPr txBox="1"/>
-          <p:nvPr/>
-        </p:nvSpPr>
-        <p:spPr>
-          <a:xfrm>
-            <a:off x="640333" y="5407378"/>
-            <a:ext cx="5317067" cy="369332"/>
-          </a:xfrm>
-          <a:prstGeom prst="rect">
-            <a:avLst/>
-          </a:prstGeom>
-          <a:noFill/>
-        </p:spPr>
-        <p:txBody>
-          <a:bodyPr wrap="square" rtlCol="0">
-            <a:spAutoFit/>
-          </a:bodyPr>
-          <a:lstStyle/>
-          <a:p>
-            <a:pPr marL="342900" indent="-342900">
-              <a:buFont typeface="+mj-lt"/>
-              <a:buAutoNum type="arabicPeriod"/>
-            </a:pPr>
-            <a:r>
-              <a:rPr lang="en-CA" dirty="0"/>
-              <a:t>Initial repository set up</a:t>
-            </a:r>
-            <a:endParaRPr lang="en-US" dirty="0"/>
-          </a:p>
-        </p:txBody>
-      </p:sp>
-      <p:sp>
-        <p:nvSpPr>
-          <p:cNvPr id="9" name="Content Placeholder 2">
-            <a:extLst>
-              <a:ext uri="{FF2B5EF4-FFF2-40B4-BE49-F238E27FC236}">
-                <a16:creationId xmlns:a16="http://schemas.microsoft.com/office/drawing/2014/main" id="{632F7D5F-457A-A274-25DB-2515E5EE5CBB}"/>
-              </a:ext>
-            </a:extLst>
-          </p:cNvPr>
-          <p:cNvSpPr>
-            <a:spLocks noGrp="1"/>
-          </p:cNvSpPr>
-          <p:nvPr>
-            <p:ph idx="1"/>
-          </p:nvPr>
-        </p:nvSpPr>
-        <p:spPr>
-          <a:xfrm>
-            <a:off x="838200" y="1825625"/>
-            <a:ext cx="10515600" cy="4351338"/>
-          </a:xfrm>
-        </p:spPr>
-        <p:txBody>
-          <a:bodyPr numCol="3">
-            <a:normAutofit/>
-          </a:bodyPr>
-          <a:lstStyle/>
-          <a:p>
-            <a:pPr marL="0" indent="0">
-              <a:buNone/>
-            </a:pPr>
-            <a:r>
-              <a:rPr lang="en-US" b="1" dirty="0"/>
-              <a:t>Original Repository</a:t>
-            </a:r>
-          </a:p>
-          <a:p>
-            <a:pPr marL="0" indent="0">
-              <a:buNone/>
-            </a:pPr>
-            <a:endParaRPr lang="en-US" dirty="0"/>
-          </a:p>
-          <a:p>
-            <a:pPr marL="0" indent="0">
-              <a:buNone/>
-            </a:pPr>
-            <a:r>
-              <a:rPr lang="en-US" dirty="0">
-                <a:solidFill>
-                  <a:srgbClr val="C00000"/>
-                </a:solidFill>
-              </a:rPr>
-              <a:t>|── planets</a:t>
-            </a:r>
-          </a:p>
-          <a:p>
-            <a:pPr marL="0" indent="0">
-              <a:buNone/>
-            </a:pPr>
-            <a:r>
-              <a:rPr lang="en-US" dirty="0">
-                <a:solidFill>
-                  <a:srgbClr val="C00000"/>
-                </a:solidFill>
-              </a:rPr>
-              <a:t>|   |── mars.txt</a:t>
-            </a:r>
-          </a:p>
-          <a:p>
-            <a:pPr marL="0" indent="0">
-              <a:buNone/>
-            </a:pPr>
-            <a:r>
-              <a:rPr lang="en-US" dirty="0">
-                <a:solidFill>
-                  <a:srgbClr val="C00000"/>
-                </a:solidFill>
-              </a:rPr>
-              <a:t>|   |── .git</a:t>
-            </a:r>
-          </a:p>
-          <a:p>
-            <a:pPr marL="0" indent="0">
-              <a:buNone/>
-            </a:pPr>
-            <a:endParaRPr lang="en-US" dirty="0"/>
-          </a:p>
-          <a:p>
-            <a:pPr marL="0" indent="0">
-              <a:buNone/>
-            </a:pPr>
-            <a:endParaRPr lang="en-US" b="1" dirty="0"/>
-          </a:p>
-          <a:p>
-            <a:pPr marL="0" indent="0">
-              <a:buNone/>
-            </a:pPr>
-            <a:endParaRPr lang="en-US" b="1" dirty="0"/>
-          </a:p>
-          <a:p>
-            <a:pPr marL="0" indent="0">
-              <a:buNone/>
-            </a:pPr>
-            <a:endParaRPr lang="en-US" dirty="0"/>
-          </a:p>
-        </p:txBody>
-      </p:sp>
-      <p:sp>
-        <p:nvSpPr>
-          <p:cNvPr id="10" name="TextBox 9">
-            <a:extLst>
-              <a:ext uri="{FF2B5EF4-FFF2-40B4-BE49-F238E27FC236}">
-                <a16:creationId xmlns:a16="http://schemas.microsoft.com/office/drawing/2014/main" id="{1012FEFF-2FB6-5C38-E9B4-A493EDF9E44B}"/>
-              </a:ext>
-            </a:extLst>
-          </p:cNvPr>
-          <p:cNvSpPr txBox="1"/>
-          <p:nvPr/>
-        </p:nvSpPr>
-        <p:spPr>
-          <a:xfrm>
-            <a:off x="8410223" y="388331"/>
-            <a:ext cx="3296356" cy="923330"/>
-          </a:xfrm>
-          <a:prstGeom prst="rect">
-            <a:avLst/>
-          </a:prstGeom>
-          <a:noFill/>
-          <a:ln w="19050">
-            <a:solidFill>
-              <a:schemeClr val="tx1">
-                <a:lumMod val="95000"/>
-                <a:lumOff val="5000"/>
-              </a:schemeClr>
-            </a:solidFill>
-          </a:ln>
-        </p:spPr>
-        <p:txBody>
-          <a:bodyPr wrap="square" rtlCol="0">
-            <a:spAutoFit/>
-          </a:bodyPr>
-          <a:lstStyle/>
-          <a:p>
-            <a:r>
-              <a:rPr lang="en-CA" dirty="0"/>
-              <a:t>git init</a:t>
-            </a:r>
-          </a:p>
-          <a:p>
-            <a:r>
-              <a:rPr lang="en-CA" dirty="0"/>
-              <a:t>git add mars.txt</a:t>
-            </a:r>
-          </a:p>
-          <a:p>
-            <a:r>
-              <a:rPr lang="en-CA" dirty="0"/>
-              <a:t>git commit –m “first commit”</a:t>
-            </a:r>
-            <a:endParaRPr lang="en-US" dirty="0"/>
-          </a:p>
-        </p:txBody>
-      </p:sp>
     </p:spTree>
     <p:extLst>
       <p:ext uri="{BB962C8B-B14F-4D97-AF65-F5344CB8AC3E}">
-        <p14:creationId xmlns:p14="http://schemas.microsoft.com/office/powerpoint/2010/main" val="1630675978"/>
+        <p14:creationId xmlns:p14="http://schemas.microsoft.com/office/powerpoint/2010/main" val="2295145685"/>
       </p:ext>
     </p:extLst>
   </p:cSld>
@@ -9832,155 +10067,6 @@
           </a:p>
         </p:txBody>
       </p:sp>
-      <p:sp>
-        <p:nvSpPr>
-          <p:cNvPr id="3" name="Content Placeholder 2">
-            <a:extLst>
-              <a:ext uri="{FF2B5EF4-FFF2-40B4-BE49-F238E27FC236}">
-                <a16:creationId xmlns:a16="http://schemas.microsoft.com/office/drawing/2014/main" id="{35E70507-20B8-B2F1-8225-B256C086B5D3}"/>
-              </a:ext>
-            </a:extLst>
-          </p:cNvPr>
-          <p:cNvSpPr>
-            <a:spLocks noGrp="1"/>
-          </p:cNvSpPr>
-          <p:nvPr>
-            <p:ph idx="1"/>
-          </p:nvPr>
-        </p:nvSpPr>
-        <p:spPr/>
-        <p:txBody>
-          <a:bodyPr numCol="3">
-            <a:normAutofit/>
-          </a:bodyPr>
-          <a:lstStyle/>
-          <a:p>
-            <a:pPr marL="0" indent="0">
-              <a:buNone/>
-            </a:pPr>
-            <a:r>
-              <a:rPr lang="en-US" b="1" dirty="0"/>
-              <a:t>Original Repository</a:t>
-            </a:r>
-          </a:p>
-          <a:p>
-            <a:pPr marL="0" indent="0">
-              <a:buNone/>
-            </a:pPr>
-            <a:endParaRPr lang="en-US" dirty="0"/>
-          </a:p>
-          <a:p>
-            <a:pPr marL="0" indent="0">
-              <a:buNone/>
-            </a:pPr>
-            <a:r>
-              <a:rPr lang="en-US" dirty="0"/>
-              <a:t>|── planets</a:t>
-            </a:r>
-          </a:p>
-          <a:p>
-            <a:pPr marL="0" indent="0">
-              <a:buNone/>
-            </a:pPr>
-            <a:r>
-              <a:rPr lang="en-US" dirty="0"/>
-              <a:t>|   |── mars.txt</a:t>
-            </a:r>
-          </a:p>
-          <a:p>
-            <a:pPr marL="0" indent="0">
-              <a:buNone/>
-            </a:pPr>
-            <a:r>
-              <a:rPr lang="en-US" dirty="0"/>
-              <a:t>|   |── .git</a:t>
-            </a:r>
-          </a:p>
-          <a:p>
-            <a:pPr marL="0" indent="0">
-              <a:buNone/>
-            </a:pPr>
-            <a:endParaRPr lang="en-US" dirty="0"/>
-          </a:p>
-          <a:p>
-            <a:pPr marL="0" indent="0">
-              <a:buNone/>
-            </a:pPr>
-            <a:endParaRPr lang="en-US" b="1" dirty="0"/>
-          </a:p>
-          <a:p>
-            <a:pPr marL="0" indent="0">
-              <a:buNone/>
-            </a:pPr>
-            <a:endParaRPr lang="en-US" b="1" dirty="0"/>
-          </a:p>
-          <a:p>
-            <a:pPr marL="0" indent="0">
-              <a:buNone/>
-            </a:pPr>
-            <a:r>
-              <a:rPr lang="en-US" b="1" dirty="0"/>
-              <a:t>GitHub Repository</a:t>
-            </a:r>
-          </a:p>
-          <a:p>
-            <a:pPr marL="0" indent="0">
-              <a:buNone/>
-            </a:pPr>
-            <a:endParaRPr lang="en-US" dirty="0"/>
-          </a:p>
-          <a:p>
-            <a:pPr marL="0" indent="0">
-              <a:buNone/>
-            </a:pPr>
-            <a:r>
-              <a:rPr lang="en-US" dirty="0">
-                <a:solidFill>
-                  <a:srgbClr val="C00000"/>
-                </a:solidFill>
-              </a:rPr>
-              <a:t>|── planets</a:t>
-            </a:r>
-          </a:p>
-          <a:p>
-            <a:pPr marL="0" indent="0">
-              <a:buNone/>
-            </a:pPr>
-            <a:r>
-              <a:rPr lang="en-US" dirty="0">
-                <a:solidFill>
-                  <a:srgbClr val="C00000"/>
-                </a:solidFill>
-              </a:rPr>
-              <a:t>|   |── .git</a:t>
-            </a:r>
-          </a:p>
-          <a:p>
-            <a:pPr marL="0" indent="0">
-              <a:buNone/>
-            </a:pPr>
-            <a:endParaRPr lang="en-US" dirty="0"/>
-          </a:p>
-          <a:p>
-            <a:pPr marL="0" indent="0">
-              <a:buNone/>
-            </a:pPr>
-            <a:endParaRPr lang="en-US" b="1" dirty="0"/>
-          </a:p>
-          <a:p>
-            <a:pPr marL="0" indent="0">
-              <a:buNone/>
-            </a:pPr>
-            <a:endParaRPr lang="en-US" b="1" dirty="0"/>
-          </a:p>
-          <a:p>
-            <a:pPr marL="0" indent="0">
-              <a:buNone/>
-            </a:pPr>
-            <a:endParaRPr lang="en-US" dirty="0"/>
-          </a:p>
-        </p:txBody>
-      </p:sp>
       <p:pic>
         <p:nvPicPr>
           <p:cNvPr id="4" name="Picture 3">
@@ -10043,10 +10129,10 @@
       </p:pic>
       <p:sp>
         <p:nvSpPr>
-          <p:cNvPr id="6" name="TextBox 5">
+          <p:cNvPr id="5" name="TextBox 4">
             <a:extLst>
               <a:ext uri="{FF2B5EF4-FFF2-40B4-BE49-F238E27FC236}">
-                <a16:creationId xmlns:a16="http://schemas.microsoft.com/office/drawing/2014/main" id="{D18A5268-082D-420C-0551-D0C1AEB33084}"/>
+                <a16:creationId xmlns:a16="http://schemas.microsoft.com/office/drawing/2014/main" id="{C6FBCF4C-0370-B167-A9F8-667F65E3CB2F}"/>
               </a:ext>
             </a:extLst>
           </p:cNvPr>
@@ -10056,7 +10142,7 @@
         <p:spPr>
           <a:xfrm>
             <a:off x="640333" y="5407378"/>
-            <a:ext cx="5317067" cy="646331"/>
+            <a:ext cx="5317067" cy="369332"/>
           </a:xfrm>
           <a:prstGeom prst="rect">
             <a:avLst/>
@@ -10070,31 +10156,130 @@
           <a:lstStyle/>
           <a:p>
             <a:pPr marL="342900" indent="-342900">
+              <a:buFont typeface="+mj-lt"/>
               <a:buAutoNum type="arabicPeriod"/>
             </a:pPr>
             <a:r>
               <a:rPr lang="en-CA" dirty="0"/>
               <a:t>Initial repository set up</a:t>
             </a:r>
-          </a:p>
-          <a:p>
-            <a:pPr marL="342900" indent="-342900">
-              <a:buAutoNum type="arabicPeriod"/>
-            </a:pPr>
-            <a:r>
-              <a:rPr lang="en-CA" dirty="0"/>
-              <a:t>Remote repository created </a:t>
-            </a:r>
             <a:endParaRPr lang="en-US" dirty="0"/>
           </a:p>
         </p:txBody>
       </p:sp>
       <p:sp>
         <p:nvSpPr>
-          <p:cNvPr id="8" name="TextBox 7">
+          <p:cNvPr id="9" name="Content Placeholder 2">
             <a:extLst>
               <a:ext uri="{FF2B5EF4-FFF2-40B4-BE49-F238E27FC236}">
-                <a16:creationId xmlns:a16="http://schemas.microsoft.com/office/drawing/2014/main" id="{774C9DBE-F8C1-4FAC-427F-EBD33D6F9779}"/>
+                <a16:creationId xmlns:a16="http://schemas.microsoft.com/office/drawing/2014/main" id="{632F7D5F-457A-A274-25DB-2515E5EE5CBB}"/>
+              </a:ext>
+            </a:extLst>
+          </p:cNvPr>
+          <p:cNvSpPr>
+            <a:spLocks noGrp="1"/>
+          </p:cNvSpPr>
+          <p:nvPr>
+            <p:ph idx="1"/>
+          </p:nvPr>
+        </p:nvSpPr>
+        <p:spPr>
+          <a:xfrm>
+            <a:off x="838200" y="1825625"/>
+            <a:ext cx="10515600" cy="4351338"/>
+          </a:xfrm>
+        </p:spPr>
+        <p:txBody>
+          <a:bodyPr numCol="3">
+            <a:normAutofit/>
+          </a:bodyPr>
+          <a:lstStyle/>
+          <a:p>
+            <a:pPr marL="0" indent="0">
+              <a:buNone/>
+            </a:pPr>
+            <a:r>
+              <a:rPr lang="en-US" b="1" dirty="0"/>
+              <a:t>Original Repository</a:t>
+            </a:r>
+          </a:p>
+          <a:p>
+            <a:pPr marL="0" indent="0">
+              <a:buNone/>
+            </a:pPr>
+            <a:endParaRPr lang="en-US" dirty="0"/>
+          </a:p>
+          <a:p>
+            <a:pPr marL="0" indent="0">
+              <a:buNone/>
+            </a:pPr>
+            <a:r>
+              <a:rPr lang="en-US" dirty="0">
+                <a:solidFill>
+                  <a:srgbClr val="C00000"/>
+                </a:solidFill>
+              </a:rPr>
+              <a:t>|── planets</a:t>
+            </a:r>
+          </a:p>
+          <a:p>
+            <a:pPr marL="0" indent="0">
+              <a:buNone/>
+            </a:pPr>
+            <a:r>
+              <a:rPr lang="en-US" dirty="0">
+                <a:solidFill>
+                  <a:srgbClr val="C00000"/>
+                </a:solidFill>
+              </a:rPr>
+              <a:t>|   |── mars.txt</a:t>
+            </a:r>
+          </a:p>
+          <a:p>
+            <a:pPr marL="0" indent="0">
+              <a:buNone/>
+            </a:pPr>
+            <a:r>
+              <a:rPr lang="en-US" dirty="0">
+                <a:solidFill>
+                  <a:srgbClr val="C00000"/>
+                </a:solidFill>
+              </a:rPr>
+              <a:t>|   |── .git</a:t>
+            </a:r>
+          </a:p>
+          <a:p>
+            <a:pPr marL="0" indent="0">
+              <a:buNone/>
+            </a:pPr>
+            <a:endParaRPr lang="en-US" dirty="0"/>
+          </a:p>
+          <a:p>
+            <a:pPr marL="0" indent="0">
+              <a:buNone/>
+            </a:pPr>
+            <a:endParaRPr lang="en-US" b="1" dirty="0"/>
+          </a:p>
+          <a:p>
+            <a:pPr marL="0" indent="0">
+              <a:buNone/>
+            </a:pPr>
+            <a:endParaRPr lang="en-US" b="1" dirty="0"/>
+          </a:p>
+          <a:p>
+            <a:pPr marL="0" indent="0">
+              <a:buNone/>
+            </a:pPr>
+            <a:endParaRPr lang="en-US" dirty="0"/>
+          </a:p>
+        </p:txBody>
+      </p:sp>
+      <p:sp>
+        <p:nvSpPr>
+          <p:cNvPr id="10" name="TextBox 9">
+            <a:extLst>
+              <a:ext uri="{FF2B5EF4-FFF2-40B4-BE49-F238E27FC236}">
+                <a16:creationId xmlns:a16="http://schemas.microsoft.com/office/drawing/2014/main" id="{1012FEFF-2FB6-5C38-E9B4-A493EDF9E44B}"/>
               </a:ext>
             </a:extLst>
           </p:cNvPr>
@@ -10127,13 +10312,20 @@
           <a:p>
             <a:r>
               <a:rPr lang="en-CA" dirty="0"/>
-              <a:t>done on GitHub</a:t>
-            </a:r>
-          </a:p>
-          <a:p>
-            <a:endParaRPr lang="en-CA" dirty="0"/>
-          </a:p>
-          <a:p>
+              <a:t>git init</a:t>
+            </a:r>
+          </a:p>
+          <a:p>
+            <a:r>
+              <a:rPr lang="en-CA" dirty="0"/>
+              <a:t>git add mars.txt</a:t>
+            </a:r>
+          </a:p>
+          <a:p>
+            <a:r>
+              <a:rPr lang="en-CA" dirty="0"/>
+              <a:t>git commit –m “first commit”</a:t>
+            </a:r>
             <a:endParaRPr lang="en-US" dirty="0"/>
           </a:p>
         </p:txBody>
@@ -10141,7 +10333,7 @@
     </p:spTree>
     <p:extLst>
       <p:ext uri="{BB962C8B-B14F-4D97-AF65-F5344CB8AC3E}">
-        <p14:creationId xmlns:p14="http://schemas.microsoft.com/office/powerpoint/2010/main" val="3976913196"/>
+        <p14:creationId xmlns:p14="http://schemas.microsoft.com/office/powerpoint/2010/main" val="1630675978"/>
       </p:ext>
     </p:extLst>
   </p:cSld>
@@ -10307,7 +10499,11 @@
               <a:buNone/>
             </a:pPr>
             <a:r>
-              <a:rPr lang="en-US" dirty="0"/>
+              <a:rPr lang="en-US" dirty="0">
+                <a:solidFill>
+                  <a:srgbClr val="C00000"/>
+                </a:solidFill>
+              </a:rPr>
               <a:t>|── planets</a:t>
             </a:r>
           </a:p>
@@ -10321,15 +10517,6 @@
                   <a:srgbClr val="C00000"/>
                 </a:solidFill>
               </a:rPr>
-              <a:t>|   |── mars.txt</a:t>
-            </a:r>
-          </a:p>
-          <a:p>
-            <a:pPr marL="0" indent="0">
-              <a:buNone/>
-            </a:pPr>
-            <a:r>
-              <a:rPr lang="en-US" dirty="0"/>
               <a:t>|   |── .git</a:t>
             </a:r>
           </a:p>
@@ -10434,7 +10621,7 @@
         <p:spPr>
           <a:xfrm>
             <a:off x="640333" y="5407378"/>
-            <a:ext cx="5317067" cy="923330"/>
+            <a:ext cx="5317067" cy="646331"/>
           </a:xfrm>
           <a:prstGeom prst="rect">
             <a:avLst/>
@@ -10461,16 +10648,7 @@
             </a:pPr>
             <a:r>
               <a:rPr lang="en-CA" dirty="0"/>
-              <a:t>Remote repository created</a:t>
-            </a:r>
-          </a:p>
-          <a:p>
-            <a:pPr marL="342900" indent="-342900">
-              <a:buAutoNum type="arabicPeriod"/>
-            </a:pPr>
-            <a:r>
-              <a:rPr lang="en-CA" dirty="0"/>
-              <a:t>Local changes pushed to remote </a:t>
+              <a:t>Remote repository created </a:t>
             </a:r>
             <a:endParaRPr lang="en-US" dirty="0"/>
           </a:p>
@@ -10478,10 +10656,10 @@
       </p:sp>
       <p:sp>
         <p:nvSpPr>
-          <p:cNvPr id="5" name="TextBox 4">
+          <p:cNvPr id="8" name="TextBox 7">
             <a:extLst>
               <a:ext uri="{FF2B5EF4-FFF2-40B4-BE49-F238E27FC236}">
-                <a16:creationId xmlns:a16="http://schemas.microsoft.com/office/drawing/2014/main" id="{0EBAE684-0E79-CCD4-EDAB-35D560DB4C35}"/>
+                <a16:creationId xmlns:a16="http://schemas.microsoft.com/office/drawing/2014/main" id="{774C9DBE-F8C1-4FAC-427F-EBD33D6F9779}"/>
               </a:ext>
             </a:extLst>
           </p:cNvPr>
@@ -10491,7 +10669,7 @@
         <p:spPr>
           <a:xfrm>
             <a:off x="8410223" y="388331"/>
-            <a:ext cx="3296356" cy="1200329"/>
+            <a:ext cx="3296356" cy="923330"/>
           </a:xfrm>
           <a:prstGeom prst="rect">
             <a:avLst/>
@@ -10514,11 +10692,8 @@
           <a:p>
             <a:r>
               <a:rPr lang="en-CA" dirty="0"/>
-              <a:t>git push –u origin main</a:t>
-            </a:r>
-          </a:p>
-          <a:p>
-            <a:endParaRPr lang="en-CA" dirty="0"/>
+              <a:t>done on GitHub</a:t>
+            </a:r>
           </a:p>
           <a:p>
             <a:endParaRPr lang="en-CA" dirty="0"/>
@@ -10531,7 +10706,7 @@
     </p:spTree>
     <p:extLst>
       <p:ext uri="{BB962C8B-B14F-4D97-AF65-F5344CB8AC3E}">
-        <p14:creationId xmlns:p14="http://schemas.microsoft.com/office/powerpoint/2010/main" val="1873376325"/>
+        <p14:creationId xmlns:p14="http://schemas.microsoft.com/office/powerpoint/2010/main" val="3976913196"/>
       </p:ext>
     </p:extLst>
   </p:cSld>
@@ -10706,7 +10881,11 @@
               <a:buNone/>
             </a:pPr>
             <a:r>
-              <a:rPr lang="en-US" dirty="0"/>
+              <a:rPr lang="en-US" dirty="0">
+                <a:solidFill>
+                  <a:srgbClr val="C00000"/>
+                </a:solidFill>
+              </a:rPr>
               <a:t>|   |── mars.txt</a:t>
             </a:r>
           </a:p>
@@ -10736,60 +10915,6 @@
               <a:buNone/>
             </a:pPr>
             <a:endParaRPr lang="en-US" b="1" dirty="0"/>
-          </a:p>
-          <a:p>
-            <a:pPr marL="0" indent="0">
-              <a:buNone/>
-            </a:pPr>
-            <a:r>
-              <a:rPr lang="en-US" b="1" dirty="0"/>
-              <a:t>Cloned Repository</a:t>
-            </a:r>
-          </a:p>
-          <a:p>
-            <a:pPr marL="0" indent="0">
-              <a:buNone/>
-            </a:pPr>
-            <a:endParaRPr lang="en-US" dirty="0"/>
-          </a:p>
-          <a:p>
-            <a:pPr marL="0" indent="0">
-              <a:buNone/>
-            </a:pPr>
-            <a:r>
-              <a:rPr lang="en-US" dirty="0">
-                <a:solidFill>
-                  <a:srgbClr val="C00000"/>
-                </a:solidFill>
-              </a:rPr>
-              <a:t>|── planets</a:t>
-            </a:r>
-          </a:p>
-          <a:p>
-            <a:pPr marL="0" indent="0">
-              <a:buNone/>
-            </a:pPr>
-            <a:r>
-              <a:rPr lang="en-US" dirty="0">
-                <a:solidFill>
-                  <a:srgbClr val="C00000"/>
-                </a:solidFill>
-              </a:rPr>
-              <a:t>|   |── mars.txt</a:t>
-            </a:r>
-          </a:p>
-          <a:p>
-            <a:pPr marL="0" indent="0">
-              <a:buNone/>
-            </a:pPr>
-            <a:r>
-              <a:rPr lang="en-US" dirty="0">
-                <a:solidFill>
-                  <a:srgbClr val="C00000"/>
-                </a:solidFill>
-              </a:rPr>
-              <a:t>|   |── .git</a:t>
-            </a:r>
           </a:p>
           <a:p>
             <a:pPr marL="0" indent="0">
@@ -10874,7 +10999,7 @@
         <p:spPr>
           <a:xfrm>
             <a:off x="640333" y="5407378"/>
-            <a:ext cx="10106689" cy="1200329"/>
+            <a:ext cx="5317067" cy="923330"/>
           </a:xfrm>
           <a:prstGeom prst="rect">
             <a:avLst/>
@@ -10910,16 +11035,7 @@
             </a:pPr>
             <a:r>
               <a:rPr lang="en-CA" dirty="0"/>
-              <a:t>Local changes pushed to remote</a:t>
-            </a:r>
-          </a:p>
-          <a:p>
-            <a:pPr marL="342900" indent="-342900">
-              <a:buAutoNum type="arabicPeriod"/>
-            </a:pPr>
-            <a:r>
-              <a:rPr lang="en-CA" dirty="0"/>
-              <a:t> Remote repository cloned by collaborator</a:t>
+              <a:t>Local changes pushed to remote </a:t>
             </a:r>
             <a:endParaRPr lang="en-US" dirty="0"/>
           </a:p>
@@ -10930,7 +11046,7 @@
           <p:cNvPr id="5" name="TextBox 4">
             <a:extLst>
               <a:ext uri="{FF2B5EF4-FFF2-40B4-BE49-F238E27FC236}">
-                <a16:creationId xmlns:a16="http://schemas.microsoft.com/office/drawing/2014/main" id="{D0159E6F-6F81-6292-665D-0B22306B6738}"/>
+                <a16:creationId xmlns:a16="http://schemas.microsoft.com/office/drawing/2014/main" id="{0EBAE684-0E79-CCD4-EDAB-35D560DB4C35}"/>
               </a:ext>
             </a:extLst>
           </p:cNvPr>
@@ -10940,7 +11056,7 @@
         <p:spPr>
           <a:xfrm>
             <a:off x="8410223" y="388331"/>
-            <a:ext cx="3296356" cy="923330"/>
+            <a:ext cx="3296356" cy="1200329"/>
           </a:xfrm>
           <a:prstGeom prst="rect">
             <a:avLst/>
@@ -10963,15 +11079,7 @@
           <a:p>
             <a:r>
               <a:rPr lang="en-CA" dirty="0"/>
-              <a:t>git clone &lt;repo-</a:t>
-            </a:r>
-            <a:r>
-              <a:rPr lang="en-CA" dirty="0" err="1"/>
-              <a:t>url</a:t>
-            </a:r>
-            <a:r>
-              <a:rPr lang="en-CA" dirty="0"/>
-              <a:t>&gt;</a:t>
+              <a:t>git push –u origin main</a:t>
             </a:r>
           </a:p>
           <a:p>
@@ -10979,13 +11087,16 @@
           </a:p>
           <a:p>
             <a:endParaRPr lang="en-CA" dirty="0"/>
+          </a:p>
+          <a:p>
+            <a:endParaRPr lang="en-US" dirty="0"/>
           </a:p>
         </p:txBody>
       </p:sp>
     </p:spTree>
     <p:extLst>
       <p:ext uri="{BB962C8B-B14F-4D97-AF65-F5344CB8AC3E}">
-        <p14:creationId xmlns:p14="http://schemas.microsoft.com/office/powerpoint/2010/main" val="1031611217"/>
+        <p14:creationId xmlns:p14="http://schemas.microsoft.com/office/powerpoint/2010/main" val="1873376325"/>
       </p:ext>
     </p:extLst>
   </p:cSld>
@@ -11211,7 +11322,11 @@
               <a:buNone/>
             </a:pPr>
             <a:r>
-              <a:rPr lang="en-US" dirty="0"/>
+              <a:rPr lang="en-US" dirty="0">
+                <a:solidFill>
+                  <a:srgbClr val="C00000"/>
+                </a:solidFill>
+              </a:rPr>
               <a:t>|── planets</a:t>
             </a:r>
           </a:p>
@@ -11220,7 +11335,11 @@
               <a:buNone/>
             </a:pPr>
             <a:r>
-              <a:rPr lang="en-US" dirty="0"/>
+              <a:rPr lang="en-US" dirty="0">
+                <a:solidFill>
+                  <a:srgbClr val="C00000"/>
+                </a:solidFill>
+              </a:rPr>
               <a:t>|   |── mars.txt</a:t>
             </a:r>
           </a:p>
@@ -11234,15 +11353,6 @@
                   <a:srgbClr val="C00000"/>
                 </a:solidFill>
               </a:rPr>
-              <a:t>|   |── pluto.txt</a:t>
-            </a:r>
-          </a:p>
-          <a:p>
-            <a:pPr marL="0" indent="0">
-              <a:buNone/>
-            </a:pPr>
-            <a:r>
-              <a:rPr lang="en-US" dirty="0"/>
               <a:t>|   |── .git</a:t>
             </a:r>
           </a:p>
@@ -11329,54 +11439,6 @@
         <p:spPr>
           <a:xfrm>
             <a:off x="640333" y="5407378"/>
-            <a:ext cx="5317067" cy="646331"/>
-          </a:xfrm>
-          <a:prstGeom prst="rect">
-            <a:avLst/>
-          </a:prstGeom>
-          <a:noFill/>
-        </p:spPr>
-        <p:txBody>
-          <a:bodyPr wrap="square" rtlCol="0">
-            <a:spAutoFit/>
-          </a:bodyPr>
-          <a:lstStyle/>
-          <a:p>
-            <a:pPr marL="342900" indent="-342900">
-              <a:buAutoNum type="arabicPeriod"/>
-            </a:pPr>
-            <a:r>
-              <a:rPr lang="en-CA" dirty="0"/>
-              <a:t>Initial repository set up</a:t>
-            </a:r>
-          </a:p>
-          <a:p>
-            <a:pPr marL="342900" indent="-342900">
-              <a:buAutoNum type="arabicPeriod"/>
-            </a:pPr>
-            <a:r>
-              <a:rPr lang="en-CA" dirty="0"/>
-              <a:t>Remote repository created </a:t>
-            </a:r>
-            <a:endParaRPr lang="en-US" dirty="0"/>
-          </a:p>
-        </p:txBody>
-      </p:sp>
-      <p:sp>
-        <p:nvSpPr>
-          <p:cNvPr id="5" name="TextBox 4">
-            <a:extLst>
-              <a:ext uri="{FF2B5EF4-FFF2-40B4-BE49-F238E27FC236}">
-                <a16:creationId xmlns:a16="http://schemas.microsoft.com/office/drawing/2014/main" id="{8BE427BC-BA1B-9CF9-8AB5-38B2358D03C4}"/>
-              </a:ext>
-            </a:extLst>
-          </p:cNvPr>
-          <p:cNvSpPr txBox="1"/>
-          <p:nvPr/>
-        </p:nvSpPr>
-        <p:spPr>
-          <a:xfrm>
-            <a:off x="640333" y="5407378"/>
             <a:ext cx="10106689" cy="1200329"/>
           </a:xfrm>
           <a:prstGeom prst="rect">
@@ -11385,7 +11447,7 @@
           <a:noFill/>
         </p:spPr>
         <p:txBody>
-          <a:bodyPr wrap="square" numCol="2" rtlCol="0">
+          <a:bodyPr wrap="square" rtlCol="0">
             <a:spAutoFit/>
           </a:bodyPr>
           <a:lstStyle/>
@@ -11424,25 +11486,16 @@
               <a:rPr lang="en-CA" dirty="0"/>
               <a:t> Remote repository cloned by collaborator</a:t>
             </a:r>
-          </a:p>
-          <a:p>
-            <a:pPr marL="342900" indent="-342900">
-              <a:buAutoNum type="arabicPeriod"/>
-            </a:pPr>
-            <a:r>
-              <a:rPr lang="en-CA" dirty="0"/>
-              <a:t>Collaborator makes additions</a:t>
-            </a:r>
             <a:endParaRPr lang="en-US" dirty="0"/>
           </a:p>
         </p:txBody>
       </p:sp>
       <p:sp>
         <p:nvSpPr>
-          <p:cNvPr id="7" name="TextBox 6">
+          <p:cNvPr id="5" name="TextBox 4">
             <a:extLst>
               <a:ext uri="{FF2B5EF4-FFF2-40B4-BE49-F238E27FC236}">
-                <a16:creationId xmlns:a16="http://schemas.microsoft.com/office/drawing/2014/main" id="{9376A898-424B-7EC8-7D98-7A8B89B1ACAD}"/>
+                <a16:creationId xmlns:a16="http://schemas.microsoft.com/office/drawing/2014/main" id="{D0159E6F-6F81-6292-665D-0B22306B6738}"/>
               </a:ext>
             </a:extLst>
           </p:cNvPr>
@@ -11475,24 +11528,29 @@
           <a:p>
             <a:r>
               <a:rPr lang="en-CA" dirty="0"/>
-              <a:t>git add pluto.txt</a:t>
-            </a:r>
-          </a:p>
-          <a:p>
+              <a:t>git clone &lt;repo-</a:t>
+            </a:r>
+            <a:r>
+              <a:rPr lang="en-CA" dirty="0" err="1"/>
+              <a:t>url</a:t>
+            </a:r>
             <a:r>
               <a:rPr lang="en-CA" dirty="0"/>
-              <a:t>git commit –m “add pluto”</a:t>
-            </a:r>
-          </a:p>
-          <a:p>
-            <a:endParaRPr lang="en-US" dirty="0"/>
+              <a:t>&gt;</a:t>
+            </a:r>
+          </a:p>
+          <a:p>
+            <a:endParaRPr lang="en-CA" dirty="0"/>
+          </a:p>
+          <a:p>
+            <a:endParaRPr lang="en-CA" dirty="0"/>
           </a:p>
         </p:txBody>
       </p:sp>
     </p:spTree>
     <p:extLst>
       <p:ext uri="{BB962C8B-B14F-4D97-AF65-F5344CB8AC3E}">
-        <p14:creationId xmlns:p14="http://schemas.microsoft.com/office/powerpoint/2010/main" val="573487660"/>
+        <p14:creationId xmlns:p14="http://schemas.microsoft.com/office/powerpoint/2010/main" val="1031611217"/>
       </p:ext>
     </p:extLst>
   </p:cSld>
@@ -11676,19 +11734,6 @@
               <a:buNone/>
             </a:pPr>
             <a:r>
-              <a:rPr lang="en-US" dirty="0">
-                <a:solidFill>
-                  <a:srgbClr val="C00000"/>
-                </a:solidFill>
-              </a:rPr>
-              <a:t>|   |── pluto.txt</a:t>
-            </a:r>
-          </a:p>
-          <a:p>
-            <a:pPr marL="0" indent="0">
-              <a:buNone/>
-            </a:pPr>
-            <a:r>
               <a:rPr lang="en-US" dirty="0"/>
               <a:t>|   |── .git</a:t>
             </a:r>
@@ -11709,6 +11754,12 @@
             <a:pPr marL="0" indent="0">
               <a:buNone/>
             </a:pPr>
+            <a:endParaRPr lang="en-US" b="1" dirty="0"/>
+          </a:p>
+          <a:p>
+            <a:pPr marL="0" indent="0">
+              <a:buNone/>
+            </a:pPr>
             <a:r>
               <a:rPr lang="en-US" b="1" dirty="0"/>
               <a:t>Cloned Repository</a:t>
@@ -11743,7 +11794,11 @@
               <a:buNone/>
             </a:pPr>
             <a:r>
-              <a:rPr lang="en-US" dirty="0"/>
+              <a:rPr lang="en-US" dirty="0">
+                <a:solidFill>
+                  <a:srgbClr val="C00000"/>
+                </a:solidFill>
+              </a:rPr>
               <a:t>|   |── pluto.txt</a:t>
             </a:r>
           </a:p>
@@ -11943,15 +11998,6 @@
               <a:rPr lang="en-CA" dirty="0"/>
               <a:t>Collaborator makes additions</a:t>
             </a:r>
-          </a:p>
-          <a:p>
-            <a:pPr marL="342900" indent="-342900">
-              <a:buAutoNum type="arabicPeriod"/>
-            </a:pPr>
-            <a:r>
-              <a:rPr lang="en-CA" dirty="0"/>
-              <a:t>Collaborator updates remote with changes</a:t>
-            </a:r>
             <a:endParaRPr lang="en-US" dirty="0"/>
           </a:p>
         </p:txBody>
@@ -11961,7 +12007,7 @@
           <p:cNvPr id="7" name="TextBox 6">
             <a:extLst>
               <a:ext uri="{FF2B5EF4-FFF2-40B4-BE49-F238E27FC236}">
-                <a16:creationId xmlns:a16="http://schemas.microsoft.com/office/drawing/2014/main" id="{7A6FA3D4-D3DD-5DCF-C407-311A68370CF7}"/>
+                <a16:creationId xmlns:a16="http://schemas.microsoft.com/office/drawing/2014/main" id="{9376A898-424B-7EC8-7D98-7A8B89B1ACAD}"/>
               </a:ext>
             </a:extLst>
           </p:cNvPr>
@@ -11994,21 +12040,24 @@
           <a:p>
             <a:r>
               <a:rPr lang="en-CA" dirty="0"/>
-              <a:t>git push</a:t>
-            </a:r>
-          </a:p>
-          <a:p>
-            <a:endParaRPr lang="en-CA" dirty="0"/>
-          </a:p>
-          <a:p>
-            <a:endParaRPr lang="en-CA" dirty="0"/>
+              <a:t>git add pluto.txt</a:t>
+            </a:r>
+          </a:p>
+          <a:p>
+            <a:r>
+              <a:rPr lang="en-CA" dirty="0"/>
+              <a:t>git commit –m “add pluto”</a:t>
+            </a:r>
+          </a:p>
+          <a:p>
+            <a:endParaRPr lang="en-US" dirty="0"/>
           </a:p>
         </p:txBody>
       </p:sp>
     </p:spTree>
     <p:extLst>
       <p:ext uri="{BB962C8B-B14F-4D97-AF65-F5344CB8AC3E}">
-        <p14:creationId xmlns:p14="http://schemas.microsoft.com/office/powerpoint/2010/main" val="3214489432"/>
+        <p14:creationId xmlns:p14="http://schemas.microsoft.com/office/powerpoint/2010/main" val="573487660"/>
       </p:ext>
     </p:extLst>
   </p:cSld>
@@ -12132,19 +12181,6 @@
               <a:buNone/>
             </a:pPr>
             <a:r>
-              <a:rPr lang="en-US" dirty="0">
-                <a:solidFill>
-                  <a:srgbClr val="C00000"/>
-                </a:solidFill>
-              </a:rPr>
-              <a:t>|   |── pluto.txt</a:t>
-            </a:r>
-          </a:p>
-          <a:p>
-            <a:pPr marL="0" indent="0">
-              <a:buNone/>
-            </a:pPr>
-            <a:r>
               <a:rPr lang="en-US" dirty="0"/>
               <a:t>|   |── .git</a:t>
             </a:r>
@@ -12165,6 +12201,12 @@
             <a:pPr marL="0" indent="0">
               <a:buNone/>
             </a:pPr>
+            <a:endParaRPr lang="en-US" b="1" dirty="0"/>
+          </a:p>
+          <a:p>
+            <a:pPr marL="0" indent="0">
+              <a:buNone/>
+            </a:pPr>
             <a:r>
               <a:rPr lang="en-US" b="1" dirty="0"/>
               <a:t>GitHub Repository</a:t>
@@ -12199,7 +12241,11 @@
               <a:buNone/>
             </a:pPr>
             <a:r>
-              <a:rPr lang="en-US" dirty="0"/>
+              <a:rPr lang="en-US" dirty="0">
+                <a:solidFill>
+                  <a:srgbClr val="C00000"/>
+                </a:solidFill>
+              </a:rPr>
               <a:t>|   |── pluto.txt</a:t>
             </a:r>
           </a:p>
@@ -12471,15 +12517,6 @@
               <a:rPr lang="en-CA" dirty="0"/>
               <a:t>Collaborator updates remote with changes</a:t>
             </a:r>
-          </a:p>
-          <a:p>
-            <a:pPr marL="342900" indent="-342900">
-              <a:buAutoNum type="arabicPeriod"/>
-            </a:pPr>
-            <a:r>
-              <a:rPr lang="en-CA" dirty="0"/>
-              <a:t>Collaborator changes pulled back to original</a:t>
-            </a:r>
             <a:endParaRPr lang="en-US" dirty="0"/>
           </a:p>
         </p:txBody>
@@ -12489,7 +12526,7 @@
           <p:cNvPr id="7" name="TextBox 6">
             <a:extLst>
               <a:ext uri="{FF2B5EF4-FFF2-40B4-BE49-F238E27FC236}">
-                <a16:creationId xmlns:a16="http://schemas.microsoft.com/office/drawing/2014/main" id="{99A90140-ABCE-19F0-894F-B3DB3359F599}"/>
+                <a16:creationId xmlns:a16="http://schemas.microsoft.com/office/drawing/2014/main" id="{7A6FA3D4-D3DD-5DCF-C407-311A68370CF7}"/>
               </a:ext>
             </a:extLst>
           </p:cNvPr>
@@ -12522,21 +12559,21 @@
           <a:p>
             <a:r>
               <a:rPr lang="en-CA" dirty="0"/>
-              <a:t>git pull origin main</a:t>
+              <a:t>git push</a:t>
             </a:r>
           </a:p>
           <a:p>
             <a:endParaRPr lang="en-CA" dirty="0"/>
           </a:p>
           <a:p>
-            <a:endParaRPr lang="en-US" dirty="0"/>
+            <a:endParaRPr lang="en-CA" dirty="0"/>
           </a:p>
         </p:txBody>
       </p:sp>
     </p:spTree>
     <p:extLst>
       <p:ext uri="{BB962C8B-B14F-4D97-AF65-F5344CB8AC3E}">
-        <p14:creationId xmlns:p14="http://schemas.microsoft.com/office/powerpoint/2010/main" val="2631902205"/>
+        <p14:creationId xmlns:p14="http://schemas.microsoft.com/office/powerpoint/2010/main" val="3214489432"/>
       </p:ext>
     </p:extLst>
   </p:cSld>
@@ -12565,41 +12602,34 @@
       </p:grpSpPr>
       <p:sp>
         <p:nvSpPr>
-          <p:cNvPr id="2" name="TextBox 1">
+          <p:cNvPr id="2" name="Title 1">
             <a:extLst>
               <a:ext uri="{FF2B5EF4-FFF2-40B4-BE49-F238E27FC236}">
-                <a16:creationId xmlns:a16="http://schemas.microsoft.com/office/drawing/2014/main" id="{338F754B-A749-C01B-3F09-B143A8EB47B5}"/>
+                <a16:creationId xmlns:a16="http://schemas.microsoft.com/office/drawing/2014/main" id="{43E55C1F-AD98-3CE2-9B2E-0CBF8E497470}"/>
               </a:ext>
             </a:extLst>
           </p:cNvPr>
-          <p:cNvSpPr txBox="1"/>
-          <p:nvPr/>
-        </p:nvSpPr>
-        <p:spPr>
-          <a:xfrm>
-            <a:off x="5147733" y="2459503"/>
-            <a:ext cx="6152444" cy="1938992"/>
-          </a:xfrm>
-          <a:prstGeom prst="rect">
-            <a:avLst/>
-          </a:prstGeom>
-          <a:noFill/>
-        </p:spPr>
-        <p:txBody>
-          <a:bodyPr wrap="square" rtlCol="0">
-            <a:spAutoFit/>
-          </a:bodyPr>
-          <a:lstStyle/>
-          <a:p>
-            <a:r>
-              <a:rPr lang="en-CA" sz="6000" dirty="0">
+          <p:cNvSpPr>
+            <a:spLocks noGrp="1"/>
+          </p:cNvSpPr>
+          <p:nvPr>
+            <p:ph type="title"/>
+          </p:nvPr>
+        </p:nvSpPr>
+        <p:spPr/>
+        <p:txBody>
+          <a:bodyPr/>
+          <a:lstStyle/>
+          <a:p>
+            <a:r>
+              <a:rPr lang="en-CA" dirty="0">
                 <a:solidFill>
                   <a:srgbClr val="005493"/>
                 </a:solidFill>
               </a:rPr>
-              <a:t>Ignore data files! .gitignore</a:t>
-            </a:r>
-            <a:endParaRPr lang="en-US" sz="6000" dirty="0">
+              <a:t>A Collaborative Workflow</a:t>
+            </a:r>
+            <a:endParaRPr lang="en-US" dirty="0">
               <a:solidFill>
                 <a:srgbClr val="005493"/>
               </a:solidFill>
@@ -12607,12 +12637,223 @@
           </a:p>
         </p:txBody>
       </p:sp>
+      <p:sp>
+        <p:nvSpPr>
+          <p:cNvPr id="3" name="Content Placeholder 2">
+            <a:extLst>
+              <a:ext uri="{FF2B5EF4-FFF2-40B4-BE49-F238E27FC236}">
+                <a16:creationId xmlns:a16="http://schemas.microsoft.com/office/drawing/2014/main" id="{35E70507-20B8-B2F1-8225-B256C086B5D3}"/>
+              </a:ext>
+            </a:extLst>
+          </p:cNvPr>
+          <p:cNvSpPr>
+            <a:spLocks noGrp="1"/>
+          </p:cNvSpPr>
+          <p:nvPr>
+            <p:ph idx="1"/>
+          </p:nvPr>
+        </p:nvSpPr>
+        <p:spPr/>
+        <p:txBody>
+          <a:bodyPr numCol="3">
+            <a:normAutofit/>
+          </a:bodyPr>
+          <a:lstStyle/>
+          <a:p>
+            <a:pPr marL="0" indent="0">
+              <a:buNone/>
+            </a:pPr>
+            <a:r>
+              <a:rPr lang="en-US" b="1" dirty="0"/>
+              <a:t>Original Repository</a:t>
+            </a:r>
+          </a:p>
+          <a:p>
+            <a:pPr marL="0" indent="0">
+              <a:buNone/>
+            </a:pPr>
+            <a:endParaRPr lang="en-US" dirty="0"/>
+          </a:p>
+          <a:p>
+            <a:pPr marL="0" indent="0">
+              <a:buNone/>
+            </a:pPr>
+            <a:r>
+              <a:rPr lang="en-US" dirty="0"/>
+              <a:t>|── planets</a:t>
+            </a:r>
+          </a:p>
+          <a:p>
+            <a:pPr marL="0" indent="0">
+              <a:buNone/>
+            </a:pPr>
+            <a:r>
+              <a:rPr lang="en-US" dirty="0"/>
+              <a:t>|   |── mars.txt</a:t>
+            </a:r>
+          </a:p>
+          <a:p>
+            <a:pPr marL="0" indent="0">
+              <a:buNone/>
+            </a:pPr>
+            <a:r>
+              <a:rPr lang="en-US" dirty="0">
+                <a:solidFill>
+                  <a:srgbClr val="C00000"/>
+                </a:solidFill>
+              </a:rPr>
+              <a:t>|   |── pluto.txt</a:t>
+            </a:r>
+          </a:p>
+          <a:p>
+            <a:pPr marL="0" indent="0">
+              <a:buNone/>
+            </a:pPr>
+            <a:r>
+              <a:rPr lang="en-US" dirty="0"/>
+              <a:t>|   |── .git</a:t>
+            </a:r>
+          </a:p>
+          <a:p>
+            <a:pPr marL="0" indent="0">
+              <a:buNone/>
+            </a:pPr>
+            <a:endParaRPr lang="en-US" dirty="0"/>
+          </a:p>
+          <a:p>
+            <a:pPr marL="0" indent="0">
+              <a:buNone/>
+            </a:pPr>
+            <a:endParaRPr lang="en-US" b="1" dirty="0"/>
+          </a:p>
+          <a:p>
+            <a:pPr marL="0" indent="0">
+              <a:buNone/>
+            </a:pPr>
+            <a:r>
+              <a:rPr lang="en-US" b="1" dirty="0"/>
+              <a:t>GitHub Repository</a:t>
+            </a:r>
+          </a:p>
+          <a:p>
+            <a:pPr marL="0" indent="0">
+              <a:buNone/>
+            </a:pPr>
+            <a:endParaRPr lang="en-US" dirty="0"/>
+          </a:p>
+          <a:p>
+            <a:pPr marL="0" indent="0">
+              <a:buNone/>
+            </a:pPr>
+            <a:r>
+              <a:rPr lang="en-US" dirty="0"/>
+              <a:t>|── planets</a:t>
+            </a:r>
+          </a:p>
+          <a:p>
+            <a:pPr marL="0" indent="0">
+              <a:buNone/>
+            </a:pPr>
+            <a:r>
+              <a:rPr lang="en-US" dirty="0"/>
+              <a:t>|   |── mars.txt</a:t>
+            </a:r>
+          </a:p>
+          <a:p>
+            <a:pPr marL="0" indent="0">
+              <a:buNone/>
+            </a:pPr>
+            <a:r>
+              <a:rPr lang="en-US" dirty="0"/>
+              <a:t>|   |── pluto.txt</a:t>
+            </a:r>
+          </a:p>
+          <a:p>
+            <a:pPr marL="0" indent="0">
+              <a:buNone/>
+            </a:pPr>
+            <a:r>
+              <a:rPr lang="en-US" dirty="0"/>
+              <a:t>|   |── .git</a:t>
+            </a:r>
+          </a:p>
+          <a:p>
+            <a:pPr marL="0" indent="0">
+              <a:buNone/>
+            </a:pPr>
+            <a:endParaRPr lang="en-US" dirty="0"/>
+          </a:p>
+          <a:p>
+            <a:pPr marL="0" indent="0">
+              <a:buNone/>
+            </a:pPr>
+            <a:endParaRPr lang="en-US" b="1" dirty="0"/>
+          </a:p>
+          <a:p>
+            <a:pPr marL="0" indent="0">
+              <a:buNone/>
+            </a:pPr>
+            <a:r>
+              <a:rPr lang="en-US" b="1" dirty="0"/>
+              <a:t>Cloned Repository</a:t>
+            </a:r>
+          </a:p>
+          <a:p>
+            <a:pPr marL="0" indent="0">
+              <a:buNone/>
+            </a:pPr>
+            <a:endParaRPr lang="en-US" dirty="0"/>
+          </a:p>
+          <a:p>
+            <a:pPr marL="0" indent="0">
+              <a:buNone/>
+            </a:pPr>
+            <a:r>
+              <a:rPr lang="en-US" dirty="0"/>
+              <a:t>|── planets</a:t>
+            </a:r>
+          </a:p>
+          <a:p>
+            <a:pPr marL="0" indent="0">
+              <a:buNone/>
+            </a:pPr>
+            <a:r>
+              <a:rPr lang="en-US" dirty="0"/>
+              <a:t>|   |── mars.txt</a:t>
+            </a:r>
+          </a:p>
+          <a:p>
+            <a:pPr marL="0" indent="0">
+              <a:buNone/>
+            </a:pPr>
+            <a:r>
+              <a:rPr lang="en-US" dirty="0"/>
+              <a:t>|   |── pluto.txt</a:t>
+            </a:r>
+          </a:p>
+          <a:p>
+            <a:pPr marL="0" indent="0">
+              <a:buNone/>
+            </a:pPr>
+            <a:r>
+              <a:rPr lang="en-US" dirty="0"/>
+              <a:t>|   |── .git</a:t>
+            </a:r>
+          </a:p>
+          <a:p>
+            <a:pPr marL="0" indent="0">
+              <a:buNone/>
+            </a:pPr>
+            <a:endParaRPr lang="en-US" dirty="0"/>
+          </a:p>
+        </p:txBody>
+      </p:sp>
       <p:pic>
         <p:nvPicPr>
-          <p:cNvPr id="3" name="Picture 2">
+          <p:cNvPr id="4" name="Picture 3">
             <a:extLst>
               <a:ext uri="{FF2B5EF4-FFF2-40B4-BE49-F238E27FC236}">
-                <a16:creationId xmlns:a16="http://schemas.microsoft.com/office/drawing/2014/main" id="{25E2DA70-CDBF-0459-D3B7-707B69DF3294}"/>
+                <a16:creationId xmlns:a16="http://schemas.microsoft.com/office/drawing/2014/main" id="{26DD140F-33CA-ED6D-2928-891327631004}"/>
               </a:ext>
             </a:extLst>
           </p:cNvPr>
@@ -12622,7 +12863,7 @@
           <p:nvPr/>
         </p:nvPicPr>
         <p:blipFill>
-          <a:blip r:embed="rId3">
+          <a:blip r:embed="rId2">
             <a:extLst>
               <a:ext uri="{28A0092B-C50C-407E-A947-70E740481C1C}">
                 <a14:useLocalDpi xmlns:a14="http://schemas.microsoft.com/office/drawing/2010/main" val="0"/>
@@ -12636,8 +12877,8 @@
         </p:blipFill>
         <p:spPr bwMode="auto">
           <a:xfrm>
-            <a:off x="1072445" y="2941355"/>
-            <a:ext cx="2381955" cy="975289"/>
+            <a:off x="35496" y="44624"/>
+            <a:ext cx="1209675" cy="495300"/>
           </a:xfrm>
           <a:prstGeom prst="rect">
             <a:avLst/>
@@ -12667,10 +12908,200 @@
           </a:extLst>
         </p:spPr>
       </p:pic>
+      <p:sp>
+        <p:nvSpPr>
+          <p:cNvPr id="6" name="TextBox 5">
+            <a:extLst>
+              <a:ext uri="{FF2B5EF4-FFF2-40B4-BE49-F238E27FC236}">
+                <a16:creationId xmlns:a16="http://schemas.microsoft.com/office/drawing/2014/main" id="{D18A5268-082D-420C-0551-D0C1AEB33084}"/>
+              </a:ext>
+            </a:extLst>
+          </p:cNvPr>
+          <p:cNvSpPr txBox="1"/>
+          <p:nvPr/>
+        </p:nvSpPr>
+        <p:spPr>
+          <a:xfrm>
+            <a:off x="640333" y="5407378"/>
+            <a:ext cx="5317067" cy="646331"/>
+          </a:xfrm>
+          <a:prstGeom prst="rect">
+            <a:avLst/>
+          </a:prstGeom>
+          <a:noFill/>
+        </p:spPr>
+        <p:txBody>
+          <a:bodyPr wrap="square" rtlCol="0">
+            <a:spAutoFit/>
+          </a:bodyPr>
+          <a:lstStyle/>
+          <a:p>
+            <a:pPr marL="342900" indent="-342900">
+              <a:buAutoNum type="arabicPeriod"/>
+            </a:pPr>
+            <a:r>
+              <a:rPr lang="en-CA" dirty="0"/>
+              <a:t>Initial repository set up</a:t>
+            </a:r>
+          </a:p>
+          <a:p>
+            <a:pPr marL="342900" indent="-342900">
+              <a:buAutoNum type="arabicPeriod"/>
+            </a:pPr>
+            <a:r>
+              <a:rPr lang="en-CA" dirty="0"/>
+              <a:t>Remote repository created </a:t>
+            </a:r>
+            <a:endParaRPr lang="en-US" dirty="0"/>
+          </a:p>
+        </p:txBody>
+      </p:sp>
+      <p:sp>
+        <p:nvSpPr>
+          <p:cNvPr id="5" name="TextBox 4">
+            <a:extLst>
+              <a:ext uri="{FF2B5EF4-FFF2-40B4-BE49-F238E27FC236}">
+                <a16:creationId xmlns:a16="http://schemas.microsoft.com/office/drawing/2014/main" id="{8BE427BC-BA1B-9CF9-8AB5-38B2358D03C4}"/>
+              </a:ext>
+            </a:extLst>
+          </p:cNvPr>
+          <p:cNvSpPr txBox="1"/>
+          <p:nvPr/>
+        </p:nvSpPr>
+        <p:spPr>
+          <a:xfrm>
+            <a:off x="640333" y="5407378"/>
+            <a:ext cx="10106689" cy="1200329"/>
+          </a:xfrm>
+          <a:prstGeom prst="rect">
+            <a:avLst/>
+          </a:prstGeom>
+          <a:noFill/>
+        </p:spPr>
+        <p:txBody>
+          <a:bodyPr wrap="square" numCol="2" rtlCol="0">
+            <a:spAutoFit/>
+          </a:bodyPr>
+          <a:lstStyle/>
+          <a:p>
+            <a:pPr marL="342900" indent="-342900">
+              <a:buAutoNum type="arabicPeriod"/>
+            </a:pPr>
+            <a:r>
+              <a:rPr lang="en-CA" dirty="0"/>
+              <a:t>Initial repository set up</a:t>
+            </a:r>
+          </a:p>
+          <a:p>
+            <a:pPr marL="342900" indent="-342900">
+              <a:buAutoNum type="arabicPeriod"/>
+            </a:pPr>
+            <a:r>
+              <a:rPr lang="en-CA" dirty="0"/>
+              <a:t>Remote repository created</a:t>
+            </a:r>
+          </a:p>
+          <a:p>
+            <a:pPr marL="342900" indent="-342900">
+              <a:buAutoNum type="arabicPeriod"/>
+            </a:pPr>
+            <a:r>
+              <a:rPr lang="en-CA" dirty="0"/>
+              <a:t>Local changes pushed to remote</a:t>
+            </a:r>
+          </a:p>
+          <a:p>
+            <a:pPr marL="342900" indent="-342900">
+              <a:buAutoNum type="arabicPeriod"/>
+            </a:pPr>
+            <a:r>
+              <a:rPr lang="en-CA" dirty="0"/>
+              <a:t> Remote repository cloned by collaborator</a:t>
+            </a:r>
+          </a:p>
+          <a:p>
+            <a:pPr marL="342900" indent="-342900">
+              <a:buAutoNum type="arabicPeriod"/>
+            </a:pPr>
+            <a:r>
+              <a:rPr lang="en-CA" dirty="0"/>
+              <a:t>Collaborator makes additions</a:t>
+            </a:r>
+          </a:p>
+          <a:p>
+            <a:pPr marL="342900" indent="-342900">
+              <a:buAutoNum type="arabicPeriod"/>
+            </a:pPr>
+            <a:r>
+              <a:rPr lang="en-CA" dirty="0"/>
+              <a:t>Collaborator updates remote with changes</a:t>
+            </a:r>
+          </a:p>
+          <a:p>
+            <a:pPr marL="342900" indent="-342900">
+              <a:buAutoNum type="arabicPeriod"/>
+            </a:pPr>
+            <a:r>
+              <a:rPr lang="en-CA" dirty="0"/>
+              <a:t>Collaborator changes pulled back to original</a:t>
+            </a:r>
+            <a:endParaRPr lang="en-US" dirty="0"/>
+          </a:p>
+        </p:txBody>
+      </p:sp>
+      <p:sp>
+        <p:nvSpPr>
+          <p:cNvPr id="7" name="TextBox 6">
+            <a:extLst>
+              <a:ext uri="{FF2B5EF4-FFF2-40B4-BE49-F238E27FC236}">
+                <a16:creationId xmlns:a16="http://schemas.microsoft.com/office/drawing/2014/main" id="{99A90140-ABCE-19F0-894F-B3DB3359F599}"/>
+              </a:ext>
+            </a:extLst>
+          </p:cNvPr>
+          <p:cNvSpPr txBox="1"/>
+          <p:nvPr/>
+        </p:nvSpPr>
+        <p:spPr>
+          <a:xfrm>
+            <a:off x="8410223" y="388331"/>
+            <a:ext cx="3296356" cy="923330"/>
+          </a:xfrm>
+          <a:prstGeom prst="rect">
+            <a:avLst/>
+          </a:prstGeom>
+          <a:noFill/>
+          <a:ln w="19050">
+            <a:solidFill>
+              <a:schemeClr val="tx1">
+                <a:lumMod val="95000"/>
+                <a:lumOff val="5000"/>
+              </a:schemeClr>
+            </a:solidFill>
+          </a:ln>
+        </p:spPr>
+        <p:txBody>
+          <a:bodyPr wrap="square" rtlCol="0">
+            <a:spAutoFit/>
+          </a:bodyPr>
+          <a:lstStyle/>
+          <a:p>
+            <a:r>
+              <a:rPr lang="en-CA" dirty="0"/>
+              <a:t>git pull origin main</a:t>
+            </a:r>
+          </a:p>
+          <a:p>
+            <a:endParaRPr lang="en-CA" dirty="0"/>
+          </a:p>
+          <a:p>
+            <a:endParaRPr lang="en-US" dirty="0"/>
+          </a:p>
+        </p:txBody>
+      </p:sp>
     </p:spTree>
     <p:extLst>
       <p:ext uri="{BB962C8B-B14F-4D97-AF65-F5344CB8AC3E}">
-        <p14:creationId xmlns:p14="http://schemas.microsoft.com/office/powerpoint/2010/main" val="1855852597"/>
+        <p14:creationId xmlns:p14="http://schemas.microsoft.com/office/powerpoint/2010/main" val="2631902205"/>
       </p:ext>
     </p:extLst>
   </p:cSld>
@@ -12699,45 +13130,57 @@
       </p:grpSpPr>
       <p:sp>
         <p:nvSpPr>
-          <p:cNvPr id="2" name="Title 1"/>
-          <p:cNvSpPr>
-            <a:spLocks noGrp="1"/>
-          </p:cNvSpPr>
-          <p:nvPr>
-            <p:ph type="title"/>
-          </p:nvPr>
+          <p:cNvPr id="2" name="TextBox 1">
+            <a:extLst>
+              <a:ext uri="{FF2B5EF4-FFF2-40B4-BE49-F238E27FC236}">
+                <a16:creationId xmlns:a16="http://schemas.microsoft.com/office/drawing/2014/main" id="{338F754B-A749-C01B-3F09-B143A8EB47B5}"/>
+              </a:ext>
+            </a:extLst>
+          </p:cNvPr>
+          <p:cNvSpPr txBox="1"/>
+          <p:nvPr/>
         </p:nvSpPr>
         <p:spPr>
           <a:xfrm>
-            <a:off x="1981200" y="-90264"/>
-            <a:ext cx="8229600" cy="1143000"/>
+            <a:off x="5147733" y="2459503"/>
+            <a:ext cx="6152444" cy="1938992"/>
           </a:xfrm>
+          <a:prstGeom prst="rect">
+            <a:avLst/>
+          </a:prstGeom>
+          <a:noFill/>
         </p:spPr>
         <p:txBody>
-          <a:bodyPr>
-            <a:normAutofit/>
+          <a:bodyPr wrap="square" rtlCol="0">
+            <a:spAutoFit/>
           </a:bodyPr>
           <a:lstStyle/>
           <a:p>
             <a:r>
-              <a:rPr lang="en-CA" sz="4000" dirty="0">
-                <a:solidFill>
-                  <a:schemeClr val="tx2">
-                    <a:lumMod val="75000"/>
-                  </a:schemeClr>
-                </a:solidFill>
-                <a:latin typeface="+mn-lt"/>
-                <a:ea typeface="+mn-ea"/>
-                <a:cs typeface="+mn-cs"/>
+              <a:rPr lang="en-CA" sz="6000" dirty="0">
+                <a:solidFill>
+                  <a:srgbClr val="005493"/>
+                </a:solidFill>
               </a:rPr>
-              <a:t>https://github.com/bcgov</a:t>
-            </a:r>
+              <a:t>Ignore data files! .gitignore</a:t>
+            </a:r>
+            <a:endParaRPr lang="en-US" sz="6000" dirty="0">
+              <a:solidFill>
+                <a:srgbClr val="005493"/>
+              </a:solidFill>
+            </a:endParaRPr>
           </a:p>
         </p:txBody>
       </p:sp>
       <p:pic>
         <p:nvPicPr>
-          <p:cNvPr id="2050" name="Picture 2"/>
+          <p:cNvPr id="3" name="Picture 2">
+            <a:extLst>
+              <a:ext uri="{FF2B5EF4-FFF2-40B4-BE49-F238E27FC236}">
+                <a16:creationId xmlns:a16="http://schemas.microsoft.com/office/drawing/2014/main" id="{25E2DA70-CDBF-0459-D3B7-707B69DF3294}"/>
+              </a:ext>
+            </a:extLst>
+          </p:cNvPr>
           <p:cNvPicPr>
             <a:picLocks noChangeAspect="1" noChangeArrowheads="1"/>
           </p:cNvPicPr>
@@ -12752,12 +13195,14 @@
             </a:extLst>
           </a:blip>
           <a:srcRect/>
-          <a:stretch/>
+          <a:stretch>
+            <a:fillRect/>
+          </a:stretch>
         </p:blipFill>
         <p:spPr bwMode="auto">
           <a:xfrm>
-            <a:off x="2954653" y="980729"/>
-            <a:ext cx="6930765" cy="5661959"/>
+            <a:off x="1072445" y="2941355"/>
+            <a:ext cx="2381955" cy="975289"/>
           </a:xfrm>
           <a:prstGeom prst="rect">
             <a:avLst/>
@@ -12787,70 +13232,10 @@
           </a:extLst>
         </p:spPr>
       </p:pic>
-      <p:pic>
-        <p:nvPicPr>
-          <p:cNvPr id="3" name="Picture 2">
-            <a:extLst>
-              <a:ext uri="{FF2B5EF4-FFF2-40B4-BE49-F238E27FC236}">
-                <a16:creationId xmlns:a16="http://schemas.microsoft.com/office/drawing/2014/main" id="{C94F52EE-2342-F53A-5046-0E732B19EE72}"/>
-              </a:ext>
-            </a:extLst>
-          </p:cNvPr>
-          <p:cNvPicPr>
-            <a:picLocks noChangeAspect="1" noChangeArrowheads="1"/>
-          </p:cNvPicPr>
-          <p:nvPr/>
-        </p:nvPicPr>
-        <p:blipFill>
-          <a:blip r:embed="rId4">
-            <a:extLst>
-              <a:ext uri="{28A0092B-C50C-407E-A947-70E740481C1C}">
-                <a14:useLocalDpi xmlns:a14="http://schemas.microsoft.com/office/drawing/2010/main" val="0"/>
-              </a:ext>
-            </a:extLst>
-          </a:blip>
-          <a:srcRect/>
-          <a:stretch>
-            <a:fillRect/>
-          </a:stretch>
-        </p:blipFill>
-        <p:spPr bwMode="auto">
-          <a:xfrm>
-            <a:off x="35496" y="44624"/>
-            <a:ext cx="1209675" cy="495300"/>
-          </a:xfrm>
-          <a:prstGeom prst="rect">
-            <a:avLst/>
-          </a:prstGeom>
-          <a:noFill/>
-          <a:ln>
-            <a:noFill/>
-          </a:ln>
-          <a:extLst>
-            <a:ext uri="{909E8E84-426E-40DD-AFC4-6F175D3DCCD1}">
-              <a14:hiddenFill xmlns:a14="http://schemas.microsoft.com/office/drawing/2010/main">
-                <a:solidFill>
-                  <a:schemeClr val="accent1"/>
-                </a:solidFill>
-              </a14:hiddenFill>
-            </a:ext>
-            <a:ext uri="{91240B29-F687-4F45-9708-019B960494DF}">
-              <a14:hiddenLine xmlns:a14="http://schemas.microsoft.com/office/drawing/2010/main" w="9525">
-                <a:solidFill>
-                  <a:schemeClr val="tx1"/>
-                </a:solidFill>
-                <a:miter lim="800000"/>
-                <a:headEnd/>
-                <a:tailEnd/>
-              </a14:hiddenLine>
-            </a:ext>
-          </a:extLst>
-        </p:spPr>
-      </p:pic>
     </p:spTree>
     <p:extLst>
       <p:ext uri="{BB962C8B-B14F-4D97-AF65-F5344CB8AC3E}">
-        <p14:creationId xmlns:p14="http://schemas.microsoft.com/office/powerpoint/2010/main" val="2300523836"/>
+        <p14:creationId xmlns:p14="http://schemas.microsoft.com/office/powerpoint/2010/main" val="1855852597"/>
       </p:ext>
     </p:extLst>
   </p:cSld>
@@ -13174,7 +13559,7 @@
         </p:nvSpPr>
         <p:spPr>
           <a:xfrm>
-            <a:off x="1991544" y="557808"/>
+            <a:off x="1981200" y="-90264"/>
             <a:ext cx="8229600" cy="1143000"/>
           </a:xfrm>
         </p:spPr>
@@ -13191,131 +13576,18 @@
                     <a:lumMod val="75000"/>
                   </a:schemeClr>
                 </a:solidFill>
+                <a:latin typeface="+mn-lt"/>
+                <a:ea typeface="+mn-ea"/>
+                <a:cs typeface="+mn-cs"/>
               </a:rPr>
-              <a:t>BC-Policy-Framework-For-GitHub</a:t>
-            </a:r>
-            <a:r>
-              <a:rPr lang="en-CA" sz="4000" b="1" dirty="0"/>
-              <a:t> </a:t>
-            </a:r>
-          </a:p>
-        </p:txBody>
-      </p:sp>
-      <p:sp>
-        <p:nvSpPr>
-          <p:cNvPr id="7" name="Content Placeholder 7"/>
-          <p:cNvSpPr>
-            <a:spLocks noGrp="1"/>
-          </p:cNvSpPr>
-          <p:nvPr>
-            <p:ph sz="half" idx="1"/>
-          </p:nvPr>
-        </p:nvSpPr>
-        <p:spPr>
-          <a:xfrm>
-            <a:off x="3287688" y="2060848"/>
-            <a:ext cx="6264696" cy="2692896"/>
-          </a:xfrm>
-        </p:spPr>
-        <p:txBody>
-          <a:bodyPr>
-            <a:noAutofit/>
-          </a:bodyPr>
-          <a:lstStyle/>
-          <a:p>
-            <a:r>
-              <a:rPr lang="en-CA" dirty="0">
-                <a:solidFill>
-                  <a:schemeClr val="tx2">
-                    <a:lumMod val="75000"/>
-                  </a:schemeClr>
-                </a:solidFill>
-              </a:rPr>
-              <a:t>Joining</a:t>
-            </a:r>
-          </a:p>
-          <a:p>
-            <a:r>
-              <a:rPr lang="en-CA" dirty="0">
-                <a:solidFill>
-                  <a:schemeClr val="tx2">
-                    <a:lumMod val="75000"/>
-                  </a:schemeClr>
-                </a:solidFill>
-              </a:rPr>
-              <a:t>Opening &amp; Contents of Repositories</a:t>
-            </a:r>
-          </a:p>
-          <a:p>
-            <a:r>
-              <a:rPr lang="en-CA" dirty="0">
-                <a:solidFill>
-                  <a:schemeClr val="tx2">
-                    <a:lumMod val="75000"/>
-                  </a:schemeClr>
-                </a:solidFill>
-              </a:rPr>
-              <a:t>Licensing</a:t>
-            </a:r>
-          </a:p>
-          <a:p>
-            <a:r>
-              <a:rPr lang="en-CA" dirty="0">
-                <a:solidFill>
-                  <a:schemeClr val="tx2">
-                    <a:lumMod val="75000"/>
-                  </a:schemeClr>
-                </a:solidFill>
-              </a:rPr>
-              <a:t>Privacy, Security, Copyright</a:t>
-            </a:r>
-          </a:p>
-          <a:p>
-            <a:r>
-              <a:rPr lang="en-CA" dirty="0">
-                <a:solidFill>
-                  <a:schemeClr val="tx2">
-                    <a:lumMod val="75000"/>
-                  </a:schemeClr>
-                </a:solidFill>
-              </a:rPr>
-              <a:t>Appropriate Use</a:t>
-            </a:r>
-          </a:p>
-          <a:p>
-            <a:r>
-              <a:rPr lang="en-CA" dirty="0">
-                <a:solidFill>
-                  <a:schemeClr val="tx2">
-                    <a:lumMod val="75000"/>
-                  </a:schemeClr>
-                </a:solidFill>
-              </a:rPr>
-              <a:t>How </a:t>
-            </a:r>
-            <a:r>
-              <a:rPr lang="en-CA" dirty="0" err="1">
-                <a:solidFill>
-                  <a:schemeClr val="tx2">
-                    <a:lumMod val="75000"/>
-                  </a:schemeClr>
-                </a:solidFill>
-              </a:rPr>
-              <a:t>to’sC</a:t>
-            </a:r>
-            <a:endParaRPr lang="en-CA" dirty="0">
-              <a:solidFill>
-                <a:schemeClr val="tx2">
-                  <a:lumMod val="75000"/>
-                </a:schemeClr>
-              </a:solidFill>
-            </a:endParaRPr>
+              <a:t>https://github.com/bcgov</a:t>
+            </a:r>
           </a:p>
         </p:txBody>
       </p:sp>
       <p:pic>
         <p:nvPicPr>
-          <p:cNvPr id="11266" name="Picture 2"/>
+          <p:cNvPr id="2050" name="Picture 2"/>
           <p:cNvPicPr>
             <a:picLocks noChangeAspect="1" noChangeArrowheads="1"/>
           </p:cNvPicPr>
@@ -13330,14 +13602,12 @@
             </a:extLst>
           </a:blip>
           <a:srcRect/>
-          <a:stretch>
-            <a:fillRect/>
-          </a:stretch>
+          <a:stretch/>
         </p:blipFill>
         <p:spPr bwMode="auto">
           <a:xfrm>
-            <a:off x="6600056" y="4387278"/>
-            <a:ext cx="3960440" cy="2282083"/>
+            <a:off x="2954653" y="980729"/>
+            <a:ext cx="6930765" cy="5661959"/>
           </a:xfrm>
           <a:prstGeom prst="rect">
             <a:avLst/>
@@ -13372,7 +13642,7 @@
           <p:cNvPr id="3" name="Picture 2">
             <a:extLst>
               <a:ext uri="{FF2B5EF4-FFF2-40B4-BE49-F238E27FC236}">
-                <a16:creationId xmlns:a16="http://schemas.microsoft.com/office/drawing/2014/main" id="{34EA09D0-D933-9C8C-56A6-D35BAE6A7F81}"/>
+                <a16:creationId xmlns:a16="http://schemas.microsoft.com/office/drawing/2014/main" id="{C94F52EE-2342-F53A-5046-0E732B19EE72}"/>
               </a:ext>
             </a:extLst>
           </p:cNvPr>
@@ -13430,7 +13700,7 @@
     </p:spTree>
     <p:extLst>
       <p:ext uri="{BB962C8B-B14F-4D97-AF65-F5344CB8AC3E}">
-        <p14:creationId xmlns:p14="http://schemas.microsoft.com/office/powerpoint/2010/main" val="490524843"/>
+        <p14:creationId xmlns:p14="http://schemas.microsoft.com/office/powerpoint/2010/main" val="2300523836"/>
       </p:ext>
     </p:extLst>
   </p:cSld>
@@ -13469,6 +13739,301 @@
         </p:nvSpPr>
         <p:spPr>
           <a:xfrm>
+            <a:off x="1991544" y="557808"/>
+            <a:ext cx="8229600" cy="1143000"/>
+          </a:xfrm>
+        </p:spPr>
+        <p:txBody>
+          <a:bodyPr>
+            <a:normAutofit/>
+          </a:bodyPr>
+          <a:lstStyle/>
+          <a:p>
+            <a:r>
+              <a:rPr lang="en-CA" sz="4000" dirty="0">
+                <a:solidFill>
+                  <a:schemeClr val="tx2">
+                    <a:lumMod val="75000"/>
+                  </a:schemeClr>
+                </a:solidFill>
+              </a:rPr>
+              <a:t>BC-Policy-Framework-For-GitHub</a:t>
+            </a:r>
+            <a:r>
+              <a:rPr lang="en-CA" sz="4000" b="1" dirty="0"/>
+              <a:t> </a:t>
+            </a:r>
+          </a:p>
+        </p:txBody>
+      </p:sp>
+      <p:sp>
+        <p:nvSpPr>
+          <p:cNvPr id="7" name="Content Placeholder 7"/>
+          <p:cNvSpPr>
+            <a:spLocks noGrp="1"/>
+          </p:cNvSpPr>
+          <p:nvPr>
+            <p:ph sz="half" idx="1"/>
+          </p:nvPr>
+        </p:nvSpPr>
+        <p:spPr>
+          <a:xfrm>
+            <a:off x="3287688" y="2060848"/>
+            <a:ext cx="6264696" cy="2692896"/>
+          </a:xfrm>
+        </p:spPr>
+        <p:txBody>
+          <a:bodyPr>
+            <a:noAutofit/>
+          </a:bodyPr>
+          <a:lstStyle/>
+          <a:p>
+            <a:r>
+              <a:rPr lang="en-CA" dirty="0">
+                <a:solidFill>
+                  <a:schemeClr val="tx2">
+                    <a:lumMod val="75000"/>
+                  </a:schemeClr>
+                </a:solidFill>
+              </a:rPr>
+              <a:t>Joining</a:t>
+            </a:r>
+          </a:p>
+          <a:p>
+            <a:r>
+              <a:rPr lang="en-CA" dirty="0">
+                <a:solidFill>
+                  <a:schemeClr val="tx2">
+                    <a:lumMod val="75000"/>
+                  </a:schemeClr>
+                </a:solidFill>
+              </a:rPr>
+              <a:t>Opening &amp; Contents of Repositories</a:t>
+            </a:r>
+          </a:p>
+          <a:p>
+            <a:r>
+              <a:rPr lang="en-CA" dirty="0">
+                <a:solidFill>
+                  <a:schemeClr val="tx2">
+                    <a:lumMod val="75000"/>
+                  </a:schemeClr>
+                </a:solidFill>
+              </a:rPr>
+              <a:t>Licensing</a:t>
+            </a:r>
+          </a:p>
+          <a:p>
+            <a:r>
+              <a:rPr lang="en-CA" dirty="0">
+                <a:solidFill>
+                  <a:schemeClr val="tx2">
+                    <a:lumMod val="75000"/>
+                  </a:schemeClr>
+                </a:solidFill>
+              </a:rPr>
+              <a:t>Privacy, Security, Copyright</a:t>
+            </a:r>
+          </a:p>
+          <a:p>
+            <a:r>
+              <a:rPr lang="en-CA" dirty="0">
+                <a:solidFill>
+                  <a:schemeClr val="tx2">
+                    <a:lumMod val="75000"/>
+                  </a:schemeClr>
+                </a:solidFill>
+              </a:rPr>
+              <a:t>Appropriate Use</a:t>
+            </a:r>
+          </a:p>
+          <a:p>
+            <a:r>
+              <a:rPr lang="en-CA" dirty="0">
+                <a:solidFill>
+                  <a:schemeClr val="tx2">
+                    <a:lumMod val="75000"/>
+                  </a:schemeClr>
+                </a:solidFill>
+              </a:rPr>
+              <a:t>How </a:t>
+            </a:r>
+            <a:r>
+              <a:rPr lang="en-CA" dirty="0" err="1">
+                <a:solidFill>
+                  <a:schemeClr val="tx2">
+                    <a:lumMod val="75000"/>
+                  </a:schemeClr>
+                </a:solidFill>
+              </a:rPr>
+              <a:t>to’sC</a:t>
+            </a:r>
+            <a:endParaRPr lang="en-CA" dirty="0">
+              <a:solidFill>
+                <a:schemeClr val="tx2">
+                  <a:lumMod val="75000"/>
+                </a:schemeClr>
+              </a:solidFill>
+            </a:endParaRPr>
+          </a:p>
+        </p:txBody>
+      </p:sp>
+      <p:pic>
+        <p:nvPicPr>
+          <p:cNvPr id="11266" name="Picture 2"/>
+          <p:cNvPicPr>
+            <a:picLocks noChangeAspect="1" noChangeArrowheads="1"/>
+          </p:cNvPicPr>
+          <p:nvPr/>
+        </p:nvPicPr>
+        <p:blipFill>
+          <a:blip r:embed="rId3">
+            <a:extLst>
+              <a:ext uri="{28A0092B-C50C-407E-A947-70E740481C1C}">
+                <a14:useLocalDpi xmlns:a14="http://schemas.microsoft.com/office/drawing/2010/main" val="0"/>
+              </a:ext>
+            </a:extLst>
+          </a:blip>
+          <a:srcRect/>
+          <a:stretch>
+            <a:fillRect/>
+          </a:stretch>
+        </p:blipFill>
+        <p:spPr bwMode="auto">
+          <a:xfrm>
+            <a:off x="6600056" y="4387278"/>
+            <a:ext cx="3960440" cy="2282083"/>
+          </a:xfrm>
+          <a:prstGeom prst="rect">
+            <a:avLst/>
+          </a:prstGeom>
+          <a:noFill/>
+          <a:ln>
+            <a:noFill/>
+          </a:ln>
+          <a:extLst>
+            <a:ext uri="{909E8E84-426E-40DD-AFC4-6F175D3DCCD1}">
+              <a14:hiddenFill xmlns:a14="http://schemas.microsoft.com/office/drawing/2010/main">
+                <a:solidFill>
+                  <a:schemeClr val="accent1"/>
+                </a:solidFill>
+              </a14:hiddenFill>
+            </a:ext>
+            <a:ext uri="{91240B29-F687-4F45-9708-019B960494DF}">
+              <a14:hiddenLine xmlns:a14="http://schemas.microsoft.com/office/drawing/2010/main" w="9525">
+                <a:solidFill>
+                  <a:schemeClr val="tx1"/>
+                </a:solidFill>
+                <a:miter lim="800000"/>
+                <a:headEnd/>
+                <a:tailEnd/>
+              </a14:hiddenLine>
+            </a:ext>
+          </a:extLst>
+        </p:spPr>
+      </p:pic>
+      <p:pic>
+        <p:nvPicPr>
+          <p:cNvPr id="3" name="Picture 2">
+            <a:extLst>
+              <a:ext uri="{FF2B5EF4-FFF2-40B4-BE49-F238E27FC236}">
+                <a16:creationId xmlns:a16="http://schemas.microsoft.com/office/drawing/2014/main" id="{34EA09D0-D933-9C8C-56A6-D35BAE6A7F81}"/>
+              </a:ext>
+            </a:extLst>
+          </p:cNvPr>
+          <p:cNvPicPr>
+            <a:picLocks noChangeAspect="1" noChangeArrowheads="1"/>
+          </p:cNvPicPr>
+          <p:nvPr/>
+        </p:nvPicPr>
+        <p:blipFill>
+          <a:blip r:embed="rId4">
+            <a:extLst>
+              <a:ext uri="{28A0092B-C50C-407E-A947-70E740481C1C}">
+                <a14:useLocalDpi xmlns:a14="http://schemas.microsoft.com/office/drawing/2010/main" val="0"/>
+              </a:ext>
+            </a:extLst>
+          </a:blip>
+          <a:srcRect/>
+          <a:stretch>
+            <a:fillRect/>
+          </a:stretch>
+        </p:blipFill>
+        <p:spPr bwMode="auto">
+          <a:xfrm>
+            <a:off x="35496" y="44624"/>
+            <a:ext cx="1209675" cy="495300"/>
+          </a:xfrm>
+          <a:prstGeom prst="rect">
+            <a:avLst/>
+          </a:prstGeom>
+          <a:noFill/>
+          <a:ln>
+            <a:noFill/>
+          </a:ln>
+          <a:extLst>
+            <a:ext uri="{909E8E84-426E-40DD-AFC4-6F175D3DCCD1}">
+              <a14:hiddenFill xmlns:a14="http://schemas.microsoft.com/office/drawing/2010/main">
+                <a:solidFill>
+                  <a:schemeClr val="accent1"/>
+                </a:solidFill>
+              </a14:hiddenFill>
+            </a:ext>
+            <a:ext uri="{91240B29-F687-4F45-9708-019B960494DF}">
+              <a14:hiddenLine xmlns:a14="http://schemas.microsoft.com/office/drawing/2010/main" w="9525">
+                <a:solidFill>
+                  <a:schemeClr val="tx1"/>
+                </a:solidFill>
+                <a:miter lim="800000"/>
+                <a:headEnd/>
+                <a:tailEnd/>
+              </a14:hiddenLine>
+            </a:ext>
+          </a:extLst>
+        </p:spPr>
+      </p:pic>
+    </p:spTree>
+    <p:extLst>
+      <p:ext uri="{BB962C8B-B14F-4D97-AF65-F5344CB8AC3E}">
+        <p14:creationId xmlns:p14="http://schemas.microsoft.com/office/powerpoint/2010/main" val="490524843"/>
+      </p:ext>
+    </p:extLst>
+  </p:cSld>
+  <p:clrMapOvr>
+    <a:masterClrMapping/>
+  </p:clrMapOvr>
+</p:sld>
+</file>
+
+<file path=ppt/slides/slide32.xml><?xml version="1.0" encoding="utf-8"?>
+<p:sld xmlns:a="http://schemas.openxmlformats.org/drawingml/2006/main" xmlns:r="http://schemas.openxmlformats.org/officeDocument/2006/relationships" xmlns:p="http://schemas.openxmlformats.org/presentationml/2006/main">
+  <p:cSld>
+    <p:spTree>
+      <p:nvGrpSpPr>
+        <p:cNvPr id="1" name=""/>
+        <p:cNvGrpSpPr/>
+        <p:nvPr/>
+      </p:nvGrpSpPr>
+      <p:grpSpPr>
+        <a:xfrm>
+          <a:off x="0" y="0"/>
+          <a:ext cx="0" cy="0"/>
+          <a:chOff x="0" y="0"/>
+          <a:chExt cx="0" cy="0"/>
+        </a:xfrm>
+      </p:grpSpPr>
+      <p:sp>
+        <p:nvSpPr>
+          <p:cNvPr id="2" name="Title 1"/>
+          <p:cNvSpPr>
+            <a:spLocks noGrp="1"/>
+          </p:cNvSpPr>
+          <p:nvPr>
+            <p:ph type="title"/>
+          </p:nvPr>
+        </p:nvSpPr>
+        <p:spPr>
+          <a:xfrm>
             <a:off x="1919536" y="44624"/>
             <a:ext cx="8229600" cy="1143000"/>
           </a:xfrm>
@@ -13731,7 +14296,7 @@
 </p:sld>
 </file>
 
-<file path=ppt/slides/slide32.xml><?xml version="1.0" encoding="utf-8"?>
+<file path=ppt/slides/slide33.xml><?xml version="1.0" encoding="utf-8"?>
 <p:sld xmlns:a="http://schemas.openxmlformats.org/drawingml/2006/main" xmlns:r="http://schemas.openxmlformats.org/officeDocument/2006/relationships" xmlns:p="http://schemas.openxmlformats.org/presentationml/2006/main">
   <p:cSld>
     <p:spTree>
@@ -14134,7 +14699,7 @@
 </p:sld>
 </file>
 
-<file path=ppt/slides/slide33.xml><?xml version="1.0" encoding="utf-8"?>
+<file path=ppt/slides/slide34.xml><?xml version="1.0" encoding="utf-8"?>
 <p:sld xmlns:a="http://schemas.openxmlformats.org/drawingml/2006/main" xmlns:r="http://schemas.openxmlformats.org/officeDocument/2006/relationships" xmlns:p="http://schemas.openxmlformats.org/presentationml/2006/main">
   <p:cSld>
     <p:spTree>
@@ -14302,366 +14867,6 @@
     <p:extLst>
       <p:ext uri="{BB962C8B-B14F-4D97-AF65-F5344CB8AC3E}">
         <p14:creationId xmlns:p14="http://schemas.microsoft.com/office/powerpoint/2010/main" val="3708269344"/>
-      </p:ext>
-    </p:extLst>
-  </p:cSld>
-  <p:clrMapOvr>
-    <a:masterClrMapping/>
-  </p:clrMapOvr>
-</p:sld>
-</file>
-
-<file path=ppt/slides/slide34.xml><?xml version="1.0" encoding="utf-8"?>
-<p:sld xmlns:a="http://schemas.openxmlformats.org/drawingml/2006/main" xmlns:r="http://schemas.openxmlformats.org/officeDocument/2006/relationships" xmlns:p="http://schemas.openxmlformats.org/presentationml/2006/main">
-  <p:cSld>
-    <p:spTree>
-      <p:nvGrpSpPr>
-        <p:cNvPr id="1" name=""/>
-        <p:cNvGrpSpPr/>
-        <p:nvPr/>
-      </p:nvGrpSpPr>
-      <p:grpSpPr>
-        <a:xfrm>
-          <a:off x="0" y="0"/>
-          <a:ext cx="0" cy="0"/>
-          <a:chOff x="0" y="0"/>
-          <a:chExt cx="0" cy="0"/>
-        </a:xfrm>
-      </p:grpSpPr>
-      <p:sp>
-        <p:nvSpPr>
-          <p:cNvPr id="2" name="Title 1"/>
-          <p:cNvSpPr>
-            <a:spLocks noGrp="1"/>
-          </p:cNvSpPr>
-          <p:nvPr>
-            <p:ph type="title"/>
-          </p:nvPr>
-        </p:nvSpPr>
-        <p:spPr>
-          <a:xfrm>
-            <a:off x="1826840" y="269776"/>
-            <a:ext cx="8229600" cy="1143000"/>
-          </a:xfrm>
-        </p:spPr>
-        <p:txBody>
-          <a:bodyPr>
-            <a:normAutofit/>
-          </a:bodyPr>
-          <a:lstStyle/>
-          <a:p>
-            <a:r>
-              <a:rPr lang="en-CA">
-                <a:solidFill>
-                  <a:schemeClr val="tx2">
-                    <a:lumMod val="75000"/>
-                  </a:schemeClr>
-                </a:solidFill>
-              </a:rPr>
-              <a:t>Licensing 1-2-3</a:t>
-            </a:r>
-            <a:endParaRPr lang="en-CA" dirty="0">
-              <a:solidFill>
-                <a:schemeClr val="tx2">
-                  <a:lumMod val="75000"/>
-                </a:schemeClr>
-              </a:solidFill>
-            </a:endParaRPr>
-          </a:p>
-        </p:txBody>
-      </p:sp>
-      <p:pic>
-        <p:nvPicPr>
-          <p:cNvPr id="7171" name="Picture 3"/>
-          <p:cNvPicPr>
-            <a:picLocks noChangeAspect="1" noChangeArrowheads="1"/>
-          </p:cNvPicPr>
-          <p:nvPr/>
-        </p:nvPicPr>
-        <p:blipFill>
-          <a:blip r:embed="rId3">
-            <a:extLst>
-              <a:ext uri="{28A0092B-C50C-407E-A947-70E740481C1C}">
-                <a14:useLocalDpi xmlns:a14="http://schemas.microsoft.com/office/drawing/2010/main" val="0"/>
-              </a:ext>
-            </a:extLst>
-          </a:blip>
-          <a:srcRect/>
-          <a:stretch>
-            <a:fillRect/>
-          </a:stretch>
-        </p:blipFill>
-        <p:spPr bwMode="auto">
-          <a:xfrm>
-            <a:off x="9403422" y="4438735"/>
-            <a:ext cx="2250381" cy="2419265"/>
-          </a:xfrm>
-          <a:prstGeom prst="rect">
-            <a:avLst/>
-          </a:prstGeom>
-          <a:noFill/>
-          <a:ln>
-            <a:noFill/>
-          </a:ln>
-          <a:extLst>
-            <a:ext uri="{909E8E84-426E-40DD-AFC4-6F175D3DCCD1}">
-              <a14:hiddenFill xmlns:a14="http://schemas.microsoft.com/office/drawing/2010/main">
-                <a:solidFill>
-                  <a:schemeClr val="accent1"/>
-                </a:solidFill>
-              </a14:hiddenFill>
-            </a:ext>
-            <a:ext uri="{91240B29-F687-4F45-9708-019B960494DF}">
-              <a14:hiddenLine xmlns:a14="http://schemas.microsoft.com/office/drawing/2010/main" w="9525">
-                <a:solidFill>
-                  <a:schemeClr val="tx1"/>
-                </a:solidFill>
-                <a:miter lim="800000"/>
-                <a:headEnd/>
-                <a:tailEnd/>
-              </a14:hiddenLine>
-            </a:ext>
-          </a:extLst>
-        </p:spPr>
-      </p:pic>
-      <p:sp>
-        <p:nvSpPr>
-          <p:cNvPr id="9" name="Content Placeholder 7"/>
-          <p:cNvSpPr>
-            <a:spLocks noGrp="1"/>
-          </p:cNvSpPr>
-          <p:nvPr>
-            <p:ph sz="half" idx="1"/>
-          </p:nvPr>
-        </p:nvSpPr>
-        <p:spPr>
-          <a:xfrm>
-            <a:off x="1659467" y="2060848"/>
-            <a:ext cx="7604885" cy="2808312"/>
-          </a:xfrm>
-        </p:spPr>
-        <p:txBody>
-          <a:bodyPr>
-            <a:noAutofit/>
-          </a:bodyPr>
-          <a:lstStyle/>
-          <a:p>
-            <a:pPr marL="0" indent="0">
-              <a:buNone/>
-            </a:pPr>
-            <a:r>
-              <a:rPr lang="en-CA" dirty="0" err="1">
-                <a:solidFill>
-                  <a:schemeClr val="tx2">
-                    <a:lumMod val="75000"/>
-                  </a:schemeClr>
-                </a:solidFill>
-              </a:rPr>
-              <a:t>BCGov</a:t>
-            </a:r>
-            <a:r>
-              <a:rPr lang="en-CA" dirty="0">
-                <a:solidFill>
-                  <a:schemeClr val="tx2">
-                    <a:lumMod val="75000"/>
-                  </a:schemeClr>
-                </a:solidFill>
-              </a:rPr>
-              <a:t> default for code == Apache License 2.0</a:t>
-            </a:r>
-          </a:p>
-          <a:p>
-            <a:pPr marL="514350" indent="-514350">
-              <a:buFont typeface="+mj-lt"/>
-              <a:buAutoNum type="arabicParenR"/>
-            </a:pPr>
-            <a:endParaRPr lang="en-CA" sz="1200" dirty="0">
-              <a:solidFill>
-                <a:schemeClr val="tx2">
-                  <a:lumMod val="75000"/>
-                </a:schemeClr>
-              </a:solidFill>
-            </a:endParaRPr>
-          </a:p>
-          <a:p>
-            <a:pPr marL="514350" indent="-514350">
-              <a:buFont typeface="+mj-lt"/>
-              <a:buAutoNum type="arabicParenR"/>
-            </a:pPr>
-            <a:r>
-              <a:rPr lang="en-CA" dirty="0">
-                <a:solidFill>
-                  <a:schemeClr val="tx2">
-                    <a:lumMod val="75000"/>
-                  </a:schemeClr>
-                </a:solidFill>
-              </a:rPr>
-              <a:t>LICENSE file directly in the repository</a:t>
-            </a:r>
-          </a:p>
-          <a:p>
-            <a:pPr marL="514350" indent="-514350">
-              <a:buFont typeface="+mj-lt"/>
-              <a:buAutoNum type="arabicParenR"/>
-            </a:pPr>
-            <a:r>
-              <a:rPr lang="en-CA" dirty="0">
-                <a:solidFill>
-                  <a:schemeClr val="tx2">
-                    <a:lumMod val="75000"/>
-                  </a:schemeClr>
-                </a:solidFill>
-              </a:rPr>
-              <a:t>2.0 LICENSE boiler-plate to the bottom of your README.md</a:t>
-            </a:r>
-          </a:p>
-          <a:p>
-            <a:pPr marL="514350" indent="-514350">
-              <a:buFont typeface="+mj-lt"/>
-              <a:buAutoNum type="arabicParenR"/>
-            </a:pPr>
-            <a:r>
-              <a:rPr lang="en-CA" dirty="0">
-                <a:solidFill>
-                  <a:schemeClr val="tx2">
-                    <a:lumMod val="75000"/>
-                  </a:schemeClr>
-                </a:solidFill>
-              </a:rPr>
-              <a:t>LICENSE boiler-plate to the comments header of </a:t>
-            </a:r>
-            <a:r>
-              <a:rPr lang="en-CA" i="1" dirty="0">
-                <a:solidFill>
-                  <a:schemeClr val="tx2">
-                    <a:lumMod val="75000"/>
-                  </a:schemeClr>
-                </a:solidFill>
-              </a:rPr>
-              <a:t>every source code file</a:t>
-            </a:r>
-            <a:endParaRPr lang="en-CA" dirty="0">
-              <a:solidFill>
-                <a:schemeClr val="tx2">
-                  <a:lumMod val="75000"/>
-                </a:schemeClr>
-              </a:solidFill>
-            </a:endParaRPr>
-          </a:p>
-        </p:txBody>
-      </p:sp>
-      <p:sp>
-        <p:nvSpPr>
-          <p:cNvPr id="6" name="Title 1"/>
-          <p:cNvSpPr txBox="1">
-            <a:spLocks/>
-          </p:cNvSpPr>
-          <p:nvPr/>
-        </p:nvSpPr>
-        <p:spPr>
-          <a:xfrm>
-            <a:off x="1979240" y="4653136"/>
-            <a:ext cx="8229600" cy="1143000"/>
-          </a:xfrm>
-          <a:prstGeom prst="rect">
-            <a:avLst/>
-          </a:prstGeom>
-        </p:spPr>
-        <p:txBody>
-          <a:bodyPr vert="horz" lIns="91440" tIns="45720" rIns="91440" bIns="45720" rtlCol="0" anchor="ctr">
-            <a:normAutofit/>
-          </a:bodyPr>
-          <a:lstStyle>
-            <a:lvl1pPr algn="ctr" defTabSz="914400" rtl="0" eaLnBrk="1" latinLnBrk="0" hangingPunct="1">
-              <a:spcBef>
-                <a:spcPct val="0"/>
-              </a:spcBef>
-              <a:buNone/>
-              <a:defRPr sz="4400" kern="1200">
-                <a:solidFill>
-                  <a:schemeClr val="tx1"/>
-                </a:solidFill>
-                <a:latin typeface="+mj-lt"/>
-                <a:ea typeface="+mj-ea"/>
-                <a:cs typeface="+mj-cs"/>
-              </a:defRPr>
-            </a:lvl1pPr>
-          </a:lstStyle>
-          <a:p>
-            <a:endParaRPr lang="en-CA" dirty="0">
-              <a:solidFill>
-                <a:schemeClr val="tx2">
-                  <a:lumMod val="75000"/>
-                </a:schemeClr>
-              </a:solidFill>
-            </a:endParaRPr>
-          </a:p>
-        </p:txBody>
-      </p:sp>
-      <p:pic>
-        <p:nvPicPr>
-          <p:cNvPr id="3" name="Picture 2">
-            <a:extLst>
-              <a:ext uri="{FF2B5EF4-FFF2-40B4-BE49-F238E27FC236}">
-                <a16:creationId xmlns:a16="http://schemas.microsoft.com/office/drawing/2014/main" id="{62B06ABD-858A-4957-9987-361E5096514C}"/>
-              </a:ext>
-            </a:extLst>
-          </p:cNvPr>
-          <p:cNvPicPr>
-            <a:picLocks noChangeAspect="1" noChangeArrowheads="1"/>
-          </p:cNvPicPr>
-          <p:nvPr/>
-        </p:nvPicPr>
-        <p:blipFill>
-          <a:blip r:embed="rId4">
-            <a:extLst>
-              <a:ext uri="{28A0092B-C50C-407E-A947-70E740481C1C}">
-                <a14:useLocalDpi xmlns:a14="http://schemas.microsoft.com/office/drawing/2010/main" val="0"/>
-              </a:ext>
-            </a:extLst>
-          </a:blip>
-          <a:srcRect/>
-          <a:stretch>
-            <a:fillRect/>
-          </a:stretch>
-        </p:blipFill>
-        <p:spPr bwMode="auto">
-          <a:xfrm>
-            <a:off x="35496" y="44624"/>
-            <a:ext cx="1209675" cy="495300"/>
-          </a:xfrm>
-          <a:prstGeom prst="rect">
-            <a:avLst/>
-          </a:prstGeom>
-          <a:noFill/>
-          <a:ln>
-            <a:noFill/>
-          </a:ln>
-          <a:extLst>
-            <a:ext uri="{909E8E84-426E-40DD-AFC4-6F175D3DCCD1}">
-              <a14:hiddenFill xmlns:a14="http://schemas.microsoft.com/office/drawing/2010/main">
-                <a:solidFill>
-                  <a:schemeClr val="accent1"/>
-                </a:solidFill>
-              </a14:hiddenFill>
-            </a:ext>
-            <a:ext uri="{91240B29-F687-4F45-9708-019B960494DF}">
-              <a14:hiddenLine xmlns:a14="http://schemas.microsoft.com/office/drawing/2010/main" w="9525">
-                <a:solidFill>
-                  <a:schemeClr val="tx1"/>
-                </a:solidFill>
-                <a:miter lim="800000"/>
-                <a:headEnd/>
-                <a:tailEnd/>
-              </a14:hiddenLine>
-            </a:ext>
-          </a:extLst>
-        </p:spPr>
-      </p:pic>
-    </p:spTree>
-    <p:extLst>
-      <p:ext uri="{BB962C8B-B14F-4D97-AF65-F5344CB8AC3E}">
-        <p14:creationId xmlns:p14="http://schemas.microsoft.com/office/powerpoint/2010/main" val="2374351421"/>
       </p:ext>
     </p:extLst>
   </p:cSld>
@@ -14700,40 +14905,39 @@
         </p:nvSpPr>
         <p:spPr>
           <a:xfrm>
-            <a:off x="862690" y="2649450"/>
-            <a:ext cx="2288822" cy="1325563"/>
+            <a:off x="1826840" y="269776"/>
+            <a:ext cx="8229600" cy="1143000"/>
           </a:xfrm>
         </p:spPr>
         <p:txBody>
-          <a:bodyPr/>
-          <a:lstStyle/>
-          <a:p>
-            <a:r>
-              <a:rPr lang="en-CA" dirty="0" err="1">
+          <a:bodyPr>
+            <a:normAutofit/>
+          </a:bodyPr>
+          <a:lstStyle/>
+          <a:p>
+            <a:r>
+              <a:rPr lang="en-CA">
                 <a:solidFill>
                   <a:schemeClr val="tx2">
                     <a:lumMod val="75000"/>
                   </a:schemeClr>
                 </a:solidFill>
               </a:rPr>
-              <a:t>BCGov</a:t>
-            </a:r>
-            <a:r>
-              <a:rPr lang="en-CA" dirty="0">
-                <a:solidFill>
-                  <a:schemeClr val="tx2">
-                    <a:lumMod val="75000"/>
-                  </a:schemeClr>
-                </a:solidFill>
-              </a:rPr>
-              <a:t> Org Stats</a:t>
-            </a:r>
+              <a:t>Licensing 1-2-3</a:t>
+            </a:r>
+            <a:endParaRPr lang="en-CA" dirty="0">
+              <a:solidFill>
+                <a:schemeClr val="tx2">
+                  <a:lumMod val="75000"/>
+                </a:schemeClr>
+              </a:solidFill>
+            </a:endParaRPr>
           </a:p>
         </p:txBody>
       </p:sp>
       <p:pic>
         <p:nvPicPr>
-          <p:cNvPr id="1026" name="Picture 2"/>
+          <p:cNvPr id="7171" name="Picture 3"/>
           <p:cNvPicPr>
             <a:picLocks noChangeAspect="1" noChangeArrowheads="1"/>
           </p:cNvPicPr>
@@ -14748,34 +14952,223 @@
             </a:extLst>
           </a:blip>
           <a:srcRect/>
-          <a:stretch/>
+          <a:stretch>
+            <a:fillRect/>
+          </a:stretch>
         </p:blipFill>
         <p:spPr bwMode="auto">
           <a:xfrm>
-            <a:off x="3151512" y="656692"/>
-            <a:ext cx="8440137" cy="5544616"/>
+            <a:off x="9403422" y="4438735"/>
+            <a:ext cx="2250381" cy="2419265"/>
           </a:xfrm>
           <a:prstGeom prst="rect">
             <a:avLst/>
           </a:prstGeom>
           <a:noFill/>
+          <a:ln>
+            <a:noFill/>
+          </a:ln>
           <a:extLst>
             <a:ext uri="{909E8E84-426E-40DD-AFC4-6F175D3DCCD1}">
               <a14:hiddenFill xmlns:a14="http://schemas.microsoft.com/office/drawing/2010/main">
                 <a:solidFill>
-                  <a:srgbClr val="FFFFFF"/>
+                  <a:schemeClr val="accent1"/>
                 </a:solidFill>
               </a14:hiddenFill>
+            </a:ext>
+            <a:ext uri="{91240B29-F687-4F45-9708-019B960494DF}">
+              <a14:hiddenLine xmlns:a14="http://schemas.microsoft.com/office/drawing/2010/main" w="9525">
+                <a:solidFill>
+                  <a:schemeClr val="tx1"/>
+                </a:solidFill>
+                <a:miter lim="800000"/>
+                <a:headEnd/>
+                <a:tailEnd/>
+              </a14:hiddenLine>
             </a:ext>
           </a:extLst>
         </p:spPr>
       </p:pic>
+      <p:sp>
+        <p:nvSpPr>
+          <p:cNvPr id="9" name="Content Placeholder 7"/>
+          <p:cNvSpPr>
+            <a:spLocks noGrp="1"/>
+          </p:cNvSpPr>
+          <p:nvPr>
+            <p:ph sz="half" idx="1"/>
+          </p:nvPr>
+        </p:nvSpPr>
+        <p:spPr>
+          <a:xfrm>
+            <a:off x="1659467" y="2060848"/>
+            <a:ext cx="7604885" cy="2808312"/>
+          </a:xfrm>
+        </p:spPr>
+        <p:txBody>
+          <a:bodyPr>
+            <a:noAutofit/>
+          </a:bodyPr>
+          <a:lstStyle/>
+          <a:p>
+            <a:pPr marL="0" indent="0">
+              <a:buNone/>
+            </a:pPr>
+            <a:r>
+              <a:rPr lang="en-CA" dirty="0" err="1">
+                <a:solidFill>
+                  <a:schemeClr val="tx2">
+                    <a:lumMod val="75000"/>
+                  </a:schemeClr>
+                </a:solidFill>
+              </a:rPr>
+              <a:t>BCGov</a:t>
+            </a:r>
+            <a:r>
+              <a:rPr lang="en-CA" dirty="0">
+                <a:solidFill>
+                  <a:schemeClr val="tx2">
+                    <a:lumMod val="75000"/>
+                  </a:schemeClr>
+                </a:solidFill>
+              </a:rPr>
+              <a:t> default for code == Apache License 2.0</a:t>
+            </a:r>
+          </a:p>
+          <a:p>
+            <a:pPr marL="514350" indent="-514350">
+              <a:buFont typeface="+mj-lt"/>
+              <a:buAutoNum type="arabicParenR"/>
+            </a:pPr>
+            <a:endParaRPr lang="en-CA" sz="1200" dirty="0">
+              <a:solidFill>
+                <a:schemeClr val="tx2">
+                  <a:lumMod val="75000"/>
+                </a:schemeClr>
+              </a:solidFill>
+            </a:endParaRPr>
+          </a:p>
+          <a:p>
+            <a:pPr marL="514350" indent="-514350">
+              <a:buFont typeface="+mj-lt"/>
+              <a:buAutoNum type="arabicParenR"/>
+            </a:pPr>
+            <a:r>
+              <a:rPr lang="en-CA" dirty="0">
+                <a:solidFill>
+                  <a:schemeClr val="tx2">
+                    <a:lumMod val="75000"/>
+                  </a:schemeClr>
+                </a:solidFill>
+              </a:rPr>
+              <a:t>LICENSE file directly in the repository</a:t>
+            </a:r>
+          </a:p>
+          <a:p>
+            <a:pPr marL="514350" indent="-514350">
+              <a:buFont typeface="+mj-lt"/>
+              <a:buAutoNum type="arabicParenR"/>
+            </a:pPr>
+            <a:r>
+              <a:rPr lang="en-CA" dirty="0">
+                <a:solidFill>
+                  <a:schemeClr val="tx2">
+                    <a:lumMod val="75000"/>
+                  </a:schemeClr>
+                </a:solidFill>
+              </a:rPr>
+              <a:t>2.0 LICENSE boiler-plate to the bottom of your README.md</a:t>
+            </a:r>
+          </a:p>
+          <a:p>
+            <a:pPr marL="514350" indent="-514350">
+              <a:buFont typeface="+mj-lt"/>
+              <a:buAutoNum type="arabicParenR"/>
+            </a:pPr>
+            <a:r>
+              <a:rPr lang="en-CA" dirty="0">
+                <a:solidFill>
+                  <a:schemeClr val="tx2">
+                    <a:lumMod val="75000"/>
+                  </a:schemeClr>
+                </a:solidFill>
+              </a:rPr>
+              <a:t>LICENSE boiler-plate to the comments header of </a:t>
+            </a:r>
+            <a:r>
+              <a:rPr lang="en-CA" i="1" dirty="0">
+                <a:solidFill>
+                  <a:schemeClr val="tx2">
+                    <a:lumMod val="75000"/>
+                  </a:schemeClr>
+                </a:solidFill>
+              </a:rPr>
+              <a:t>every source code file</a:t>
+            </a:r>
+            <a:endParaRPr lang="en-CA" dirty="0">
+              <a:solidFill>
+                <a:schemeClr val="tx2">
+                  <a:lumMod val="75000"/>
+                </a:schemeClr>
+              </a:solidFill>
+            </a:endParaRPr>
+          </a:p>
+        </p:txBody>
+      </p:sp>
+      <p:sp>
+        <p:nvSpPr>
+          <p:cNvPr id="6" name="Title 1"/>
+          <p:cNvSpPr txBox="1">
+            <a:spLocks/>
+          </p:cNvSpPr>
+          <p:nvPr/>
+        </p:nvSpPr>
+        <p:spPr>
+          <a:xfrm>
+            <a:off x="1979240" y="4653136"/>
+            <a:ext cx="8229600" cy="1143000"/>
+          </a:xfrm>
+          <a:prstGeom prst="rect">
+            <a:avLst/>
+          </a:prstGeom>
+        </p:spPr>
+        <p:txBody>
+          <a:bodyPr vert="horz" lIns="91440" tIns="45720" rIns="91440" bIns="45720" rtlCol="0" anchor="ctr">
+            <a:normAutofit/>
+          </a:bodyPr>
+          <a:lstStyle>
+            <a:lvl1pPr algn="ctr" defTabSz="914400" rtl="0" eaLnBrk="1" latinLnBrk="0" hangingPunct="1">
+              <a:spcBef>
+                <a:spcPct val="0"/>
+              </a:spcBef>
+              <a:buNone/>
+              <a:defRPr sz="4400" kern="1200">
+                <a:solidFill>
+                  <a:schemeClr val="tx1"/>
+                </a:solidFill>
+                <a:latin typeface="+mj-lt"/>
+                <a:ea typeface="+mj-ea"/>
+                <a:cs typeface="+mj-cs"/>
+              </a:defRPr>
+            </a:lvl1pPr>
+          </a:lstStyle>
+          <a:p>
+            <a:endParaRPr lang="en-CA" dirty="0">
+              <a:solidFill>
+                <a:schemeClr val="tx2">
+                  <a:lumMod val="75000"/>
+                </a:schemeClr>
+              </a:solidFill>
+            </a:endParaRPr>
+          </a:p>
+        </p:txBody>
+      </p:sp>
       <p:pic>
         <p:nvPicPr>
           <p:cNvPr id="3" name="Picture 2">
             <a:extLst>
               <a:ext uri="{FF2B5EF4-FFF2-40B4-BE49-F238E27FC236}">
-                <a16:creationId xmlns:a16="http://schemas.microsoft.com/office/drawing/2014/main" id="{7FC73935-3708-3263-C81E-F5ABFAD5B3A7}"/>
+                <a16:creationId xmlns:a16="http://schemas.microsoft.com/office/drawing/2014/main" id="{62B06ABD-858A-4957-9987-361E5096514C}"/>
               </a:ext>
             </a:extLst>
           </p:cNvPr>
@@ -14833,7 +15226,7 @@
     </p:spTree>
     <p:extLst>
       <p:ext uri="{BB962C8B-B14F-4D97-AF65-F5344CB8AC3E}">
-        <p14:creationId xmlns:p14="http://schemas.microsoft.com/office/powerpoint/2010/main" val="3446030368"/>
+        <p14:creationId xmlns:p14="http://schemas.microsoft.com/office/powerpoint/2010/main" val="2374351421"/>
       </p:ext>
     </p:extLst>
   </p:cSld>
@@ -14872,6 +15265,178 @@
         </p:nvSpPr>
         <p:spPr>
           <a:xfrm>
+            <a:off x="862690" y="2649450"/>
+            <a:ext cx="2288822" cy="1325563"/>
+          </a:xfrm>
+        </p:spPr>
+        <p:txBody>
+          <a:bodyPr/>
+          <a:lstStyle/>
+          <a:p>
+            <a:r>
+              <a:rPr lang="en-CA" dirty="0" err="1">
+                <a:solidFill>
+                  <a:schemeClr val="tx2">
+                    <a:lumMod val="75000"/>
+                  </a:schemeClr>
+                </a:solidFill>
+              </a:rPr>
+              <a:t>BCGov</a:t>
+            </a:r>
+            <a:r>
+              <a:rPr lang="en-CA" dirty="0">
+                <a:solidFill>
+                  <a:schemeClr val="tx2">
+                    <a:lumMod val="75000"/>
+                  </a:schemeClr>
+                </a:solidFill>
+              </a:rPr>
+              <a:t> Org Stats</a:t>
+            </a:r>
+          </a:p>
+        </p:txBody>
+      </p:sp>
+      <p:pic>
+        <p:nvPicPr>
+          <p:cNvPr id="1026" name="Picture 2"/>
+          <p:cNvPicPr>
+            <a:picLocks noChangeAspect="1" noChangeArrowheads="1"/>
+          </p:cNvPicPr>
+          <p:nvPr/>
+        </p:nvPicPr>
+        <p:blipFill>
+          <a:blip r:embed="rId3">
+            <a:extLst>
+              <a:ext uri="{28A0092B-C50C-407E-A947-70E740481C1C}">
+                <a14:useLocalDpi xmlns:a14="http://schemas.microsoft.com/office/drawing/2010/main" val="0"/>
+              </a:ext>
+            </a:extLst>
+          </a:blip>
+          <a:srcRect/>
+          <a:stretch/>
+        </p:blipFill>
+        <p:spPr bwMode="auto">
+          <a:xfrm>
+            <a:off x="3151512" y="656692"/>
+            <a:ext cx="8440137" cy="5544616"/>
+          </a:xfrm>
+          <a:prstGeom prst="rect">
+            <a:avLst/>
+          </a:prstGeom>
+          <a:noFill/>
+          <a:extLst>
+            <a:ext uri="{909E8E84-426E-40DD-AFC4-6F175D3DCCD1}">
+              <a14:hiddenFill xmlns:a14="http://schemas.microsoft.com/office/drawing/2010/main">
+                <a:solidFill>
+                  <a:srgbClr val="FFFFFF"/>
+                </a:solidFill>
+              </a14:hiddenFill>
+            </a:ext>
+          </a:extLst>
+        </p:spPr>
+      </p:pic>
+      <p:pic>
+        <p:nvPicPr>
+          <p:cNvPr id="3" name="Picture 2">
+            <a:extLst>
+              <a:ext uri="{FF2B5EF4-FFF2-40B4-BE49-F238E27FC236}">
+                <a16:creationId xmlns:a16="http://schemas.microsoft.com/office/drawing/2014/main" id="{7FC73935-3708-3263-C81E-F5ABFAD5B3A7}"/>
+              </a:ext>
+            </a:extLst>
+          </p:cNvPr>
+          <p:cNvPicPr>
+            <a:picLocks noChangeAspect="1" noChangeArrowheads="1"/>
+          </p:cNvPicPr>
+          <p:nvPr/>
+        </p:nvPicPr>
+        <p:blipFill>
+          <a:blip r:embed="rId4">
+            <a:extLst>
+              <a:ext uri="{28A0092B-C50C-407E-A947-70E740481C1C}">
+                <a14:useLocalDpi xmlns:a14="http://schemas.microsoft.com/office/drawing/2010/main" val="0"/>
+              </a:ext>
+            </a:extLst>
+          </a:blip>
+          <a:srcRect/>
+          <a:stretch>
+            <a:fillRect/>
+          </a:stretch>
+        </p:blipFill>
+        <p:spPr bwMode="auto">
+          <a:xfrm>
+            <a:off x="35496" y="44624"/>
+            <a:ext cx="1209675" cy="495300"/>
+          </a:xfrm>
+          <a:prstGeom prst="rect">
+            <a:avLst/>
+          </a:prstGeom>
+          <a:noFill/>
+          <a:ln>
+            <a:noFill/>
+          </a:ln>
+          <a:extLst>
+            <a:ext uri="{909E8E84-426E-40DD-AFC4-6F175D3DCCD1}">
+              <a14:hiddenFill xmlns:a14="http://schemas.microsoft.com/office/drawing/2010/main">
+                <a:solidFill>
+                  <a:schemeClr val="accent1"/>
+                </a:solidFill>
+              </a14:hiddenFill>
+            </a:ext>
+            <a:ext uri="{91240B29-F687-4F45-9708-019B960494DF}">
+              <a14:hiddenLine xmlns:a14="http://schemas.microsoft.com/office/drawing/2010/main" w="9525">
+                <a:solidFill>
+                  <a:schemeClr val="tx1"/>
+                </a:solidFill>
+                <a:miter lim="800000"/>
+                <a:headEnd/>
+                <a:tailEnd/>
+              </a14:hiddenLine>
+            </a:ext>
+          </a:extLst>
+        </p:spPr>
+      </p:pic>
+    </p:spTree>
+    <p:extLst>
+      <p:ext uri="{BB962C8B-B14F-4D97-AF65-F5344CB8AC3E}">
+        <p14:creationId xmlns:p14="http://schemas.microsoft.com/office/powerpoint/2010/main" val="3446030368"/>
+      </p:ext>
+    </p:extLst>
+  </p:cSld>
+  <p:clrMapOvr>
+    <a:masterClrMapping/>
+  </p:clrMapOvr>
+</p:sld>
+</file>
+
+<file path=ppt/slides/slide37.xml><?xml version="1.0" encoding="utf-8"?>
+<p:sld xmlns:a="http://schemas.openxmlformats.org/drawingml/2006/main" xmlns:r="http://schemas.openxmlformats.org/officeDocument/2006/relationships" xmlns:p="http://schemas.openxmlformats.org/presentationml/2006/main">
+  <p:cSld>
+    <p:spTree>
+      <p:nvGrpSpPr>
+        <p:cNvPr id="1" name=""/>
+        <p:cNvGrpSpPr/>
+        <p:nvPr/>
+      </p:nvGrpSpPr>
+      <p:grpSpPr>
+        <a:xfrm>
+          <a:off x="0" y="0"/>
+          <a:ext cx="0" cy="0"/>
+          <a:chOff x="0" y="0"/>
+          <a:chExt cx="0" cy="0"/>
+        </a:xfrm>
+      </p:grpSpPr>
+      <p:sp>
+        <p:nvSpPr>
+          <p:cNvPr id="2" name="Title 1"/>
+          <p:cNvSpPr>
+            <a:spLocks noGrp="1"/>
+          </p:cNvSpPr>
+          <p:nvPr>
+            <p:ph type="title"/>
+          </p:nvPr>
+        </p:nvSpPr>
+        <p:spPr>
+          <a:xfrm>
             <a:off x="1826840" y="269776"/>
             <a:ext cx="8229600" cy="1143000"/>
           </a:xfrm>
@@ -15089,7 +15654,7 @@
 </p:sld>
 </file>
 
-<file path=ppt/slides/slide37.xml><?xml version="1.0" encoding="utf-8"?>
+<file path=ppt/slides/slide38.xml><?xml version="1.0" encoding="utf-8"?>
 <p:sld xmlns:a="http://schemas.openxmlformats.org/drawingml/2006/main" xmlns:r="http://schemas.openxmlformats.org/officeDocument/2006/relationships" xmlns:p="http://schemas.openxmlformats.org/presentationml/2006/main">
   <p:cSld>
     <p:spTree>
@@ -15542,7 +16107,7 @@
             </a:r>
             <a:r>
               <a:rPr lang="en-CA" sz="2200" dirty="0">
-                <a:hlinkClick r:id="rId2"/>
+                <a:hlinkClick r:id="rId3"/>
               </a:rPr>
               <a:t>https://bcgov.github.io/ds-intro-to-git</a:t>
             </a:r>
@@ -15568,7 +16133,7 @@
           <p:nvPr/>
         </p:nvPicPr>
         <p:blipFill>
-          <a:blip r:embed="rId3">
+          <a:blip r:embed="rId4">
             <a:extLst>
               <a:ext uri="{28A0092B-C50C-407E-A947-70E740481C1C}">
                 <a14:useLocalDpi xmlns:a14="http://schemas.microsoft.com/office/drawing/2010/main" val="0"/>
@@ -15615,7 +16180,7 @@
           <p:nvPr/>
         </p:nvPicPr>
         <p:blipFill>
-          <a:blip r:embed="rId4">
+          <a:blip r:embed="rId5">
             <a:extLst>
               <a:ext uri="{28A0092B-C50C-407E-A947-70E740481C1C}">
                 <a14:useLocalDpi xmlns:a14="http://schemas.microsoft.com/office/drawing/2010/main" val="0"/>
@@ -15877,6 +16442,90 @@
           <a:chExt cx="0" cy="0"/>
         </a:xfrm>
       </p:grpSpPr>
+      <p:sp>
+        <p:nvSpPr>
+          <p:cNvPr id="2" name="Title 1">
+            <a:extLst>
+              <a:ext uri="{FF2B5EF4-FFF2-40B4-BE49-F238E27FC236}">
+                <a16:creationId xmlns:a16="http://schemas.microsoft.com/office/drawing/2014/main" id="{1ABA0772-D451-F455-D131-9E4A975E4266}"/>
+              </a:ext>
+            </a:extLst>
+          </p:cNvPr>
+          <p:cNvSpPr>
+            <a:spLocks noGrp="1"/>
+          </p:cNvSpPr>
+          <p:nvPr>
+            <p:ph type="title"/>
+          </p:nvPr>
+        </p:nvSpPr>
+        <p:spPr/>
+        <p:txBody>
+          <a:bodyPr/>
+          <a:lstStyle/>
+          <a:p>
+            <a:r>
+              <a:rPr lang="en-CA" dirty="0"/>
+              <a:t>Why Should BC Stats adopt this?</a:t>
+            </a:r>
+            <a:endParaRPr lang="en-US" dirty="0"/>
+          </a:p>
+        </p:txBody>
+      </p:sp>
+      <p:sp>
+        <p:nvSpPr>
+          <p:cNvPr id="3" name="Content Placeholder 2">
+            <a:extLst>
+              <a:ext uri="{FF2B5EF4-FFF2-40B4-BE49-F238E27FC236}">
+                <a16:creationId xmlns:a16="http://schemas.microsoft.com/office/drawing/2014/main" id="{86895274-EF70-FF03-7F75-414CBE408266}"/>
+              </a:ext>
+            </a:extLst>
+          </p:cNvPr>
+          <p:cNvSpPr>
+            <a:spLocks noGrp="1"/>
+          </p:cNvSpPr>
+          <p:nvPr>
+            <p:ph idx="1"/>
+          </p:nvPr>
+        </p:nvSpPr>
+        <p:spPr/>
+        <p:txBody>
+          <a:bodyPr/>
+          <a:lstStyle/>
+          <a:p>
+            <a:endParaRPr lang="en-US"/>
+          </a:p>
+        </p:txBody>
+      </p:sp>
+    </p:spTree>
+    <p:extLst>
+      <p:ext uri="{BB962C8B-B14F-4D97-AF65-F5344CB8AC3E}">
+        <p14:creationId xmlns:p14="http://schemas.microsoft.com/office/powerpoint/2010/main" val="2696076613"/>
+      </p:ext>
+    </p:extLst>
+  </p:cSld>
+  <p:clrMapOvr>
+    <a:masterClrMapping/>
+  </p:clrMapOvr>
+</p:sld>
+</file>
+
+<file path=ppt/slides/slide8.xml><?xml version="1.0" encoding="utf-8"?>
+<p:sld xmlns:a="http://schemas.openxmlformats.org/drawingml/2006/main" xmlns:r="http://schemas.openxmlformats.org/officeDocument/2006/relationships" xmlns:p="http://schemas.openxmlformats.org/presentationml/2006/main">
+  <p:cSld>
+    <p:spTree>
+      <p:nvGrpSpPr>
+        <p:cNvPr id="1" name=""/>
+        <p:cNvGrpSpPr/>
+        <p:nvPr/>
+      </p:nvGrpSpPr>
+      <p:grpSpPr>
+        <a:xfrm>
+          <a:off x="0" y="0"/>
+          <a:ext cx="0" cy="0"/>
+          <a:chOff x="0" y="0"/>
+          <a:chExt cx="0" cy="0"/>
+        </a:xfrm>
+      </p:grpSpPr>
       <p:pic>
         <p:nvPicPr>
           <p:cNvPr id="3074" name="Picture 2"/>
@@ -15954,7 +16603,7 @@
 </p:sld>
 </file>
 
-<file path=ppt/slides/slide8.xml><?xml version="1.0" encoding="utf-8"?>
+<file path=ppt/slides/slide9.xml><?xml version="1.0" encoding="utf-8"?>
 <p:sld xmlns:a="http://schemas.openxmlformats.org/drawingml/2006/main" xmlns:r="http://schemas.openxmlformats.org/officeDocument/2006/relationships" xmlns:p="http://schemas.openxmlformats.org/presentationml/2006/main">
   <p:cSld>
     <p:spTree>
@@ -16498,351 +17147,6 @@
     <p:extLst>
       <p:ext uri="{BB962C8B-B14F-4D97-AF65-F5344CB8AC3E}">
         <p14:creationId xmlns:p14="http://schemas.microsoft.com/office/powerpoint/2010/main" val="3039252639"/>
-      </p:ext>
-    </p:extLst>
-  </p:cSld>
-  <p:clrMapOvr>
-    <a:masterClrMapping/>
-  </p:clrMapOvr>
-</p:sld>
-</file>
-
-<file path=ppt/slides/slide9.xml><?xml version="1.0" encoding="utf-8"?>
-<p:sld xmlns:a="http://schemas.openxmlformats.org/drawingml/2006/main" xmlns:r="http://schemas.openxmlformats.org/officeDocument/2006/relationships" xmlns:p="http://schemas.openxmlformats.org/presentationml/2006/main">
-  <p:cSld>
-    <p:spTree>
-      <p:nvGrpSpPr>
-        <p:cNvPr id="1" name=""/>
-        <p:cNvGrpSpPr/>
-        <p:nvPr/>
-      </p:nvGrpSpPr>
-      <p:grpSpPr>
-        <a:xfrm>
-          <a:off x="0" y="0"/>
-          <a:ext cx="0" cy="0"/>
-          <a:chOff x="0" y="0"/>
-          <a:chExt cx="0" cy="0"/>
-        </a:xfrm>
-      </p:grpSpPr>
-      <p:sp>
-        <p:nvSpPr>
-          <p:cNvPr id="2" name="Title 1"/>
-          <p:cNvSpPr>
-            <a:spLocks noGrp="1"/>
-          </p:cNvSpPr>
-          <p:nvPr>
-            <p:ph type="title"/>
-          </p:nvPr>
-        </p:nvSpPr>
-        <p:spPr>
-          <a:xfrm>
-            <a:off x="1991544" y="836712"/>
-            <a:ext cx="8229600" cy="1143000"/>
-          </a:xfrm>
-        </p:spPr>
-        <p:txBody>
-          <a:bodyPr>
-            <a:normAutofit/>
-          </a:bodyPr>
-          <a:lstStyle/>
-          <a:p>
-            <a:r>
-              <a:rPr lang="en-CA" sz="4800" dirty="0">
-                <a:solidFill>
-                  <a:srgbClr val="005493"/>
-                </a:solidFill>
-                <a:latin typeface="+mn-lt"/>
-                <a:ea typeface="+mn-ea"/>
-                <a:cs typeface="+mn-cs"/>
-              </a:rPr>
-              <a:t>Changes saved sequentially </a:t>
-            </a:r>
-          </a:p>
-        </p:txBody>
-      </p:sp>
-      <p:pic>
-        <p:nvPicPr>
-          <p:cNvPr id="4098" name="Picture 2" descr="C:\_dev\git-EIS-2015-11-04\img\play-changes.png"/>
-          <p:cNvPicPr>
-            <a:picLocks noChangeAspect="1" noChangeArrowheads="1"/>
-          </p:cNvPicPr>
-          <p:nvPr/>
-        </p:nvPicPr>
-        <p:blipFill>
-          <a:blip r:embed="rId3" cstate="print">
-            <a:extLst>
-              <a:ext uri="{28A0092B-C50C-407E-A947-70E740481C1C}">
-                <a14:useLocalDpi xmlns:a14="http://schemas.microsoft.com/office/drawing/2010/main" val="0"/>
-              </a:ext>
-            </a:extLst>
-          </a:blip>
-          <a:srcRect/>
-          <a:stretch>
-            <a:fillRect/>
-          </a:stretch>
-        </p:blipFill>
-        <p:spPr bwMode="auto">
-          <a:xfrm>
-            <a:off x="2628900" y="2510137"/>
-            <a:ext cx="6934200" cy="1663700"/>
-          </a:xfrm>
-          <a:prstGeom prst="rect">
-            <a:avLst/>
-          </a:prstGeom>
-          <a:noFill/>
-          <a:extLst>
-            <a:ext uri="{909E8E84-426E-40DD-AFC4-6F175D3DCCD1}">
-              <a14:hiddenFill xmlns:a14="http://schemas.microsoft.com/office/drawing/2010/main">
-                <a:solidFill>
-                  <a:srgbClr val="FFFFFF"/>
-                </a:solidFill>
-              </a14:hiddenFill>
-            </a:ext>
-          </a:extLst>
-        </p:spPr>
-      </p:pic>
-      <p:pic>
-        <p:nvPicPr>
-          <p:cNvPr id="4" name="Picture 2"/>
-          <p:cNvPicPr>
-            <a:picLocks noChangeAspect="1" noChangeArrowheads="1"/>
-          </p:cNvPicPr>
-          <p:nvPr/>
-        </p:nvPicPr>
-        <p:blipFill>
-          <a:blip r:embed="rId4" cstate="print">
-            <a:extLst>
-              <a:ext uri="{28A0092B-C50C-407E-A947-70E740481C1C}">
-                <a14:useLocalDpi xmlns:a14="http://schemas.microsoft.com/office/drawing/2010/main" val="0"/>
-              </a:ext>
-            </a:extLst>
-          </a:blip>
-          <a:srcRect/>
-          <a:stretch>
-            <a:fillRect/>
-          </a:stretch>
-        </p:blipFill>
-        <p:spPr bwMode="auto">
-          <a:xfrm>
-            <a:off x="181805" y="148369"/>
-            <a:ext cx="1649616" cy="688343"/>
-          </a:xfrm>
-          <a:prstGeom prst="rect">
-            <a:avLst/>
-          </a:prstGeom>
-          <a:noFill/>
-          <a:ln>
-            <a:noFill/>
-          </a:ln>
-          <a:effectLst/>
-          <a:extLst>
-            <a:ext uri="{909E8E84-426E-40DD-AFC4-6F175D3DCCD1}">
-              <a14:hiddenFill xmlns:a14="http://schemas.microsoft.com/office/drawing/2010/main">
-                <a:solidFill>
-                  <a:schemeClr val="accent1"/>
-                </a:solidFill>
-              </a14:hiddenFill>
-            </a:ext>
-            <a:ext uri="{91240B29-F687-4F45-9708-019B960494DF}">
-              <a14:hiddenLine xmlns:a14="http://schemas.microsoft.com/office/drawing/2010/main" w="9525">
-                <a:solidFill>
-                  <a:schemeClr val="tx1"/>
-                </a:solidFill>
-                <a:miter lim="800000"/>
-                <a:headEnd/>
-                <a:tailEnd/>
-              </a14:hiddenLine>
-            </a:ext>
-            <a:ext uri="{AF507438-7753-43E0-B8FC-AC1667EBCBE1}">
-              <a14:hiddenEffects xmlns:a14="http://schemas.microsoft.com/office/drawing/2010/main">
-                <a:effectLst>
-                  <a:outerShdw dist="35921" dir="2700000" algn="ctr" rotWithShape="0">
-                    <a:schemeClr val="bg2"/>
-                  </a:outerShdw>
-                </a:effectLst>
-              </a14:hiddenEffects>
-            </a:ext>
-          </a:extLst>
-        </p:spPr>
-      </p:pic>
-      <p:sp>
-        <p:nvSpPr>
-          <p:cNvPr id="5" name="Title 1">
-            <a:extLst>
-              <a:ext uri="{FF2B5EF4-FFF2-40B4-BE49-F238E27FC236}">
-                <a16:creationId xmlns:a16="http://schemas.microsoft.com/office/drawing/2014/main" id="{516C61F4-6668-A54A-953E-7EB0353EBA8E}"/>
-              </a:ext>
-            </a:extLst>
-          </p:cNvPr>
-          <p:cNvSpPr txBox="1">
-            <a:spLocks/>
-          </p:cNvSpPr>
-          <p:nvPr/>
-        </p:nvSpPr>
-        <p:spPr>
-          <a:xfrm>
-            <a:off x="2166392" y="4205174"/>
-            <a:ext cx="2242592" cy="504056"/>
-          </a:xfrm>
-          <a:prstGeom prst="rect">
-            <a:avLst/>
-          </a:prstGeom>
-        </p:spPr>
-        <p:txBody>
-          <a:bodyPr vert="horz" lIns="91440" tIns="45720" rIns="91440" bIns="45720" rtlCol="0" anchor="ctr">
-            <a:normAutofit/>
-          </a:bodyPr>
-          <a:lstStyle>
-            <a:lvl1pPr algn="ctr" defTabSz="914400" rtl="0" eaLnBrk="1" latinLnBrk="0" hangingPunct="1">
-              <a:spcBef>
-                <a:spcPct val="0"/>
-              </a:spcBef>
-              <a:buNone/>
-              <a:defRPr sz="4400" kern="1200">
-                <a:solidFill>
-                  <a:schemeClr val="tx1"/>
-                </a:solidFill>
-                <a:latin typeface="+mj-lt"/>
-                <a:ea typeface="+mj-ea"/>
-                <a:cs typeface="+mj-cs"/>
-              </a:defRPr>
-            </a:lvl1pPr>
-          </a:lstStyle>
-          <a:p>
-            <a:r>
-              <a:rPr lang="en-CA" sz="2400" dirty="0">
-                <a:solidFill>
-                  <a:srgbClr val="005493"/>
-                </a:solidFill>
-                <a:latin typeface="+mn-lt"/>
-                <a:ea typeface="+mn-ea"/>
-                <a:cs typeface="+mn-cs"/>
-              </a:rPr>
-              <a:t>Base Version</a:t>
-            </a:r>
-          </a:p>
-        </p:txBody>
-      </p:sp>
-      <p:sp>
-        <p:nvSpPr>
-          <p:cNvPr id="10" name="Title 1">
-            <a:extLst>
-              <a:ext uri="{FF2B5EF4-FFF2-40B4-BE49-F238E27FC236}">
-                <a16:creationId xmlns:a16="http://schemas.microsoft.com/office/drawing/2014/main" id="{8B098832-7EE6-B84D-9ED5-31B71A3E4ADC}"/>
-              </a:ext>
-            </a:extLst>
-          </p:cNvPr>
-          <p:cNvSpPr txBox="1">
-            <a:spLocks/>
-          </p:cNvSpPr>
-          <p:nvPr/>
-        </p:nvSpPr>
-        <p:spPr>
-          <a:xfrm>
-            <a:off x="3503712" y="2224848"/>
-            <a:ext cx="2242592" cy="504056"/>
-          </a:xfrm>
-          <a:prstGeom prst="rect">
-            <a:avLst/>
-          </a:prstGeom>
-        </p:spPr>
-        <p:txBody>
-          <a:bodyPr vert="horz" lIns="91440" tIns="45720" rIns="91440" bIns="45720" rtlCol="0" anchor="ctr">
-            <a:normAutofit/>
-          </a:bodyPr>
-          <a:lstStyle>
-            <a:lvl1pPr algn="ctr" defTabSz="914400" rtl="0" eaLnBrk="1" latinLnBrk="0" hangingPunct="1">
-              <a:spcBef>
-                <a:spcPct val="0"/>
-              </a:spcBef>
-              <a:buNone/>
-              <a:defRPr sz="4400" kern="1200">
-                <a:solidFill>
-                  <a:schemeClr val="tx1"/>
-                </a:solidFill>
-                <a:latin typeface="+mj-lt"/>
-                <a:ea typeface="+mj-ea"/>
-                <a:cs typeface="+mj-cs"/>
-              </a:defRPr>
-            </a:lvl1pPr>
-          </a:lstStyle>
-          <a:p>
-            <a:r>
-              <a:rPr lang="en-CA" sz="2400" dirty="0">
-                <a:solidFill>
-                  <a:srgbClr val="005493"/>
-                </a:solidFill>
-                <a:latin typeface="+mn-lt"/>
-                <a:ea typeface="+mn-ea"/>
-                <a:cs typeface="+mn-cs"/>
-              </a:rPr>
-              <a:t>Commit</a:t>
-            </a:r>
-          </a:p>
-        </p:txBody>
-      </p:sp>
-      <p:sp>
-        <p:nvSpPr>
-          <p:cNvPr id="11" name="Title 1">
-            <a:extLst>
-              <a:ext uri="{FF2B5EF4-FFF2-40B4-BE49-F238E27FC236}">
-                <a16:creationId xmlns:a16="http://schemas.microsoft.com/office/drawing/2014/main" id="{1678E552-D7E1-E446-99EA-751D5DE292BA}"/>
-              </a:ext>
-            </a:extLst>
-          </p:cNvPr>
-          <p:cNvSpPr txBox="1">
-            <a:spLocks/>
-          </p:cNvSpPr>
-          <p:nvPr/>
-        </p:nvSpPr>
-        <p:spPr>
-          <a:xfrm>
-            <a:off x="6312024" y="2213584"/>
-            <a:ext cx="2242592" cy="504056"/>
-          </a:xfrm>
-          <a:prstGeom prst="rect">
-            <a:avLst/>
-          </a:prstGeom>
-        </p:spPr>
-        <p:txBody>
-          <a:bodyPr vert="horz" lIns="91440" tIns="45720" rIns="91440" bIns="45720" rtlCol="0" anchor="ctr">
-            <a:normAutofit/>
-          </a:bodyPr>
-          <a:lstStyle>
-            <a:lvl1pPr algn="ctr" defTabSz="914400" rtl="0" eaLnBrk="1" latinLnBrk="0" hangingPunct="1">
-              <a:spcBef>
-                <a:spcPct val="0"/>
-              </a:spcBef>
-              <a:buNone/>
-              <a:defRPr sz="4400" kern="1200">
-                <a:solidFill>
-                  <a:schemeClr val="tx1"/>
-                </a:solidFill>
-                <a:latin typeface="+mj-lt"/>
-                <a:ea typeface="+mj-ea"/>
-                <a:cs typeface="+mj-cs"/>
-              </a:defRPr>
-            </a:lvl1pPr>
-          </a:lstStyle>
-          <a:p>
-            <a:r>
-              <a:rPr lang="en-CA" sz="2400" dirty="0">
-                <a:solidFill>
-                  <a:srgbClr val="005493"/>
-                </a:solidFill>
-                <a:latin typeface="+mn-lt"/>
-                <a:ea typeface="+mn-ea"/>
-                <a:cs typeface="+mn-cs"/>
-              </a:rPr>
-              <a:t>Commit</a:t>
-            </a:r>
-          </a:p>
-        </p:txBody>
-      </p:sp>
-    </p:spTree>
-    <p:extLst>
-      <p:ext uri="{BB962C8B-B14F-4D97-AF65-F5344CB8AC3E}">
-        <p14:creationId xmlns:p14="http://schemas.microsoft.com/office/powerpoint/2010/main" val="2602360475"/>
       </p:ext>
     </p:extLst>
   </p:cSld>
